--- a/MABUG2014-8743.pptx
+++ b/MABUG2014-8743.pptx
@@ -900,6 +900,111 @@
           <a:bodyPr/>
           <a:lstStyle/>
           <a:p>
+            <a:r>
+              <a:rPr lang="en-US" dirty="0" smtClean="0"/>
+              <a:t>Howard </a:t>
+            </a:r>
+            <a:r>
+              <a:rPr lang="en-US" dirty="0" err="1" smtClean="0"/>
+              <a:t>Frysinger</a:t>
+            </a:r>
+            <a:r>
+              <a:rPr lang="en-US" baseline="0" dirty="0" smtClean="0"/>
+              <a:t> is on Facebook, I </a:t>
+            </a:r>
+            <a:r>
+              <a:rPr lang="en-US" baseline="0" dirty="0" err="1" smtClean="0"/>
+              <a:t>googled</a:t>
+            </a:r>
+            <a:r>
+              <a:rPr lang="en-US" baseline="0" smtClean="0"/>
+              <a:t> him</a:t>
+            </a:r>
+            <a:endParaRPr lang="en-US"/>
+          </a:p>
+        </p:txBody>
+      </p:sp>
+      <p:sp>
+        <p:nvSpPr>
+          <p:cNvPr id="4" name="Slide Number Placeholder 3"/>
+          <p:cNvSpPr>
+            <a:spLocks noGrp="1"/>
+          </p:cNvSpPr>
+          <p:nvPr>
+            <p:ph type="sldNum" sz="quarter" idx="10"/>
+          </p:nvPr>
+        </p:nvSpPr>
+        <p:spPr/>
+        <p:txBody>
+          <a:bodyPr/>
+          <a:lstStyle/>
+          <a:p>
+            <a:fld id="{B5CF5F01-DE69-42C6-A6BC-27980DDEA61B}" type="slidenum">
+              <a:rPr lang="en-US" smtClean="0"/>
+              <a:pPr/>
+              <a:t>22</a:t>
+            </a:fld>
+            <a:endParaRPr lang="en-US"/>
+          </a:p>
+        </p:txBody>
+      </p:sp>
+    </p:spTree>
+    <p:extLst>
+      <p:ext uri="{BB962C8B-B14F-4D97-AF65-F5344CB8AC3E}">
+        <p14:creationId xmlns:p14="http://schemas.microsoft.com/office/powerpoint/2010/main" val="4161487697"/>
+      </p:ext>
+    </p:extLst>
+  </p:cSld>
+  <p:clrMapOvr>
+    <a:masterClrMapping/>
+  </p:clrMapOvr>
+</p:notes>
+</file>
+
+<file path=ppt/notesSlides/notesSlide11.xml><?xml version="1.0" encoding="utf-8"?>
+<p:notes xmlns:a="http://schemas.openxmlformats.org/drawingml/2006/main" xmlns:r="http://schemas.openxmlformats.org/officeDocument/2006/relationships" xmlns:p="http://schemas.openxmlformats.org/presentationml/2006/main">
+  <p:cSld>
+    <p:spTree>
+      <p:nvGrpSpPr>
+        <p:cNvPr id="1" name=""/>
+        <p:cNvGrpSpPr/>
+        <p:nvPr/>
+      </p:nvGrpSpPr>
+      <p:grpSpPr>
+        <a:xfrm>
+          <a:off x="0" y="0"/>
+          <a:ext cx="0" cy="0"/>
+          <a:chOff x="0" y="0"/>
+          <a:chExt cx="0" cy="0"/>
+        </a:xfrm>
+      </p:grpSpPr>
+      <p:sp>
+        <p:nvSpPr>
+          <p:cNvPr id="2" name="Slide Image Placeholder 1"/>
+          <p:cNvSpPr>
+            <a:spLocks noGrp="1" noRot="1" noChangeAspect="1"/>
+          </p:cNvSpPr>
+          <p:nvPr>
+            <p:ph type="sldImg"/>
+          </p:nvPr>
+        </p:nvSpPr>
+        <p:spPr/>
+      </p:sp>
+      <p:sp>
+        <p:nvSpPr>
+          <p:cNvPr id="3" name="Notes Placeholder 2"/>
+          <p:cNvSpPr>
+            <a:spLocks noGrp="1"/>
+          </p:cNvSpPr>
+          <p:nvPr>
+            <p:ph type="body" idx="1"/>
+          </p:nvPr>
+        </p:nvSpPr>
+        <p:spPr/>
+        <p:txBody>
+          <a:bodyPr/>
+          <a:lstStyle/>
+          <a:p>
             <a:endParaRPr lang="en-US"/>
           </a:p>
         </p:txBody>
@@ -1554,17 +1659,11 @@
           <a:p>
             <a:r>
               <a:rPr lang="en-US" dirty="0" smtClean="0"/>
-              <a:t>App is deployed if there are NO errors</a:t>
-            </a:r>
-          </a:p>
-          <a:p>
-            <a:r>
-              <a:rPr lang="en-US" dirty="0" smtClean="0"/>
-              <a:t>Jenkins</a:t>
+              <a:t>Able</a:t>
             </a:r>
             <a:r>
               <a:rPr lang="en-US" baseline="0" dirty="0" smtClean="0"/>
-              <a:t> can communicate using various methods – jabber, email…</a:t>
+              <a:t> to select version of Grails to build with</a:t>
             </a:r>
             <a:endParaRPr lang="en-US" dirty="0"/>
           </a:p>
@@ -1588,7 +1687,7 @@
             <a:fld id="{B5CF5F01-DE69-42C6-A6BC-27980DDEA61B}" type="slidenum">
               <a:rPr lang="en-US" smtClean="0"/>
               <a:pPr/>
-              <a:t>15</a:t>
+              <a:t>14</a:t>
             </a:fld>
             <a:endParaRPr lang="en-US"/>
           </a:p>
@@ -1597,7 +1696,7 @@
     </p:spTree>
     <p:extLst>
       <p:ext uri="{BB962C8B-B14F-4D97-AF65-F5344CB8AC3E}">
-        <p14:creationId xmlns:p14="http://schemas.microsoft.com/office/powerpoint/2010/main" val="681828960"/>
+        <p14:creationId xmlns:p14="http://schemas.microsoft.com/office/powerpoint/2010/main" val="874158331"/>
       </p:ext>
     </p:extLst>
   </p:cSld>
@@ -1653,25 +1752,19 @@
           <a:p>
             <a:r>
               <a:rPr lang="en-US" dirty="0" smtClean="0"/>
-              <a:t>Howard </a:t>
-            </a:r>
-            <a:r>
-              <a:rPr lang="en-US" dirty="0" err="1" smtClean="0"/>
-              <a:t>Frysinger</a:t>
+              <a:t>App is deployed if there are NO errors</a:t>
+            </a:r>
+          </a:p>
+          <a:p>
+            <a:r>
+              <a:rPr lang="en-US" dirty="0" smtClean="0"/>
+              <a:t>Jenkins</a:t>
             </a:r>
             <a:r>
               <a:rPr lang="en-US" baseline="0" dirty="0" smtClean="0"/>
-              <a:t> is on Facebook, I </a:t>
-            </a:r>
-            <a:r>
-              <a:rPr lang="en-US" baseline="0" dirty="0" err="1" smtClean="0"/>
-              <a:t>googled</a:t>
-            </a:r>
-            <a:r>
-              <a:rPr lang="en-US" baseline="0" smtClean="0"/>
-              <a:t> him</a:t>
-            </a:r>
-            <a:endParaRPr lang="en-US"/>
+              <a:t> can communicate using various methods – jabber, email…</a:t>
+            </a:r>
+            <a:endParaRPr lang="en-US" dirty="0"/>
           </a:p>
         </p:txBody>
       </p:sp>
@@ -1693,7 +1786,7 @@
             <a:fld id="{B5CF5F01-DE69-42C6-A6BC-27980DDEA61B}" type="slidenum">
               <a:rPr lang="en-US" smtClean="0"/>
               <a:pPr/>
-              <a:t>22</a:t>
+              <a:t>15</a:t>
             </a:fld>
             <a:endParaRPr lang="en-US"/>
           </a:p>
@@ -1702,7 +1795,7 @@
     </p:spTree>
     <p:extLst>
       <p:ext uri="{BB962C8B-B14F-4D97-AF65-F5344CB8AC3E}">
-        <p14:creationId xmlns:p14="http://schemas.microsoft.com/office/powerpoint/2010/main" val="4161487697"/>
+        <p14:creationId xmlns:p14="http://schemas.microsoft.com/office/powerpoint/2010/main" val="681828960"/>
       </p:ext>
     </p:extLst>
   </p:cSld>
@@ -5728,11 +5821,7 @@
             </a:pPr>
             <a:r>
               <a:rPr lang="en-US" sz="2800" dirty="0" smtClean="0"/>
-              <a:t>“Jenkins is an award-winning application that monitors executions of repeated jobs.</a:t>
-            </a:r>
-            <a:r>
-              <a:rPr lang="en-US" sz="2800" dirty="0" smtClean="0"/>
-              <a:t>”</a:t>
+              <a:t>“Jenkins is an award-winning application that monitors executions of repeated jobs.”</a:t>
             </a:r>
           </a:p>
           <a:p>
@@ -5794,10 +5883,39 @@
               <a:rPr lang="en-US" sz="2800" dirty="0" smtClean="0"/>
               <a:t>Jenkins allows us to…</a:t>
             </a:r>
-            <a:endParaRPr lang="en-US" sz="2800" dirty="0" smtClean="0"/>
-          </a:p>
-        </p:txBody>
-      </p:sp>
+          </a:p>
+        </p:txBody>
+      </p:sp>
+      <p:pic>
+        <p:nvPicPr>
+          <p:cNvPr id="2" name="Picture 1" descr="headshot.png"/>
+          <p:cNvPicPr>
+            <a:picLocks noChangeAspect="1"/>
+          </p:cNvPicPr>
+          <p:nvPr/>
+        </p:nvPicPr>
+        <p:blipFill>
+          <a:blip r:embed="rId3">
+            <a:extLst>
+              <a:ext uri="{28A0092B-C50C-407E-A947-70E740481C1C}">
+                <a14:useLocalDpi xmlns:a14="http://schemas.microsoft.com/office/drawing/2010/main" val="0"/>
+              </a:ext>
+            </a:extLst>
+          </a:blip>
+          <a:stretch>
+            <a:fillRect/>
+          </a:stretch>
+        </p:blipFill>
+        <p:spPr>
+          <a:xfrm>
+            <a:off x="7772400" y="990600"/>
+            <a:ext cx="1371600" cy="1371600"/>
+          </a:xfrm>
+          <a:prstGeom prst="rect">
+            <a:avLst/>
+          </a:prstGeom>
+        </p:spPr>
+      </p:pic>
     </p:spTree>
     <p:extLst>
       <p:ext uri="{BB962C8B-B14F-4D97-AF65-F5344CB8AC3E}">
@@ -5931,23 +6049,7 @@
                   <a:srgbClr val="0062AC"/>
                 </a:solidFill>
               </a:rPr>
-              <a:t>What </a:t>
-            </a:r>
-            <a:r>
-              <a:rPr lang="en-US" dirty="0" smtClean="0">
-                <a:solidFill>
-                  <a:srgbClr val="0062AC"/>
-                </a:solidFill>
-              </a:rPr>
-              <a:t>we use</a:t>
-            </a:r>
-            <a:r>
-              <a:rPr lang="en-US" dirty="0" smtClean="0">
-                <a:solidFill>
-                  <a:srgbClr val="0062AC"/>
-                </a:solidFill>
-              </a:rPr>
-              <a:t> Jenkins for</a:t>
+              <a:t>What we use Jenkins for</a:t>
             </a:r>
             <a:endParaRPr lang="en-US" dirty="0">
               <a:solidFill>
@@ -5987,11 +6089,7 @@
             </a:pPr>
             <a:r>
               <a:rPr lang="en-US" sz="2800" dirty="0" smtClean="0"/>
-              <a:t>Ops </a:t>
-            </a:r>
-            <a:r>
-              <a:rPr lang="en-US" sz="2800" dirty="0" smtClean="0"/>
-              <a:t>had been using it for:</a:t>
+              <a:t>Ops had been using it for:</a:t>
             </a:r>
             <a:endParaRPr lang="en-US" sz="2800" dirty="0"/>
           </a:p>
@@ -6037,11 +6135,7 @@
             </a:r>
             <a:r>
               <a:rPr lang="en-US" sz="3000" dirty="0" smtClean="0"/>
-              <a:t>half-</a:t>
-            </a:r>
-            <a:r>
-              <a:rPr lang="en-US" sz="3000" dirty="0" smtClean="0"/>
-              <a:t>deployed</a:t>
+              <a:t>half-deployed</a:t>
             </a:r>
           </a:p>
           <a:p>
@@ -6069,7 +6163,6 @@
               <a:rPr lang="en-US" sz="2800" dirty="0" smtClean="0"/>
               <a:t>Plan on using it to build &amp; deploy XE Apps</a:t>
             </a:r>
-            <a:endParaRPr lang="en-US" sz="2800" dirty="0" smtClean="0"/>
           </a:p>
         </p:txBody>
       </p:sp>
@@ -6368,15 +6461,7 @@
             <a:pPr lvl="1"/>
             <a:r>
               <a:rPr lang="en-US" sz="2600" dirty="0" smtClean="0"/>
-              <a:t>OS – built on the same image as the </a:t>
-            </a:r>
-            <a:r>
-              <a:rPr lang="en-US" sz="2600" dirty="0" smtClean="0"/>
-              <a:t>Tomcat </a:t>
-            </a:r>
-            <a:r>
-              <a:rPr lang="en-US" sz="2600" dirty="0" smtClean="0"/>
-              <a:t>servers</a:t>
+              <a:t>OS – built on the same image as the Tomcat servers</a:t>
             </a:r>
           </a:p>
           <a:p>
@@ -6385,7 +6470,6 @@
               <a:rPr lang="en-US" sz="2600" dirty="0" smtClean="0"/>
               <a:t>Same Java</a:t>
             </a:r>
-            <a:endParaRPr lang="en-US" sz="2600" dirty="0" smtClean="0"/>
           </a:p>
           <a:p>
             <a:pPr lvl="1"/>
@@ -6410,11 +6494,7 @@
             </a:r>
             <a:r>
               <a:rPr lang="en-US" sz="2800" dirty="0" smtClean="0"/>
-              <a:t> check</a:t>
-            </a:r>
-            <a:r>
-              <a:rPr lang="en-US" sz="2800" dirty="0" smtClean="0"/>
-              <a:t>-in</a:t>
+              <a:t> check-in</a:t>
             </a:r>
           </a:p>
           <a:p>
@@ -7865,11 +7945,7 @@
             </a:r>
             <a:r>
               <a:rPr lang="en-US" dirty="0" smtClean="0"/>
-              <a:t>eploy </a:t>
-            </a:r>
-            <a:r>
-              <a:rPr lang="en-US" dirty="0" smtClean="0"/>
-              <a:t>it</a:t>
+              <a:t>eploy it</a:t>
             </a:r>
             <a:endParaRPr lang="en-US" dirty="0"/>
           </a:p>

--- a/MABUG2014-8743.pptx
+++ b/MABUG2014-8743.pptx
@@ -5,10 +5,10 @@
     <p:sldMasterId id="2147483699" r:id="rId1"/>
   </p:sldMasterIdLst>
   <p:notesMasterIdLst>
-    <p:notesMasterId r:id="rId30"/>
+    <p:notesMasterId r:id="rId31"/>
   </p:notesMasterIdLst>
   <p:handoutMasterIdLst>
-    <p:handoutMasterId r:id="rId31"/>
+    <p:handoutMasterId r:id="rId32"/>
   </p:handoutMasterIdLst>
   <p:sldIdLst>
     <p:sldId id="382" r:id="rId2"/>
@@ -22,23 +22,24 @@
     <p:sldId id="440" r:id="rId10"/>
     <p:sldId id="424" r:id="rId11"/>
     <p:sldId id="383" r:id="rId12"/>
-    <p:sldId id="425" r:id="rId13"/>
-    <p:sldId id="389" r:id="rId14"/>
-    <p:sldId id="442" r:id="rId15"/>
-    <p:sldId id="390" r:id="rId16"/>
-    <p:sldId id="391" r:id="rId17"/>
-    <p:sldId id="426" r:id="rId18"/>
-    <p:sldId id="429" r:id="rId19"/>
-    <p:sldId id="435" r:id="rId20"/>
-    <p:sldId id="436" r:id="rId21"/>
-    <p:sldId id="443" r:id="rId22"/>
-    <p:sldId id="437" r:id="rId23"/>
-    <p:sldId id="438" r:id="rId24"/>
-    <p:sldId id="439" r:id="rId25"/>
-    <p:sldId id="416" r:id="rId26"/>
-    <p:sldId id="348" r:id="rId27"/>
+    <p:sldId id="444" r:id="rId13"/>
+    <p:sldId id="425" r:id="rId14"/>
+    <p:sldId id="389" r:id="rId15"/>
+    <p:sldId id="442" r:id="rId16"/>
+    <p:sldId id="390" r:id="rId17"/>
+    <p:sldId id="391" r:id="rId18"/>
+    <p:sldId id="426" r:id="rId19"/>
+    <p:sldId id="429" r:id="rId20"/>
+    <p:sldId id="435" r:id="rId21"/>
+    <p:sldId id="436" r:id="rId22"/>
+    <p:sldId id="443" r:id="rId23"/>
+    <p:sldId id="437" r:id="rId24"/>
+    <p:sldId id="438" r:id="rId25"/>
+    <p:sldId id="439" r:id="rId26"/>
+    <p:sldId id="416" r:id="rId27"/>
     <p:sldId id="441" r:id="rId28"/>
-    <p:sldId id="420" r:id="rId29"/>
+    <p:sldId id="348" r:id="rId29"/>
+    <p:sldId id="420" r:id="rId30"/>
   </p:sldIdLst>
   <p:sldSz cx="9144000" cy="6858000" type="screen4x3"/>
   <p:notesSz cx="6858000" cy="9144000"/>
@@ -252,7 +253,7 @@
           <a:p>
             <a:fld id="{E3B8B232-C17E-47AB-B622-A7FEBAD2BE1C}" type="datetimeFigureOut">
               <a:rPr lang="en-US" smtClean="0"/>
-              <a:t>9/27/14</a:t>
+              <a:t>9/28/14</a:t>
             </a:fld>
             <a:endParaRPr lang="en-US"/>
           </a:p>
@@ -902,25 +903,19 @@
           <a:p>
             <a:r>
               <a:rPr lang="en-US" dirty="0" smtClean="0"/>
-              <a:t>Howard </a:t>
-            </a:r>
-            <a:r>
-              <a:rPr lang="en-US" dirty="0" err="1" smtClean="0"/>
-              <a:t>Frysinger</a:t>
+              <a:t>App is deployed if there are NO errors</a:t>
+            </a:r>
+          </a:p>
+          <a:p>
+            <a:r>
+              <a:rPr lang="en-US" dirty="0" smtClean="0"/>
+              <a:t>Jenkins</a:t>
             </a:r>
             <a:r>
               <a:rPr lang="en-US" baseline="0" dirty="0" smtClean="0"/>
-              <a:t> is on Facebook, I </a:t>
-            </a:r>
-            <a:r>
-              <a:rPr lang="en-US" baseline="0" dirty="0" err="1" smtClean="0"/>
-              <a:t>googled</a:t>
-            </a:r>
-            <a:r>
-              <a:rPr lang="en-US" baseline="0" smtClean="0"/>
-              <a:t> him</a:t>
-            </a:r>
-            <a:endParaRPr lang="en-US"/>
+              <a:t> can communicate using various methods – jabber, email…</a:t>
+            </a:r>
+            <a:endParaRPr lang="en-US" dirty="0"/>
           </a:p>
         </p:txBody>
       </p:sp>
@@ -942,7 +937,7 @@
             <a:fld id="{B5CF5F01-DE69-42C6-A6BC-27980DDEA61B}" type="slidenum">
               <a:rPr lang="en-US" smtClean="0"/>
               <a:pPr/>
-              <a:t>22</a:t>
+              <a:t>16</a:t>
             </a:fld>
             <a:endParaRPr lang="en-US"/>
           </a:p>
@@ -951,7 +946,7 @@
     </p:spTree>
     <p:extLst>
       <p:ext uri="{BB962C8B-B14F-4D97-AF65-F5344CB8AC3E}">
-        <p14:creationId xmlns:p14="http://schemas.microsoft.com/office/powerpoint/2010/main" val="4161487697"/>
+        <p14:creationId xmlns:p14="http://schemas.microsoft.com/office/powerpoint/2010/main" val="681828960"/>
       </p:ext>
     </p:extLst>
   </p:cSld>
@@ -1005,7 +1000,11 @@
           <a:bodyPr/>
           <a:lstStyle/>
           <a:p>
-            <a:endParaRPr lang="en-US"/>
+            <a:r>
+              <a:rPr lang="en-US" dirty="0" smtClean="0"/>
+              <a:t>Show Packer &amp; Vagrant Websites on Chrome</a:t>
+            </a:r>
+            <a:endParaRPr lang="en-US" dirty="0"/>
           </a:p>
         </p:txBody>
       </p:sp>
@@ -1027,7 +1026,197 @@
             <a:fld id="{B5CF5F01-DE69-42C6-A6BC-27980DDEA61B}" type="slidenum">
               <a:rPr lang="en-US" smtClean="0"/>
               <a:pPr/>
-              <a:t>26</a:t>
+              <a:t>18</a:t>
+            </a:fld>
+            <a:endParaRPr lang="en-US"/>
+          </a:p>
+        </p:txBody>
+      </p:sp>
+    </p:spTree>
+    <p:extLst>
+      <p:ext uri="{BB962C8B-B14F-4D97-AF65-F5344CB8AC3E}">
+        <p14:creationId xmlns:p14="http://schemas.microsoft.com/office/powerpoint/2010/main" val="2698525336"/>
+      </p:ext>
+    </p:extLst>
+  </p:cSld>
+  <p:clrMapOvr>
+    <a:masterClrMapping/>
+  </p:clrMapOvr>
+</p:notes>
+</file>
+
+<file path=ppt/notesSlides/notesSlide12.xml><?xml version="1.0" encoding="utf-8"?>
+<p:notes xmlns:a="http://schemas.openxmlformats.org/drawingml/2006/main" xmlns:r="http://schemas.openxmlformats.org/officeDocument/2006/relationships" xmlns:p="http://schemas.openxmlformats.org/presentationml/2006/main">
+  <p:cSld>
+    <p:spTree>
+      <p:nvGrpSpPr>
+        <p:cNvPr id="1" name=""/>
+        <p:cNvGrpSpPr/>
+        <p:nvPr/>
+      </p:nvGrpSpPr>
+      <p:grpSpPr>
+        <a:xfrm>
+          <a:off x="0" y="0"/>
+          <a:ext cx="0" cy="0"/>
+          <a:chOff x="0" y="0"/>
+          <a:chExt cx="0" cy="0"/>
+        </a:xfrm>
+      </p:grpSpPr>
+      <p:sp>
+        <p:nvSpPr>
+          <p:cNvPr id="2" name="Slide Image Placeholder 1"/>
+          <p:cNvSpPr>
+            <a:spLocks noGrp="1" noRot="1" noChangeAspect="1"/>
+          </p:cNvSpPr>
+          <p:nvPr>
+            <p:ph type="sldImg"/>
+          </p:nvPr>
+        </p:nvSpPr>
+        <p:spPr/>
+      </p:sp>
+      <p:sp>
+        <p:nvSpPr>
+          <p:cNvPr id="3" name="Notes Placeholder 2"/>
+          <p:cNvSpPr>
+            <a:spLocks noGrp="1"/>
+          </p:cNvSpPr>
+          <p:nvPr>
+            <p:ph type="body" idx="1"/>
+          </p:nvPr>
+        </p:nvSpPr>
+        <p:spPr/>
+        <p:txBody>
+          <a:bodyPr/>
+          <a:lstStyle/>
+          <a:p>
+            <a:r>
+              <a:rPr lang="en-US" dirty="0" smtClean="0"/>
+              <a:t>Howard </a:t>
+            </a:r>
+            <a:r>
+              <a:rPr lang="en-US" dirty="0" err="1" smtClean="0"/>
+              <a:t>Frysinger</a:t>
+            </a:r>
+            <a:r>
+              <a:rPr lang="en-US" baseline="0" dirty="0" smtClean="0"/>
+              <a:t> is on Facebook, I </a:t>
+            </a:r>
+            <a:r>
+              <a:rPr lang="en-US" baseline="0" dirty="0" err="1" smtClean="0"/>
+              <a:t>googled</a:t>
+            </a:r>
+            <a:r>
+              <a:rPr lang="en-US" baseline="0" smtClean="0"/>
+              <a:t> him</a:t>
+            </a:r>
+            <a:endParaRPr lang="en-US"/>
+          </a:p>
+        </p:txBody>
+      </p:sp>
+      <p:sp>
+        <p:nvSpPr>
+          <p:cNvPr id="4" name="Slide Number Placeholder 3"/>
+          <p:cNvSpPr>
+            <a:spLocks noGrp="1"/>
+          </p:cNvSpPr>
+          <p:nvPr>
+            <p:ph type="sldNum" sz="quarter" idx="10"/>
+          </p:nvPr>
+        </p:nvSpPr>
+        <p:spPr/>
+        <p:txBody>
+          <a:bodyPr/>
+          <a:lstStyle/>
+          <a:p>
+            <a:fld id="{B5CF5F01-DE69-42C6-A6BC-27980DDEA61B}" type="slidenum">
+              <a:rPr lang="en-US" smtClean="0"/>
+              <a:pPr/>
+              <a:t>23</a:t>
+            </a:fld>
+            <a:endParaRPr lang="en-US"/>
+          </a:p>
+        </p:txBody>
+      </p:sp>
+    </p:spTree>
+    <p:extLst>
+      <p:ext uri="{BB962C8B-B14F-4D97-AF65-F5344CB8AC3E}">
+        <p14:creationId xmlns:p14="http://schemas.microsoft.com/office/powerpoint/2010/main" val="4161487697"/>
+      </p:ext>
+    </p:extLst>
+  </p:cSld>
+  <p:clrMapOvr>
+    <a:masterClrMapping/>
+  </p:clrMapOvr>
+</p:notes>
+</file>
+
+<file path=ppt/notesSlides/notesSlide13.xml><?xml version="1.0" encoding="utf-8"?>
+<p:notes xmlns:a="http://schemas.openxmlformats.org/drawingml/2006/main" xmlns:r="http://schemas.openxmlformats.org/officeDocument/2006/relationships" xmlns:p="http://schemas.openxmlformats.org/presentationml/2006/main">
+  <p:cSld>
+    <p:spTree>
+      <p:nvGrpSpPr>
+        <p:cNvPr id="1" name=""/>
+        <p:cNvGrpSpPr/>
+        <p:nvPr/>
+      </p:nvGrpSpPr>
+      <p:grpSpPr>
+        <a:xfrm>
+          <a:off x="0" y="0"/>
+          <a:ext cx="0" cy="0"/>
+          <a:chOff x="0" y="0"/>
+          <a:chExt cx="0" cy="0"/>
+        </a:xfrm>
+      </p:grpSpPr>
+      <p:sp>
+        <p:nvSpPr>
+          <p:cNvPr id="2" name="Slide Image Placeholder 1"/>
+          <p:cNvSpPr>
+            <a:spLocks noGrp="1" noRot="1" noChangeAspect="1"/>
+          </p:cNvSpPr>
+          <p:nvPr>
+            <p:ph type="sldImg"/>
+          </p:nvPr>
+        </p:nvSpPr>
+        <p:spPr/>
+      </p:sp>
+      <p:sp>
+        <p:nvSpPr>
+          <p:cNvPr id="3" name="Notes Placeholder 2"/>
+          <p:cNvSpPr>
+            <a:spLocks noGrp="1"/>
+          </p:cNvSpPr>
+          <p:nvPr>
+            <p:ph type="body" idx="1"/>
+          </p:nvPr>
+        </p:nvSpPr>
+        <p:spPr/>
+        <p:txBody>
+          <a:bodyPr/>
+          <a:lstStyle/>
+          <a:p>
+            <a:endParaRPr lang="en-US"/>
+          </a:p>
+        </p:txBody>
+      </p:sp>
+      <p:sp>
+        <p:nvSpPr>
+          <p:cNvPr id="4" name="Slide Number Placeholder 3"/>
+          <p:cNvSpPr>
+            <a:spLocks noGrp="1"/>
+          </p:cNvSpPr>
+          <p:nvPr>
+            <p:ph type="sldNum" sz="quarter" idx="10"/>
+          </p:nvPr>
+        </p:nvSpPr>
+        <p:spPr/>
+        <p:txBody>
+          <a:bodyPr/>
+          <a:lstStyle/>
+          <a:p>
+            <a:fld id="{B5CF5F01-DE69-42C6-A6BC-27980DDEA61B}" type="slidenum">
+              <a:rPr lang="en-US" smtClean="0"/>
+              <a:pPr/>
+              <a:t>28</a:t>
             </a:fld>
             <a:endParaRPr lang="en-US"/>
           </a:p>
@@ -1479,6 +1668,14 @@
           <a:bodyPr/>
           <a:lstStyle/>
           <a:p>
+            <a:r>
+              <a:rPr lang="en-US" dirty="0" smtClean="0"/>
+              <a:t>Let’s look at these</a:t>
+            </a:r>
+            <a:r>
+              <a:rPr lang="en-US" baseline="0" dirty="0" smtClean="0"/>
+              <a:t> “opportunities”, one at a time.</a:t>
+            </a:r>
             <a:endParaRPr lang="en-US" dirty="0"/>
           </a:p>
         </p:txBody>
@@ -1501,7 +1698,7 @@
             <a:fld id="{B5CF5F01-DE69-42C6-A6BC-27980DDEA61B}" type="slidenum">
               <a:rPr lang="en-US" smtClean="0"/>
               <a:pPr/>
-              <a:t>8</a:t>
+              <a:t>7</a:t>
             </a:fld>
             <a:endParaRPr lang="en-US"/>
           </a:p>
@@ -1510,7 +1707,7 @@
     </p:spTree>
     <p:extLst>
       <p:ext uri="{BB962C8B-B14F-4D97-AF65-F5344CB8AC3E}">
-        <p14:creationId xmlns:p14="http://schemas.microsoft.com/office/powerpoint/2010/main" val="775823027"/>
+        <p14:creationId xmlns:p14="http://schemas.microsoft.com/office/powerpoint/2010/main" val="1831456420"/>
       </p:ext>
     </p:extLst>
   </p:cSld>
@@ -1566,11 +1763,17 @@
           <a:p>
             <a:r>
               <a:rPr lang="en-US" dirty="0" smtClean="0"/>
-              <a:t>Publicly</a:t>
+              <a:t>Using their version of Java and Grails on their Desktop OS</a:t>
+            </a:r>
+          </a:p>
+          <a:p>
+            <a:r>
+              <a:rPr lang="en-US" dirty="0" smtClean="0"/>
+              <a:t>This worked</a:t>
             </a:r>
             <a:r>
               <a:rPr lang="en-US" baseline="0" dirty="0" smtClean="0"/>
-              <a:t> shame via jabber conference room.  Never leave a build broke</a:t>
+              <a:t> most of the time…</a:t>
             </a:r>
             <a:endParaRPr lang="en-US" dirty="0"/>
           </a:p>
@@ -1594,7 +1797,7 @@
             <a:fld id="{B5CF5F01-DE69-42C6-A6BC-27980DDEA61B}" type="slidenum">
               <a:rPr lang="en-US" smtClean="0"/>
               <a:pPr/>
-              <a:t>12</a:t>
+              <a:t>8</a:t>
             </a:fld>
             <a:endParaRPr lang="en-US"/>
           </a:p>
@@ -1603,7 +1806,7 @@
     </p:spTree>
     <p:extLst>
       <p:ext uri="{BB962C8B-B14F-4D97-AF65-F5344CB8AC3E}">
-        <p14:creationId xmlns:p14="http://schemas.microsoft.com/office/powerpoint/2010/main" val="694195417"/>
+        <p14:creationId xmlns:p14="http://schemas.microsoft.com/office/powerpoint/2010/main" val="775823027"/>
       </p:ext>
     </p:extLst>
   </p:cSld>
@@ -1659,11 +1862,21 @@
           <a:p>
             <a:r>
               <a:rPr lang="en-US" dirty="0" smtClean="0"/>
-              <a:t>Able</a:t>
+              <a:t>Publicly</a:t>
             </a:r>
             <a:r>
               <a:rPr lang="en-US" baseline="0" dirty="0" smtClean="0"/>
-              <a:t> to select version of Grails to build with</a:t>
+              <a:t> shame via jabber conference room.  Never leave a build </a:t>
+            </a:r>
+            <a:r>
+              <a:rPr lang="en-US" baseline="0" dirty="0" smtClean="0"/>
+              <a:t>broke</a:t>
+            </a:r>
+          </a:p>
+          <a:p>
+            <a:r>
+              <a:rPr lang="en-US" baseline="0" dirty="0" smtClean="0"/>
+              <a:t>Show Jenkins Website on Chrome</a:t>
             </a:r>
             <a:endParaRPr lang="en-US" dirty="0"/>
           </a:p>
@@ -1687,7 +1900,7 @@
             <a:fld id="{B5CF5F01-DE69-42C6-A6BC-27980DDEA61B}" type="slidenum">
               <a:rPr lang="en-US" smtClean="0"/>
               <a:pPr/>
-              <a:t>14</a:t>
+              <a:t>13</a:t>
             </a:fld>
             <a:endParaRPr lang="en-US"/>
           </a:p>
@@ -1696,7 +1909,7 @@
     </p:spTree>
     <p:extLst>
       <p:ext uri="{BB962C8B-B14F-4D97-AF65-F5344CB8AC3E}">
-        <p14:creationId xmlns:p14="http://schemas.microsoft.com/office/powerpoint/2010/main" val="874158331"/>
+        <p14:creationId xmlns:p14="http://schemas.microsoft.com/office/powerpoint/2010/main" val="694195417"/>
       </p:ext>
     </p:extLst>
   </p:cSld>
@@ -1752,17 +1965,11 @@
           <a:p>
             <a:r>
               <a:rPr lang="en-US" dirty="0" smtClean="0"/>
-              <a:t>App is deployed if there are NO errors</a:t>
-            </a:r>
-          </a:p>
-          <a:p>
-            <a:r>
-              <a:rPr lang="en-US" dirty="0" smtClean="0"/>
-              <a:t>Jenkins</a:t>
+              <a:t>Able</a:t>
             </a:r>
             <a:r>
               <a:rPr lang="en-US" baseline="0" dirty="0" smtClean="0"/>
-              <a:t> can communicate using various methods – jabber, email…</a:t>
+              <a:t> to select version of Grails to build with</a:t>
             </a:r>
             <a:endParaRPr lang="en-US" dirty="0"/>
           </a:p>
@@ -1795,7 +2002,7 @@
     </p:spTree>
     <p:extLst>
       <p:ext uri="{BB962C8B-B14F-4D97-AF65-F5344CB8AC3E}">
-        <p14:creationId xmlns:p14="http://schemas.microsoft.com/office/powerpoint/2010/main" val="681828960"/>
+        <p14:creationId xmlns:p14="http://schemas.microsoft.com/office/powerpoint/2010/main" val="874158331"/>
       </p:ext>
     </p:extLst>
   </p:cSld>
@@ -2252,7 +2459,7 @@
           <a:p>
             <a:fld id="{564CF2E0-CCC4-4E1E-9902-C3C36AB3FDA4}" type="datetimeFigureOut">
               <a:rPr lang="en-US" smtClean="0"/>
-              <a:t>9/27/14</a:t>
+              <a:t>9/28/14</a:t>
             </a:fld>
             <a:endParaRPr lang="en-US"/>
           </a:p>
@@ -2435,7 +2642,7 @@
           <a:p>
             <a:fld id="{564CF2E0-CCC4-4E1E-9902-C3C36AB3FDA4}" type="datetimeFigureOut">
               <a:rPr lang="en-US" smtClean="0"/>
-              <a:t>9/27/14</a:t>
+              <a:t>9/28/14</a:t>
             </a:fld>
             <a:endParaRPr lang="en-US"/>
           </a:p>
@@ -2615,7 +2822,7 @@
           <a:p>
             <a:fld id="{564CF2E0-CCC4-4E1E-9902-C3C36AB3FDA4}" type="datetimeFigureOut">
               <a:rPr lang="en-US" smtClean="0"/>
-              <a:t>9/27/14</a:t>
+              <a:t>9/28/14</a:t>
             </a:fld>
             <a:endParaRPr lang="en-US" dirty="0"/>
           </a:p>
@@ -2909,7 +3116,7 @@
           <a:p>
             <a:fld id="{564CF2E0-CCC4-4E1E-9902-C3C36AB3FDA4}" type="datetimeFigureOut">
               <a:rPr lang="en-US" smtClean="0"/>
-              <a:t>9/27/14</a:t>
+              <a:t>9/28/14</a:t>
             </a:fld>
             <a:endParaRPr lang="en-US"/>
           </a:p>
@@ -3245,7 +3452,7 @@
           <a:p>
             <a:fld id="{564CF2E0-CCC4-4E1E-9902-C3C36AB3FDA4}" type="datetimeFigureOut">
               <a:rPr lang="en-US" smtClean="0"/>
-              <a:t>9/27/14</a:t>
+              <a:t>9/28/14</a:t>
             </a:fld>
             <a:endParaRPr lang="en-US"/>
           </a:p>
@@ -3678,7 +3885,7 @@
           <a:p>
             <a:fld id="{564CF2E0-CCC4-4E1E-9902-C3C36AB3FDA4}" type="datetimeFigureOut">
               <a:rPr lang="en-US" smtClean="0"/>
-              <a:t>9/27/14</a:t>
+              <a:t>9/28/14</a:t>
             </a:fld>
             <a:endParaRPr lang="en-US"/>
           </a:p>
@@ -3869,7 +4076,7 @@
           <a:p>
             <a:fld id="{564CF2E0-CCC4-4E1E-9902-C3C36AB3FDA4}" type="datetimeFigureOut">
               <a:rPr lang="en-US" smtClean="0"/>
-              <a:t>9/27/14</a:t>
+              <a:t>9/28/14</a:t>
             </a:fld>
             <a:endParaRPr lang="en-US"/>
           </a:p>
@@ -3967,7 +4174,7 @@
           <a:p>
             <a:fld id="{564CF2E0-CCC4-4E1E-9902-C3C36AB3FDA4}" type="datetimeFigureOut">
               <a:rPr lang="en-US" smtClean="0"/>
-              <a:t>9/27/14</a:t>
+              <a:t>9/28/14</a:t>
             </a:fld>
             <a:endParaRPr lang="en-US"/>
           </a:p>
@@ -4255,7 +4462,7 @@
           <a:p>
             <a:fld id="{564CF2E0-CCC4-4E1E-9902-C3C36AB3FDA4}" type="datetimeFigureOut">
               <a:rPr lang="en-US" smtClean="0"/>
-              <a:t>9/27/14</a:t>
+              <a:t>9/28/14</a:t>
             </a:fld>
             <a:endParaRPr lang="en-US"/>
           </a:p>
@@ -4562,7 +4769,7 @@
           <a:p>
             <a:fld id="{564CF2E0-CCC4-4E1E-9902-C3C36AB3FDA4}" type="datetimeFigureOut">
               <a:rPr lang="en-US" smtClean="0"/>
-              <a:t>9/27/14</a:t>
+              <a:t>9/28/14</a:t>
             </a:fld>
             <a:endParaRPr lang="en-US"/>
           </a:p>
@@ -5573,7 +5780,7 @@
         </p:spPr>
         <p:txBody>
           <a:bodyPr>
-            <a:normAutofit lnSpcReduction="10000"/>
+            <a:normAutofit/>
           </a:bodyPr>
           <a:lstStyle/>
           <a:p>
@@ -5600,27 +5807,11 @@
             </a:pPr>
             <a:r>
               <a:rPr lang="en-US" sz="3000" dirty="0" smtClean="0"/>
-              <a:t>Slows down the process</a:t>
-            </a:r>
-            <a:endParaRPr lang="en-US" sz="2600" dirty="0" smtClean="0"/>
-          </a:p>
-          <a:p>
-            <a:pPr>
-              <a:spcBef>
-                <a:spcPct val="60000"/>
-              </a:spcBef>
-            </a:pPr>
-            <a:r>
-              <a:rPr lang="en-US" sz="2800" dirty="0" smtClean="0"/>
-              <a:t>Ops copies </a:t>
-            </a:r>
-            <a:r>
-              <a:rPr lang="en-US" sz="2800" dirty="0" err="1" smtClean="0"/>
-              <a:t>warfile</a:t>
-            </a:r>
-            <a:r>
-              <a:rPr lang="en-US" sz="2800" dirty="0" smtClean="0"/>
-              <a:t> to server</a:t>
+              <a:t>Slows down the </a:t>
+            </a:r>
+            <a:r>
+              <a:rPr lang="en-US" sz="3000" dirty="0" smtClean="0"/>
+              <a:t>process</a:t>
             </a:r>
           </a:p>
           <a:p>
@@ -5630,21 +5821,10 @@
               </a:spcBef>
             </a:pPr>
             <a:r>
-              <a:rPr lang="en-US" sz="2600" dirty="0" smtClean="0"/>
-              <a:t>Ops don’t use Windows - PITA getting the file</a:t>
-            </a:r>
-          </a:p>
-          <a:p>
-            <a:pPr lvl="1">
-              <a:spcBef>
-                <a:spcPct val="60000"/>
-              </a:spcBef>
-            </a:pPr>
-            <a:r>
-              <a:rPr lang="en-US" sz="2600" dirty="0" smtClean="0"/>
-              <a:t>Fragile process, must get the correct file and deploy to the correct server and location</a:t>
-            </a:r>
-            <a:endParaRPr lang="en-US" sz="2600" dirty="0"/>
+              <a:rPr lang="en-US" sz="3000" dirty="0" smtClean="0"/>
+              <a:t>Kind of feels like this…</a:t>
+            </a:r>
+            <a:endParaRPr lang="en-US" sz="2600" dirty="0" smtClean="0"/>
           </a:p>
         </p:txBody>
       </p:sp>
@@ -5781,6 +5961,153 @@
                   <a:srgbClr val="0062AC"/>
                 </a:solidFill>
               </a:rPr>
+              <a:t>Pre-Jenkins Issues</a:t>
+            </a:r>
+            <a:endParaRPr lang="en-US" dirty="0">
+              <a:solidFill>
+                <a:srgbClr val="0062AC"/>
+              </a:solidFill>
+            </a:endParaRPr>
+          </a:p>
+        </p:txBody>
+      </p:sp>
+      <p:sp>
+        <p:nvSpPr>
+          <p:cNvPr id="201731" name="Rectangle 3"/>
+          <p:cNvSpPr>
+            <a:spLocks noGrp="1" noChangeAspect="1" noChangeArrowheads="1"/>
+          </p:cNvSpPr>
+          <p:nvPr>
+            <p:ph idx="1"/>
+          </p:nvPr>
+        </p:nvSpPr>
+        <p:spPr>
+          <a:xfrm>
+            <a:off x="762000" y="2286000"/>
+            <a:ext cx="7772400" cy="3581400"/>
+          </a:xfrm>
+        </p:spPr>
+        <p:txBody>
+          <a:bodyPr>
+            <a:normAutofit/>
+          </a:bodyPr>
+          <a:lstStyle/>
+          <a:p>
+            <a:pPr>
+              <a:spcBef>
+                <a:spcPct val="60000"/>
+              </a:spcBef>
+            </a:pPr>
+            <a:r>
+              <a:rPr lang="en-US" sz="2800" dirty="0" smtClean="0"/>
+              <a:t>Ops </a:t>
+            </a:r>
+            <a:r>
+              <a:rPr lang="en-US" sz="2800" dirty="0" smtClean="0"/>
+              <a:t>copies </a:t>
+            </a:r>
+            <a:r>
+              <a:rPr lang="en-US" sz="2800" dirty="0" err="1" smtClean="0"/>
+              <a:t>warfile</a:t>
+            </a:r>
+            <a:r>
+              <a:rPr lang="en-US" sz="2800" dirty="0" smtClean="0"/>
+              <a:t> to server</a:t>
+            </a:r>
+          </a:p>
+          <a:p>
+            <a:pPr lvl="1">
+              <a:spcBef>
+                <a:spcPct val="60000"/>
+              </a:spcBef>
+            </a:pPr>
+            <a:r>
+              <a:rPr lang="en-US" sz="2600" dirty="0" smtClean="0"/>
+              <a:t>Ops don’t use Windows - PITA getting the file</a:t>
+            </a:r>
+          </a:p>
+          <a:p>
+            <a:pPr lvl="1">
+              <a:spcBef>
+                <a:spcPct val="60000"/>
+              </a:spcBef>
+            </a:pPr>
+            <a:r>
+              <a:rPr lang="en-US" sz="2600" dirty="0" smtClean="0"/>
+              <a:t>Fragile process, must get the correct file and deploy to the correct server and location</a:t>
+            </a:r>
+            <a:endParaRPr lang="en-US" sz="2600" dirty="0"/>
+          </a:p>
+        </p:txBody>
+      </p:sp>
+    </p:spTree>
+    <p:extLst>
+      <p:ext uri="{BB962C8B-B14F-4D97-AF65-F5344CB8AC3E}">
+        <p14:creationId xmlns:p14="http://schemas.microsoft.com/office/powerpoint/2010/main" val="1199292137"/>
+      </p:ext>
+    </p:extLst>
+  </p:cSld>
+  <p:clrMapOvr>
+    <a:masterClrMapping/>
+  </p:clrMapOvr>
+  <p:transition xmlns:p14="http://schemas.microsoft.com/office/powerpoint/2010/main">
+    <p:fade/>
+  </p:transition>
+  <p:timing>
+    <p:tnLst>
+      <p:par>
+        <p:cTn xmlns:p14="http://schemas.microsoft.com/office/powerpoint/2010/main" id="1" dur="indefinite" restart="never" nodeType="tmRoot"/>
+      </p:par>
+    </p:tnLst>
+  </p:timing>
+</p:sld>
+</file>
+
+<file path=ppt/slides/slide13.xml><?xml version="1.0" encoding="utf-8"?>
+<p:sld xmlns:a="http://schemas.openxmlformats.org/drawingml/2006/main" xmlns:r="http://schemas.openxmlformats.org/officeDocument/2006/relationships" xmlns:p="http://schemas.openxmlformats.org/presentationml/2006/main" showMasterPhAnim="0">
+  <p:cSld>
+    <p:spTree>
+      <p:nvGrpSpPr>
+        <p:cNvPr id="1" name=""/>
+        <p:cNvGrpSpPr/>
+        <p:nvPr/>
+      </p:nvGrpSpPr>
+      <p:grpSpPr>
+        <a:xfrm>
+          <a:off x="0" y="0"/>
+          <a:ext cx="0" cy="0"/>
+          <a:chOff x="0" y="0"/>
+          <a:chExt cx="0" cy="0"/>
+        </a:xfrm>
+      </p:grpSpPr>
+      <p:sp>
+        <p:nvSpPr>
+          <p:cNvPr id="201730" name="Rectangle 2"/>
+          <p:cNvSpPr>
+            <a:spLocks noGrp="1" noChangeArrowheads="1"/>
+          </p:cNvSpPr>
+          <p:nvPr>
+            <p:ph type="title"/>
+          </p:nvPr>
+        </p:nvSpPr>
+        <p:spPr>
+          <a:xfrm>
+            <a:off x="457200" y="1295400"/>
+            <a:ext cx="8229600" cy="780288"/>
+          </a:xfrm>
+        </p:spPr>
+        <p:txBody>
+          <a:bodyPr>
+            <a:normAutofit fontScale="90000"/>
+          </a:bodyPr>
+          <a:lstStyle/>
+          <a:p>
+            <a:r>
+              <a:rPr lang="en-US" dirty="0" smtClean="0">
+                <a:solidFill>
+                  <a:srgbClr val="0062AC"/>
+                </a:solidFill>
+              </a:rPr>
               <a:t>What is Jenkins?</a:t>
             </a:r>
             <a:endParaRPr lang="en-US" dirty="0">
@@ -5939,7 +6266,7 @@
 </p:sld>
 </file>
 
-<file path=ppt/slides/slide13.xml><?xml version="1.0" encoding="utf-8"?>
+<file path=ppt/slides/slide14.xml><?xml version="1.0" encoding="utf-8"?>
 <p:sld xmlns:a="http://schemas.openxmlformats.org/drawingml/2006/main" xmlns:r="http://schemas.openxmlformats.org/officeDocument/2006/relationships" xmlns:p="http://schemas.openxmlformats.org/presentationml/2006/main" showMasterPhAnim="0">
   <p:cSld>
     <p:spTree>
@@ -6004,191 +6331,6 @@
 </p:sld>
 </file>
 
-<file path=ppt/slides/slide14.xml><?xml version="1.0" encoding="utf-8"?>
-<p:sld xmlns:a="http://schemas.openxmlformats.org/drawingml/2006/main" xmlns:r="http://schemas.openxmlformats.org/officeDocument/2006/relationships" xmlns:p="http://schemas.openxmlformats.org/presentationml/2006/main" showMasterPhAnim="0">
-  <p:cSld>
-    <p:spTree>
-      <p:nvGrpSpPr>
-        <p:cNvPr id="1" name=""/>
-        <p:cNvGrpSpPr/>
-        <p:nvPr/>
-      </p:nvGrpSpPr>
-      <p:grpSpPr>
-        <a:xfrm>
-          <a:off x="0" y="0"/>
-          <a:ext cx="0" cy="0"/>
-          <a:chOff x="0" y="0"/>
-          <a:chExt cx="0" cy="0"/>
-        </a:xfrm>
-      </p:grpSpPr>
-      <p:sp>
-        <p:nvSpPr>
-          <p:cNvPr id="201730" name="Rectangle 2"/>
-          <p:cNvSpPr>
-            <a:spLocks noGrp="1" noChangeArrowheads="1"/>
-          </p:cNvSpPr>
-          <p:nvPr>
-            <p:ph type="title"/>
-          </p:nvPr>
-        </p:nvSpPr>
-        <p:spPr>
-          <a:xfrm>
-            <a:off x="457200" y="1295400"/>
-            <a:ext cx="8229600" cy="780288"/>
-          </a:xfrm>
-        </p:spPr>
-        <p:txBody>
-          <a:bodyPr>
-            <a:normAutofit fontScale="90000"/>
-          </a:bodyPr>
-          <a:lstStyle/>
-          <a:p>
-            <a:r>
-              <a:rPr lang="en-US" dirty="0" smtClean="0">
-                <a:solidFill>
-                  <a:srgbClr val="0062AC"/>
-                </a:solidFill>
-              </a:rPr>
-              <a:t>What we use Jenkins for</a:t>
-            </a:r>
-            <a:endParaRPr lang="en-US" dirty="0">
-              <a:solidFill>
-                <a:srgbClr val="0062AC"/>
-              </a:solidFill>
-            </a:endParaRPr>
-          </a:p>
-        </p:txBody>
-      </p:sp>
-      <p:sp>
-        <p:nvSpPr>
-          <p:cNvPr id="201731" name="Rectangle 3"/>
-          <p:cNvSpPr>
-            <a:spLocks noGrp="1" noChangeAspect="1" noChangeArrowheads="1"/>
-          </p:cNvSpPr>
-          <p:nvPr>
-            <p:ph idx="1"/>
-          </p:nvPr>
-        </p:nvSpPr>
-        <p:spPr>
-          <a:xfrm>
-            <a:off x="762000" y="2286000"/>
-            <a:ext cx="7772400" cy="3581400"/>
-          </a:xfrm>
-        </p:spPr>
-        <p:txBody>
-          <a:bodyPr>
-            <a:normAutofit fontScale="92500" lnSpcReduction="10000"/>
-          </a:bodyPr>
-          <a:lstStyle/>
-          <a:p>
-            <a:pPr marL="0" indent="0">
-              <a:spcBef>
-                <a:spcPct val="60000"/>
-              </a:spcBef>
-              <a:buNone/>
-            </a:pPr>
-            <a:r>
-              <a:rPr lang="en-US" sz="2800" dirty="0" smtClean="0"/>
-              <a:t>Ops had been using it for:</a:t>
-            </a:r>
-            <a:endParaRPr lang="en-US" sz="2800" dirty="0"/>
-          </a:p>
-          <a:p>
-            <a:pPr lvl="1">
-              <a:spcBef>
-                <a:spcPct val="60000"/>
-              </a:spcBef>
-            </a:pPr>
-            <a:r>
-              <a:rPr lang="en-US" sz="3000" dirty="0" smtClean="0"/>
-              <a:t>CAS - built &amp; half-deployed</a:t>
-            </a:r>
-          </a:p>
-          <a:p>
-            <a:pPr lvl="1">
-              <a:spcBef>
-                <a:spcPct val="60000"/>
-              </a:spcBef>
-            </a:pPr>
-            <a:r>
-              <a:rPr lang="en-US" sz="3000" dirty="0" smtClean="0"/>
-              <a:t>Puppet manifest – tested and deployed</a:t>
-            </a:r>
-          </a:p>
-          <a:p>
-            <a:pPr lvl="1">
-              <a:spcBef>
-                <a:spcPct val="60000"/>
-              </a:spcBef>
-            </a:pPr>
-            <a:r>
-              <a:rPr lang="en-US" sz="3000" dirty="0" err="1" smtClean="0"/>
-              <a:t>Sympa</a:t>
-            </a:r>
-            <a:r>
-              <a:rPr lang="en-US" sz="3000" dirty="0" smtClean="0"/>
-              <a:t> Source - built, and,</a:t>
-            </a:r>
-            <a:r>
-              <a:rPr lang="en-US" sz="3000" dirty="0"/>
-              <a:t> </a:t>
-            </a:r>
-            <a:r>
-              <a:rPr lang="en-US" sz="3000" dirty="0" smtClean="0"/>
-              <a:t>half-deployed</a:t>
-            </a:r>
-          </a:p>
-          <a:p>
-            <a:pPr>
-              <a:spcBef>
-                <a:spcPct val="60000"/>
-              </a:spcBef>
-            </a:pPr>
-            <a:r>
-              <a:rPr lang="en-US" sz="2800" dirty="0" err="1" smtClean="0"/>
-              <a:t>Devs</a:t>
-            </a:r>
-            <a:r>
-              <a:rPr lang="en-US" sz="2800" dirty="0" smtClean="0"/>
-              <a:t> are building 4 Grails Apps</a:t>
-            </a:r>
-          </a:p>
-          <a:p>
-            <a:pPr>
-              <a:spcBef>
-                <a:spcPct val="60000"/>
-              </a:spcBef>
-            </a:pPr>
-            <a:r>
-              <a:rPr lang="en-US" sz="2800" dirty="0" smtClean="0"/>
-              <a:t>Plan on using it to build &amp; deploy XE Apps</a:t>
-            </a:r>
-          </a:p>
-        </p:txBody>
-      </p:sp>
-    </p:spTree>
-    <p:extLst>
-      <p:ext uri="{BB962C8B-B14F-4D97-AF65-F5344CB8AC3E}">
-        <p14:creationId xmlns:p14="http://schemas.microsoft.com/office/powerpoint/2010/main" val="2623853002"/>
-      </p:ext>
-    </p:extLst>
-  </p:cSld>
-  <p:clrMapOvr>
-    <a:masterClrMapping/>
-  </p:clrMapOvr>
-  <p:transition xmlns:p14="http://schemas.microsoft.com/office/powerpoint/2010/main">
-    <p:fade/>
-  </p:transition>
-  <p:timing>
-    <p:tnLst>
-      <p:par>
-        <p:cTn xmlns:p14="http://schemas.microsoft.com/office/powerpoint/2010/main" id="1" dur="indefinite" restart="never" nodeType="tmRoot"/>
-      </p:par>
-    </p:tnLst>
-  </p:timing>
-</p:sld>
-</file>
-
 <file path=ppt/slides/slide15.xml><?xml version="1.0" encoding="utf-8"?>
 <p:sld xmlns:a="http://schemas.openxmlformats.org/drawingml/2006/main" xmlns:r="http://schemas.openxmlformats.org/officeDocument/2006/relationships" xmlns:p="http://schemas.openxmlformats.org/presentationml/2006/main" showMasterPhAnim="0">
   <p:cSld>
@@ -6208,7 +6350,7 @@
       </p:grpSpPr>
       <p:sp>
         <p:nvSpPr>
-          <p:cNvPr id="207874" name="Rectangle 2"/>
+          <p:cNvPr id="201730" name="Rectangle 2"/>
           <p:cNvSpPr>
             <a:spLocks noGrp="1" noChangeArrowheads="1"/>
           </p:cNvSpPr>
@@ -6218,13 +6360,13 @@
         </p:nvSpPr>
         <p:spPr>
           <a:xfrm>
-            <a:off x="381000" y="1371600"/>
-            <a:ext cx="8229600" cy="1066800"/>
+            <a:off x="457200" y="1295400"/>
+            <a:ext cx="8229600" cy="780288"/>
           </a:xfrm>
         </p:spPr>
         <p:txBody>
           <a:bodyPr>
-            <a:normAutofit/>
+            <a:normAutofit fontScale="90000"/>
           </a:bodyPr>
           <a:lstStyle/>
           <a:p>
@@ -6234,7 +6376,7 @@
                   <a:srgbClr val="0062AC"/>
                 </a:solidFill>
               </a:rPr>
-              <a:t>Post Jenkins</a:t>
+              <a:t>What we use Jenkins for</a:t>
             </a:r>
             <a:endParaRPr lang="en-US" dirty="0">
               <a:solidFill>
@@ -6246,7 +6388,7 @@
       </p:sp>
       <p:sp>
         <p:nvSpPr>
-          <p:cNvPr id="207875" name="Rectangle 3"/>
+          <p:cNvPr id="201731" name="Rectangle 3"/>
           <p:cNvSpPr>
             <a:spLocks noGrp="1" noChangeAspect="1" noChangeArrowheads="1"/>
           </p:cNvSpPr>
@@ -6256,15 +6398,73 @@
         </p:nvSpPr>
         <p:spPr>
           <a:xfrm>
-            <a:off x="914400" y="2590800"/>
-            <a:ext cx="7772400" cy="3200400"/>
+            <a:off x="762000" y="2286000"/>
+            <a:ext cx="7772400" cy="3581400"/>
           </a:xfrm>
         </p:spPr>
         <p:txBody>
           <a:bodyPr>
-            <a:normAutofit lnSpcReduction="10000"/>
+            <a:normAutofit fontScale="92500" lnSpcReduction="10000"/>
           </a:bodyPr>
           <a:lstStyle/>
+          <a:p>
+            <a:pPr marL="0" indent="0">
+              <a:spcBef>
+                <a:spcPct val="60000"/>
+              </a:spcBef>
+              <a:buNone/>
+            </a:pPr>
+            <a:r>
+              <a:rPr lang="en-US" sz="2800" dirty="0" smtClean="0"/>
+              <a:t>Ops had been using it for:</a:t>
+            </a:r>
+            <a:endParaRPr lang="en-US" sz="2800" dirty="0"/>
+          </a:p>
+          <a:p>
+            <a:pPr lvl="1">
+              <a:spcBef>
+                <a:spcPct val="60000"/>
+              </a:spcBef>
+            </a:pPr>
+            <a:r>
+              <a:rPr lang="en-US" sz="3000" dirty="0" smtClean="0"/>
+              <a:t>CAS - built &amp; half-deployed</a:t>
+            </a:r>
+          </a:p>
+          <a:p>
+            <a:pPr lvl="1">
+              <a:spcBef>
+                <a:spcPct val="60000"/>
+              </a:spcBef>
+            </a:pPr>
+            <a:r>
+              <a:rPr lang="en-US" sz="3000" dirty="0" smtClean="0"/>
+              <a:t>Puppet manifest – tested and deployed</a:t>
+            </a:r>
+          </a:p>
+          <a:p>
+            <a:pPr lvl="1">
+              <a:spcBef>
+                <a:spcPct val="60000"/>
+              </a:spcBef>
+            </a:pPr>
+            <a:r>
+              <a:rPr lang="en-US" sz="3000" dirty="0" err="1" smtClean="0"/>
+              <a:t>Sympa</a:t>
+            </a:r>
+            <a:r>
+              <a:rPr lang="en-US" sz="3000" dirty="0" smtClean="0"/>
+              <a:t> Source - built, and,</a:t>
+            </a:r>
+            <a:r>
+              <a:rPr lang="en-US" sz="3000" dirty="0"/>
+              <a:t> </a:t>
+            </a:r>
+            <a:r>
+              <a:rPr lang="en-US" sz="3000" dirty="0" smtClean="0"/>
+              <a:t>half-deployed</a:t>
+            </a:r>
+          </a:p>
           <a:p>
             <a:pPr>
               <a:spcBef>
@@ -6273,17 +6473,12 @@
             </a:pPr>
             <a:r>
               <a:rPr lang="en-US" sz="2800" dirty="0" err="1" smtClean="0"/>
-              <a:t>Dev</a:t>
+              <a:t>Devs</a:t>
             </a:r>
             <a:r>
               <a:rPr lang="en-US" sz="2800" dirty="0" smtClean="0"/>
-              <a:t> pushes code to </a:t>
-            </a:r>
-            <a:r>
-              <a:rPr lang="en-US" sz="2800" dirty="0" err="1" smtClean="0"/>
-              <a:t>git</a:t>
-            </a:r>
-            <a:endParaRPr lang="en-US" sz="2800" dirty="0" smtClean="0"/>
+              <a:t> are building 4 Grails Apps</a:t>
+            </a:r>
           </a:p>
           <a:p>
             <a:pPr>
@@ -6292,72 +6487,18 @@
               </a:spcBef>
             </a:pPr>
             <a:r>
-              <a:rPr lang="en-US" sz="2800" dirty="0" err="1" smtClean="0"/>
-              <a:t>Git</a:t>
-            </a:r>
-            <a:r>
               <a:rPr lang="en-US" sz="2800" dirty="0" smtClean="0"/>
-              <a:t> pings Jenkins it has something for it</a:t>
-            </a:r>
-          </a:p>
-          <a:p>
-            <a:pPr>
-              <a:spcBef>
-                <a:spcPct val="60000"/>
-              </a:spcBef>
-            </a:pPr>
-            <a:r>
-              <a:rPr lang="en-US" sz="2800" dirty="0" smtClean="0"/>
-              <a:t>Jenkins </a:t>
-            </a:r>
-            <a:r>
-              <a:rPr lang="en-US" sz="2800" dirty="0" err="1" smtClean="0"/>
-              <a:t>git’s</a:t>
-            </a:r>
-            <a:r>
-              <a:rPr lang="en-US" sz="2800" dirty="0" smtClean="0"/>
-              <a:t> the updated code</a:t>
-            </a:r>
-          </a:p>
-          <a:p>
-            <a:pPr>
-              <a:spcBef>
-                <a:spcPct val="60000"/>
-              </a:spcBef>
-            </a:pPr>
-            <a:r>
-              <a:rPr lang="en-US" sz="2800" dirty="0" smtClean="0"/>
-              <a:t>Jenkins builds a </a:t>
-            </a:r>
-            <a:r>
-              <a:rPr lang="en-US" sz="2800" dirty="0" err="1" smtClean="0"/>
-              <a:t>warfile</a:t>
-            </a:r>
-            <a:endParaRPr lang="en-US" sz="2800" dirty="0" smtClean="0"/>
-          </a:p>
-          <a:p>
-            <a:pPr>
-              <a:spcBef>
-                <a:spcPct val="60000"/>
-              </a:spcBef>
-            </a:pPr>
-            <a:r>
-              <a:rPr lang="en-US" sz="2800" dirty="0" smtClean="0"/>
-              <a:t>Jenkins “deploys” the </a:t>
-            </a:r>
-            <a:r>
-              <a:rPr lang="en-US" sz="2800" dirty="0" err="1" smtClean="0"/>
-              <a:t>warfile</a:t>
-            </a:r>
-            <a:r>
-              <a:rPr lang="en-US" sz="2800" dirty="0" smtClean="0"/>
-              <a:t> to Tomcat</a:t>
-            </a:r>
-            <a:endParaRPr lang="en-US" sz="2800" dirty="0"/>
+              <a:t>Plan on using it to build &amp; deploy XE Apps</a:t>
+            </a:r>
           </a:p>
         </p:txBody>
       </p:sp>
     </p:spTree>
+    <p:extLst>
+      <p:ext uri="{BB962C8B-B14F-4D97-AF65-F5344CB8AC3E}">
+        <p14:creationId xmlns:p14="http://schemas.microsoft.com/office/powerpoint/2010/main" val="2623853002"/>
+      </p:ext>
+    </p:extLst>
   </p:cSld>
   <p:clrMapOvr>
     <a:masterClrMapping/>
@@ -6394,7 +6535,7 @@
       </p:grpSpPr>
       <p:sp>
         <p:nvSpPr>
-          <p:cNvPr id="208898" name="Rectangle 2"/>
+          <p:cNvPr id="207874" name="Rectangle 2"/>
           <p:cNvSpPr>
             <a:spLocks noGrp="1" noChangeArrowheads="1"/>
           </p:cNvSpPr>
@@ -6405,12 +6546,12 @@
         <p:spPr>
           <a:xfrm>
             <a:off x="381000" y="1371600"/>
-            <a:ext cx="8229600" cy="856488"/>
+            <a:ext cx="8229600" cy="1066800"/>
           </a:xfrm>
         </p:spPr>
         <p:txBody>
           <a:bodyPr>
-            <a:normAutofit fontScale="90000"/>
+            <a:normAutofit/>
           </a:bodyPr>
           <a:lstStyle/>
           <a:p>
@@ -6420,7 +6561,7 @@
                   <a:srgbClr val="0062AC"/>
                 </a:solidFill>
               </a:rPr>
-              <a:t>Post-Jenkins Pros</a:t>
+              <a:t>Post Jenkins</a:t>
             </a:r>
             <a:endParaRPr lang="en-US" dirty="0">
               <a:solidFill>
@@ -6432,7 +6573,7 @@
       </p:sp>
       <p:sp>
         <p:nvSpPr>
-          <p:cNvPr id="208899" name="Rectangle 3"/>
+          <p:cNvPr id="207875" name="Rectangle 3"/>
           <p:cNvSpPr>
             <a:spLocks noGrp="1" noChangeAspect="1" noChangeArrowheads="1"/>
           </p:cNvSpPr>
@@ -6442,73 +6583,102 @@
         </p:nvSpPr>
         <p:spPr>
           <a:xfrm>
-            <a:off x="914400" y="2438400"/>
-            <a:ext cx="7772400" cy="3581400"/>
+            <a:off x="914400" y="2590800"/>
+            <a:ext cx="7772400" cy="3200400"/>
           </a:xfrm>
         </p:spPr>
         <p:txBody>
           <a:bodyPr>
-            <a:normAutofit/>
+            <a:normAutofit lnSpcReduction="10000"/>
           </a:bodyPr>
           <a:lstStyle/>
           <a:p>
+            <a:pPr>
+              <a:spcBef>
+                <a:spcPct val="60000"/>
+              </a:spcBef>
+            </a:pPr>
+            <a:r>
+              <a:rPr lang="en-US" sz="2800" dirty="0" err="1" smtClean="0"/>
+              <a:t>Dev</a:t>
+            </a:r>
             <a:r>
               <a:rPr lang="en-US" sz="2800" dirty="0" smtClean="0"/>
-              <a:t>Jenkins server runs the same:</a:t>
-            </a:r>
-          </a:p>
-          <a:p>
-            <a:pPr lvl="1"/>
-            <a:r>
-              <a:rPr lang="en-US" sz="2600" dirty="0" smtClean="0"/>
-              <a:t>OS – built on the same image as the Tomcat servers</a:t>
-            </a:r>
-          </a:p>
-          <a:p>
-            <a:pPr lvl="1"/>
-            <a:r>
-              <a:rPr lang="en-US" sz="2600" dirty="0" smtClean="0"/>
-              <a:t>Same Java</a:t>
-            </a:r>
-          </a:p>
-          <a:p>
-            <a:pPr lvl="1"/>
-            <a:r>
-              <a:rPr lang="en-US" sz="2600" dirty="0" smtClean="0"/>
-              <a:t>Same Tomcat</a:t>
-            </a:r>
-            <a:endParaRPr lang="en-US" sz="2600" dirty="0"/>
-          </a:p>
-          <a:p>
-            <a:r>
-              <a:rPr lang="en-US" sz="2800" dirty="0" err="1" smtClean="0"/>
-              <a:t>Warfile</a:t>
-            </a:r>
-            <a:r>
-              <a:rPr lang="en-US" sz="2800" dirty="0" smtClean="0"/>
-              <a:t> is built automatically at </a:t>
+              <a:t> pushes code to </a:t>
             </a:r>
             <a:r>
               <a:rPr lang="en-US" sz="2800" dirty="0" err="1" smtClean="0"/>
               <a:t>git</a:t>
             </a:r>
+            <a:endParaRPr lang="en-US" sz="2800" dirty="0" smtClean="0"/>
+          </a:p>
+          <a:p>
+            <a:pPr>
+              <a:spcBef>
+                <a:spcPct val="60000"/>
+              </a:spcBef>
+            </a:pPr>
+            <a:r>
+              <a:rPr lang="en-US" sz="2800" dirty="0" err="1" smtClean="0"/>
+              <a:t>Git</a:t>
+            </a:r>
             <a:r>
               <a:rPr lang="en-US" sz="2800" dirty="0" smtClean="0"/>
-              <a:t> check-in</a:t>
-            </a:r>
-          </a:p>
-          <a:p>
+              <a:t> pings Jenkins it has something for it</a:t>
+            </a:r>
+          </a:p>
+          <a:p>
+            <a:pPr>
+              <a:spcBef>
+                <a:spcPct val="60000"/>
+              </a:spcBef>
+            </a:pPr>
             <a:r>
               <a:rPr lang="en-US" sz="2800" dirty="0" smtClean="0"/>
-              <a:t>Jenkins deploys the correct </a:t>
+              <a:t>Jenkins </a:t>
+            </a:r>
+            <a:r>
+              <a:rPr lang="en-US" sz="2800" dirty="0" err="1" smtClean="0"/>
+              <a:t>git’s</a:t>
+            </a:r>
+            <a:r>
+              <a:rPr lang="en-US" sz="2800" dirty="0" smtClean="0"/>
+              <a:t> the updated code</a:t>
+            </a:r>
+          </a:p>
+          <a:p>
+            <a:pPr>
+              <a:spcBef>
+                <a:spcPct val="60000"/>
+              </a:spcBef>
+            </a:pPr>
+            <a:r>
+              <a:rPr lang="en-US" sz="2800" dirty="0" smtClean="0"/>
+              <a:t>Jenkins builds a </a:t>
             </a:r>
             <a:r>
               <a:rPr lang="en-US" sz="2800" dirty="0" err="1" smtClean="0"/>
               <a:t>warfile</a:t>
             </a:r>
+            <a:endParaRPr lang="en-US" sz="2800" dirty="0" smtClean="0"/>
+          </a:p>
+          <a:p>
+            <a:pPr>
+              <a:spcBef>
+                <a:spcPct val="60000"/>
+              </a:spcBef>
+            </a:pPr>
             <a:r>
               <a:rPr lang="en-US" sz="2800" dirty="0" smtClean="0"/>
-              <a:t> to the correct server</a:t>
+              <a:t>Jenkins “deploys” the </a:t>
+            </a:r>
+            <a:r>
+              <a:rPr lang="en-US" sz="2800" dirty="0" err="1" smtClean="0"/>
+              <a:t>warfile</a:t>
+            </a:r>
+            <a:r>
+              <a:rPr lang="en-US" sz="2800" dirty="0" smtClean="0"/>
+              <a:t> to Tomcat</a:t>
             </a:r>
             <a:endParaRPr lang="en-US" sz="2800" dirty="0"/>
           </a:p>
@@ -6577,6 +6747,163 @@
                   <a:srgbClr val="0062AC"/>
                 </a:solidFill>
               </a:rPr>
+              <a:t>Post-Jenkins Pros</a:t>
+            </a:r>
+            <a:endParaRPr lang="en-US" dirty="0">
+              <a:solidFill>
+                <a:srgbClr val="0062AC"/>
+              </a:solidFill>
+            </a:endParaRPr>
+          </a:p>
+        </p:txBody>
+      </p:sp>
+      <p:sp>
+        <p:nvSpPr>
+          <p:cNvPr id="208899" name="Rectangle 3"/>
+          <p:cNvSpPr>
+            <a:spLocks noGrp="1" noChangeAspect="1" noChangeArrowheads="1"/>
+          </p:cNvSpPr>
+          <p:nvPr>
+            <p:ph idx="1"/>
+          </p:nvPr>
+        </p:nvSpPr>
+        <p:spPr>
+          <a:xfrm>
+            <a:off x="914400" y="2438400"/>
+            <a:ext cx="7772400" cy="3581400"/>
+          </a:xfrm>
+        </p:spPr>
+        <p:txBody>
+          <a:bodyPr>
+            <a:normAutofit/>
+          </a:bodyPr>
+          <a:lstStyle/>
+          <a:p>
+            <a:r>
+              <a:rPr lang="en-US" sz="2800" dirty="0" smtClean="0"/>
+              <a:t>Jenkins server runs the same:</a:t>
+            </a:r>
+          </a:p>
+          <a:p>
+            <a:pPr lvl="1"/>
+            <a:r>
+              <a:rPr lang="en-US" sz="2600" dirty="0" smtClean="0"/>
+              <a:t>OS – built on the same image as the Tomcat servers</a:t>
+            </a:r>
+          </a:p>
+          <a:p>
+            <a:pPr lvl="1"/>
+            <a:r>
+              <a:rPr lang="en-US" sz="2600" dirty="0" smtClean="0"/>
+              <a:t>Same Java</a:t>
+            </a:r>
+          </a:p>
+          <a:p>
+            <a:pPr lvl="1"/>
+            <a:r>
+              <a:rPr lang="en-US" sz="2600" dirty="0" smtClean="0"/>
+              <a:t>Same Tomcat</a:t>
+            </a:r>
+            <a:endParaRPr lang="en-US" sz="2600" dirty="0"/>
+          </a:p>
+          <a:p>
+            <a:r>
+              <a:rPr lang="en-US" sz="2800" dirty="0" err="1" smtClean="0"/>
+              <a:t>Warfile</a:t>
+            </a:r>
+            <a:r>
+              <a:rPr lang="en-US" sz="2800" dirty="0" smtClean="0"/>
+              <a:t> is built automatically at </a:t>
+            </a:r>
+            <a:r>
+              <a:rPr lang="en-US" sz="2800" dirty="0" err="1" smtClean="0"/>
+              <a:t>git</a:t>
+            </a:r>
+            <a:r>
+              <a:rPr lang="en-US" sz="2800" dirty="0" smtClean="0"/>
+              <a:t> check-in</a:t>
+            </a:r>
+          </a:p>
+          <a:p>
+            <a:r>
+              <a:rPr lang="en-US" sz="2800" dirty="0" smtClean="0"/>
+              <a:t>Jenkins deploys the correct </a:t>
+            </a:r>
+            <a:r>
+              <a:rPr lang="en-US" sz="2800" dirty="0" err="1" smtClean="0"/>
+              <a:t>warfile</a:t>
+            </a:r>
+            <a:r>
+              <a:rPr lang="en-US" sz="2800" dirty="0" smtClean="0"/>
+              <a:t> to the correct server</a:t>
+            </a:r>
+            <a:endParaRPr lang="en-US" sz="2800" dirty="0"/>
+          </a:p>
+        </p:txBody>
+      </p:sp>
+    </p:spTree>
+  </p:cSld>
+  <p:clrMapOvr>
+    <a:masterClrMapping/>
+  </p:clrMapOvr>
+  <p:transition xmlns:p14="http://schemas.microsoft.com/office/powerpoint/2010/main">
+    <p:fade/>
+  </p:transition>
+  <p:timing>
+    <p:tnLst>
+      <p:par>
+        <p:cTn xmlns:p14="http://schemas.microsoft.com/office/powerpoint/2010/main" id="1" dur="indefinite" restart="never" nodeType="tmRoot"/>
+      </p:par>
+    </p:tnLst>
+  </p:timing>
+</p:sld>
+</file>
+
+<file path=ppt/slides/slide18.xml><?xml version="1.0" encoding="utf-8"?>
+<p:sld xmlns:a="http://schemas.openxmlformats.org/drawingml/2006/main" xmlns:r="http://schemas.openxmlformats.org/officeDocument/2006/relationships" xmlns:p="http://schemas.openxmlformats.org/presentationml/2006/main" showMasterPhAnim="0">
+  <p:cSld>
+    <p:spTree>
+      <p:nvGrpSpPr>
+        <p:cNvPr id="1" name=""/>
+        <p:cNvGrpSpPr/>
+        <p:nvPr/>
+      </p:nvGrpSpPr>
+      <p:grpSpPr>
+        <a:xfrm>
+          <a:off x="0" y="0"/>
+          <a:ext cx="0" cy="0"/>
+          <a:chOff x="0" y="0"/>
+          <a:chExt cx="0" cy="0"/>
+        </a:xfrm>
+      </p:grpSpPr>
+      <p:sp>
+        <p:nvSpPr>
+          <p:cNvPr id="208898" name="Rectangle 2"/>
+          <p:cNvSpPr>
+            <a:spLocks noGrp="1" noChangeArrowheads="1"/>
+          </p:cNvSpPr>
+          <p:nvPr>
+            <p:ph type="title"/>
+          </p:nvPr>
+        </p:nvSpPr>
+        <p:spPr>
+          <a:xfrm>
+            <a:off x="381000" y="1371600"/>
+            <a:ext cx="8229600" cy="856488"/>
+          </a:xfrm>
+        </p:spPr>
+        <p:txBody>
+          <a:bodyPr>
+            <a:normAutofit fontScale="90000"/>
+          </a:bodyPr>
+          <a:lstStyle/>
+          <a:p>
+            <a:r>
+              <a:rPr lang="en-US" dirty="0" smtClean="0">
+                <a:solidFill>
+                  <a:srgbClr val="0062AC"/>
+                </a:solidFill>
+              </a:rPr>
               <a:t>Demonstration</a:t>
             </a:r>
             <a:endParaRPr lang="en-US" dirty="0">
@@ -6669,7 +6996,7 @@
 </p:sld>
 </file>
 
-<file path=ppt/slides/slide18.xml><?xml version="1.0" encoding="utf-8"?>
+<file path=ppt/slides/slide19.xml><?xml version="1.0" encoding="utf-8"?>
 <p:sld xmlns:a="http://schemas.openxmlformats.org/drawingml/2006/main" xmlns:r="http://schemas.openxmlformats.org/officeDocument/2006/relationships" xmlns:p="http://schemas.openxmlformats.org/presentationml/2006/main">
   <p:cSld>
     <p:spTree>
@@ -6703,7 +7030,7 @@
           <a:p>
             <a:fld id="{564CF2E0-CCC4-4E1E-9902-C3C36AB3FDA4}" type="datetimeFigureOut">
               <a:rPr lang="en-US" smtClean="0"/>
-              <a:t>9/27/14</a:t>
+              <a:t>9/28/14</a:t>
             </a:fld>
             <a:endParaRPr lang="en-US" dirty="0"/>
           </a:p>
@@ -6759,7 +7086,7 @@
 </p:sld>
 </file>
 
-<file path=ppt/slides/slide19.xml><?xml version="1.0" encoding="utf-8"?>
+<file path=ppt/slides/slide2.xml><?xml version="1.0" encoding="utf-8"?>
 <p:sld xmlns:a="http://schemas.openxmlformats.org/drawingml/2006/main" xmlns:r="http://schemas.openxmlformats.org/officeDocument/2006/relationships" xmlns:p="http://schemas.openxmlformats.org/presentationml/2006/main">
   <p:cSld>
     <p:spTree>
@@ -6778,6 +7105,213 @@
       </p:grpSpPr>
       <p:sp>
         <p:nvSpPr>
+          <p:cNvPr id="249858" name="Text Box 2"/>
+          <p:cNvSpPr txBox="1">
+            <a:spLocks noGrp="1" noChangeArrowheads="1"/>
+          </p:cNvSpPr>
+          <p:nvPr>
+            <p:ph type="title"/>
+          </p:nvPr>
+        </p:nvSpPr>
+        <p:spPr>
+          <a:xfrm>
+            <a:off x="304800" y="1219200"/>
+            <a:ext cx="8229600" cy="856488"/>
+          </a:xfrm>
+          <a:noFill/>
+          <a:ln/>
+        </p:spPr>
+        <p:txBody>
+          <a:bodyPr anchor="b">
+            <a:normAutofit fontScale="90000"/>
+          </a:bodyPr>
+          <a:lstStyle/>
+          <a:p>
+            <a:r>
+              <a:rPr lang="en-US" dirty="0">
+                <a:solidFill>
+                  <a:srgbClr val="0062AC"/>
+                </a:solidFill>
+                <a:latin typeface="Helvetica" pitchFamily="34" charset="0"/>
+                <a:cs typeface="Helvetica" pitchFamily="34" charset="0"/>
+              </a:rPr>
+              <a:t>Session Rules of Etiquette</a:t>
+            </a:r>
+          </a:p>
+        </p:txBody>
+      </p:sp>
+      <p:sp>
+        <p:nvSpPr>
+          <p:cNvPr id="249859" name="Text Box 3"/>
+          <p:cNvSpPr txBox="1">
+            <a:spLocks noGrp="1" noChangeArrowheads="1"/>
+          </p:cNvSpPr>
+          <p:nvPr>
+            <p:ph idx="1"/>
+          </p:nvPr>
+        </p:nvSpPr>
+        <p:spPr>
+          <a:xfrm>
+            <a:off x="387350" y="1752599"/>
+            <a:ext cx="8305800" cy="3978275"/>
+          </a:xfrm>
+          <a:noFill/>
+          <a:ln/>
+        </p:spPr>
+        <p:txBody>
+          <a:bodyPr>
+            <a:noAutofit/>
+          </a:bodyPr>
+          <a:lstStyle/>
+          <a:p>
+            <a:pPr>
+              <a:spcBef>
+                <a:spcPct val="60000"/>
+              </a:spcBef>
+            </a:pPr>
+            <a:r>
+              <a:rPr lang="en-US" dirty="0"/>
+              <a:t>Please </a:t>
+            </a:r>
+            <a:r>
+              <a:rPr lang="en-US" dirty="0" smtClean="0"/>
+              <a:t>silence </a:t>
+            </a:r>
+            <a:r>
+              <a:rPr lang="en-US" dirty="0"/>
+              <a:t>your cell </a:t>
+            </a:r>
+            <a:r>
+              <a:rPr lang="en-US" dirty="0" smtClean="0"/>
+              <a:t>phone/pager</a:t>
+            </a:r>
+          </a:p>
+          <a:p>
+            <a:pPr>
+              <a:spcBef>
+                <a:spcPct val="60000"/>
+              </a:spcBef>
+            </a:pPr>
+            <a:r>
+              <a:rPr lang="en-US" dirty="0" smtClean="0"/>
+              <a:t>If </a:t>
+            </a:r>
+            <a:r>
+              <a:rPr lang="en-US" dirty="0"/>
+              <a:t>you must leave the session early, please do so as discreetly as possible</a:t>
+            </a:r>
+          </a:p>
+          <a:p>
+            <a:pPr>
+              <a:spcBef>
+                <a:spcPct val="60000"/>
+              </a:spcBef>
+            </a:pPr>
+            <a:r>
+              <a:rPr lang="en-US" dirty="0"/>
+              <a:t>Please avoid side conversation during the </a:t>
+            </a:r>
+            <a:r>
+              <a:rPr lang="en-US" dirty="0" smtClean="0"/>
+              <a:t>session</a:t>
+            </a:r>
+          </a:p>
+          <a:p>
+            <a:pPr>
+              <a:spcBef>
+                <a:spcPct val="60000"/>
+              </a:spcBef>
+            </a:pPr>
+            <a:r>
+              <a:rPr lang="en-US" dirty="0" smtClean="0"/>
+              <a:t>Please, feel free to ask questions at any time</a:t>
+            </a:r>
+          </a:p>
+        </p:txBody>
+      </p:sp>
+      <p:sp>
+        <p:nvSpPr>
+          <p:cNvPr id="249860" name="Text Box 4"/>
+          <p:cNvSpPr txBox="1">
+            <a:spLocks noChangeArrowheads="1"/>
+          </p:cNvSpPr>
+          <p:nvPr/>
+        </p:nvSpPr>
+        <p:spPr bwMode="auto">
+          <a:xfrm>
+            <a:off x="281873" y="4997450"/>
+            <a:ext cx="8470900" cy="488950"/>
+          </a:xfrm>
+          <a:prstGeom prst="rect">
+            <a:avLst/>
+          </a:prstGeom>
+          <a:noFill/>
+          <a:ln w="9525">
+            <a:noFill/>
+            <a:miter lim="800000"/>
+            <a:headEnd/>
+            <a:tailEnd/>
+          </a:ln>
+          <a:effectLst/>
+        </p:spPr>
+        <p:txBody>
+          <a:bodyPr>
+            <a:spAutoFit/>
+          </a:bodyPr>
+          <a:lstStyle/>
+          <a:p>
+            <a:pPr marL="342900" indent="-342900" algn="ctr" eaLnBrk="1" hangingPunct="1">
+              <a:spcBef>
+                <a:spcPct val="50000"/>
+              </a:spcBef>
+              <a:buSzPct val="70000"/>
+              <a:buFont typeface="Wingdings" pitchFamily="2" charset="2"/>
+              <a:buNone/>
+            </a:pPr>
+            <a:r>
+              <a:rPr lang="en-US" sz="2600" dirty="0">
+                <a:latin typeface="Helvetica" pitchFamily="34" charset="0"/>
+              </a:rPr>
+              <a:t>Thank you for your cooperation!</a:t>
+            </a:r>
+          </a:p>
+        </p:txBody>
+      </p:sp>
+    </p:spTree>
+  </p:cSld>
+  <p:clrMapOvr>
+    <a:masterClrMapping/>
+  </p:clrMapOvr>
+  <p:transition xmlns:p14="http://schemas.microsoft.com/office/powerpoint/2010/main"/>
+  <p:timing>
+    <p:tnLst>
+      <p:par>
+        <p:cTn xmlns:p14="http://schemas.microsoft.com/office/powerpoint/2010/main" id="1" dur="indefinite" restart="never" nodeType="tmRoot"/>
+      </p:par>
+    </p:tnLst>
+  </p:timing>
+</p:sld>
+</file>
+
+<file path=ppt/slides/slide20.xml><?xml version="1.0" encoding="utf-8"?>
+<p:sld xmlns:a="http://schemas.openxmlformats.org/drawingml/2006/main" xmlns:r="http://schemas.openxmlformats.org/officeDocument/2006/relationships" xmlns:p="http://schemas.openxmlformats.org/presentationml/2006/main">
+  <p:cSld>
+    <p:spTree>
+      <p:nvGrpSpPr>
+        <p:cNvPr id="1" name=""/>
+        <p:cNvGrpSpPr/>
+        <p:nvPr/>
+      </p:nvGrpSpPr>
+      <p:grpSpPr>
+        <a:xfrm>
+          <a:off x="0" y="0"/>
+          <a:ext cx="0" cy="0"/>
+          <a:chOff x="0" y="0"/>
+          <a:chExt cx="0" cy="0"/>
+        </a:xfrm>
+      </p:grpSpPr>
+      <p:sp>
+        <p:nvSpPr>
           <p:cNvPr id="4" name="Date Placeholder 3"/>
           <p:cNvSpPr>
             <a:spLocks noGrp="1"/>
@@ -6793,7 +7327,7 @@
           <a:p>
             <a:fld id="{564CF2E0-CCC4-4E1E-9902-C3C36AB3FDA4}" type="datetimeFigureOut">
               <a:rPr lang="en-US" smtClean="0"/>
-              <a:t>9/27/14</a:t>
+              <a:t>9/28/14</a:t>
             </a:fld>
             <a:endParaRPr lang="en-US" dirty="0"/>
           </a:p>
@@ -6849,7 +7383,7 @@
 </p:sld>
 </file>
 
-<file path=ppt/slides/slide2.xml><?xml version="1.0" encoding="utf-8"?>
+<file path=ppt/slides/slide21.xml><?xml version="1.0" encoding="utf-8"?>
 <p:sld xmlns:a="http://schemas.openxmlformats.org/drawingml/2006/main" xmlns:r="http://schemas.openxmlformats.org/officeDocument/2006/relationships" xmlns:p="http://schemas.openxmlformats.org/presentationml/2006/main">
   <p:cSld>
     <p:spTree>
@@ -6868,213 +7402,6 @@
       </p:grpSpPr>
       <p:sp>
         <p:nvSpPr>
-          <p:cNvPr id="249858" name="Text Box 2"/>
-          <p:cNvSpPr txBox="1">
-            <a:spLocks noGrp="1" noChangeArrowheads="1"/>
-          </p:cNvSpPr>
-          <p:nvPr>
-            <p:ph type="title"/>
-          </p:nvPr>
-        </p:nvSpPr>
-        <p:spPr>
-          <a:xfrm>
-            <a:off x="304800" y="1219200"/>
-            <a:ext cx="8229600" cy="856488"/>
-          </a:xfrm>
-          <a:noFill/>
-          <a:ln/>
-        </p:spPr>
-        <p:txBody>
-          <a:bodyPr anchor="b">
-            <a:normAutofit fontScale="90000"/>
-          </a:bodyPr>
-          <a:lstStyle/>
-          <a:p>
-            <a:r>
-              <a:rPr lang="en-US" dirty="0">
-                <a:solidFill>
-                  <a:srgbClr val="0062AC"/>
-                </a:solidFill>
-                <a:latin typeface="Helvetica" pitchFamily="34" charset="0"/>
-                <a:cs typeface="Helvetica" pitchFamily="34" charset="0"/>
-              </a:rPr>
-              <a:t>Session Rules of Etiquette</a:t>
-            </a:r>
-          </a:p>
-        </p:txBody>
-      </p:sp>
-      <p:sp>
-        <p:nvSpPr>
-          <p:cNvPr id="249859" name="Text Box 3"/>
-          <p:cNvSpPr txBox="1">
-            <a:spLocks noGrp="1" noChangeArrowheads="1"/>
-          </p:cNvSpPr>
-          <p:nvPr>
-            <p:ph idx="1"/>
-          </p:nvPr>
-        </p:nvSpPr>
-        <p:spPr>
-          <a:xfrm>
-            <a:off x="387350" y="1752599"/>
-            <a:ext cx="8305800" cy="3978275"/>
-          </a:xfrm>
-          <a:noFill/>
-          <a:ln/>
-        </p:spPr>
-        <p:txBody>
-          <a:bodyPr>
-            <a:noAutofit/>
-          </a:bodyPr>
-          <a:lstStyle/>
-          <a:p>
-            <a:pPr>
-              <a:spcBef>
-                <a:spcPct val="60000"/>
-              </a:spcBef>
-            </a:pPr>
-            <a:r>
-              <a:rPr lang="en-US" dirty="0"/>
-              <a:t>Please </a:t>
-            </a:r>
-            <a:r>
-              <a:rPr lang="en-US" dirty="0" smtClean="0"/>
-              <a:t>silence </a:t>
-            </a:r>
-            <a:r>
-              <a:rPr lang="en-US" dirty="0"/>
-              <a:t>your cell </a:t>
-            </a:r>
-            <a:r>
-              <a:rPr lang="en-US" dirty="0" smtClean="0"/>
-              <a:t>phone/pager</a:t>
-            </a:r>
-          </a:p>
-          <a:p>
-            <a:pPr>
-              <a:spcBef>
-                <a:spcPct val="60000"/>
-              </a:spcBef>
-            </a:pPr>
-            <a:r>
-              <a:rPr lang="en-US" dirty="0" smtClean="0"/>
-              <a:t>If </a:t>
-            </a:r>
-            <a:r>
-              <a:rPr lang="en-US" dirty="0"/>
-              <a:t>you must leave the session early, please do so as discreetly as possible</a:t>
-            </a:r>
-          </a:p>
-          <a:p>
-            <a:pPr>
-              <a:spcBef>
-                <a:spcPct val="60000"/>
-              </a:spcBef>
-            </a:pPr>
-            <a:r>
-              <a:rPr lang="en-US" dirty="0"/>
-              <a:t>Please avoid side conversation during the </a:t>
-            </a:r>
-            <a:r>
-              <a:rPr lang="en-US" dirty="0" smtClean="0"/>
-              <a:t>session</a:t>
-            </a:r>
-          </a:p>
-          <a:p>
-            <a:pPr>
-              <a:spcBef>
-                <a:spcPct val="60000"/>
-              </a:spcBef>
-            </a:pPr>
-            <a:r>
-              <a:rPr lang="en-US" dirty="0" smtClean="0"/>
-              <a:t>Please, feel free to ask questions at any time</a:t>
-            </a:r>
-          </a:p>
-        </p:txBody>
-      </p:sp>
-      <p:sp>
-        <p:nvSpPr>
-          <p:cNvPr id="249860" name="Text Box 4"/>
-          <p:cNvSpPr txBox="1">
-            <a:spLocks noChangeArrowheads="1"/>
-          </p:cNvSpPr>
-          <p:nvPr/>
-        </p:nvSpPr>
-        <p:spPr bwMode="auto">
-          <a:xfrm>
-            <a:off x="281873" y="4997450"/>
-            <a:ext cx="8470900" cy="488950"/>
-          </a:xfrm>
-          <a:prstGeom prst="rect">
-            <a:avLst/>
-          </a:prstGeom>
-          <a:noFill/>
-          <a:ln w="9525">
-            <a:noFill/>
-            <a:miter lim="800000"/>
-            <a:headEnd/>
-            <a:tailEnd/>
-          </a:ln>
-          <a:effectLst/>
-        </p:spPr>
-        <p:txBody>
-          <a:bodyPr>
-            <a:spAutoFit/>
-          </a:bodyPr>
-          <a:lstStyle/>
-          <a:p>
-            <a:pPr marL="342900" indent="-342900" algn="ctr" eaLnBrk="1" hangingPunct="1">
-              <a:spcBef>
-                <a:spcPct val="50000"/>
-              </a:spcBef>
-              <a:buSzPct val="70000"/>
-              <a:buFont typeface="Wingdings" pitchFamily="2" charset="2"/>
-              <a:buNone/>
-            </a:pPr>
-            <a:r>
-              <a:rPr lang="en-US" sz="2600" dirty="0">
-                <a:latin typeface="Helvetica" pitchFamily="34" charset="0"/>
-              </a:rPr>
-              <a:t>Thank you for your cooperation!</a:t>
-            </a:r>
-          </a:p>
-        </p:txBody>
-      </p:sp>
-    </p:spTree>
-  </p:cSld>
-  <p:clrMapOvr>
-    <a:masterClrMapping/>
-  </p:clrMapOvr>
-  <p:transition xmlns:p14="http://schemas.microsoft.com/office/powerpoint/2010/main"/>
-  <p:timing>
-    <p:tnLst>
-      <p:par>
-        <p:cTn xmlns:p14="http://schemas.microsoft.com/office/powerpoint/2010/main" id="1" dur="indefinite" restart="never" nodeType="tmRoot"/>
-      </p:par>
-    </p:tnLst>
-  </p:timing>
-</p:sld>
-</file>
-
-<file path=ppt/slides/slide20.xml><?xml version="1.0" encoding="utf-8"?>
-<p:sld xmlns:a="http://schemas.openxmlformats.org/drawingml/2006/main" xmlns:r="http://schemas.openxmlformats.org/officeDocument/2006/relationships" xmlns:p="http://schemas.openxmlformats.org/presentationml/2006/main">
-  <p:cSld>
-    <p:spTree>
-      <p:nvGrpSpPr>
-        <p:cNvPr id="1" name=""/>
-        <p:cNvGrpSpPr/>
-        <p:nvPr/>
-      </p:nvGrpSpPr>
-      <p:grpSpPr>
-        <a:xfrm>
-          <a:off x="0" y="0"/>
-          <a:ext cx="0" cy="0"/>
-          <a:chOff x="0" y="0"/>
-          <a:chExt cx="0" cy="0"/>
-        </a:xfrm>
-      </p:grpSpPr>
-      <p:sp>
-        <p:nvSpPr>
           <p:cNvPr id="4" name="Date Placeholder 3"/>
           <p:cNvSpPr>
             <a:spLocks noGrp="1"/>
@@ -7090,7 +7417,7 @@
           <a:p>
             <a:fld id="{564CF2E0-CCC4-4E1E-9902-C3C36AB3FDA4}" type="datetimeFigureOut">
               <a:rPr lang="en-US" smtClean="0"/>
-              <a:t>9/27/14</a:t>
+              <a:t>9/28/14</a:t>
             </a:fld>
             <a:endParaRPr lang="en-US" dirty="0"/>
           </a:p>
@@ -7146,88 +7473,6 @@
 </p:sld>
 </file>
 
-<file path=ppt/slides/slide21.xml><?xml version="1.0" encoding="utf-8"?>
-<p:sld xmlns:a="http://schemas.openxmlformats.org/drawingml/2006/main" xmlns:r="http://schemas.openxmlformats.org/officeDocument/2006/relationships" xmlns:p="http://schemas.openxmlformats.org/presentationml/2006/main">
-  <p:cSld>
-    <p:spTree>
-      <p:nvGrpSpPr>
-        <p:cNvPr id="1" name=""/>
-        <p:cNvGrpSpPr/>
-        <p:nvPr/>
-      </p:nvGrpSpPr>
-      <p:grpSpPr>
-        <a:xfrm>
-          <a:off x="0" y="0"/>
-          <a:ext cx="0" cy="0"/>
-          <a:chOff x="0" y="0"/>
-          <a:chExt cx="0" cy="0"/>
-        </a:xfrm>
-      </p:grpSpPr>
-      <p:sp>
-        <p:nvSpPr>
-          <p:cNvPr id="2" name="Title 1"/>
-          <p:cNvSpPr>
-            <a:spLocks noGrp="1"/>
-          </p:cNvSpPr>
-          <p:nvPr>
-            <p:ph type="title"/>
-          </p:nvPr>
-        </p:nvSpPr>
-        <p:spPr>
-          <a:xfrm>
-            <a:off x="838200" y="1066800"/>
-            <a:ext cx="6781800" cy="1600200"/>
-          </a:xfrm>
-        </p:spPr>
-        <p:txBody>
-          <a:bodyPr/>
-          <a:lstStyle/>
-          <a:p>
-            <a:pPr algn="ctr"/>
-            <a:r>
-              <a:rPr lang="en-US" dirty="0" smtClean="0"/>
-              <a:t>Demo Time!!!</a:t>
-            </a:r>
-            <a:endParaRPr lang="en-US" dirty="0"/>
-          </a:p>
-        </p:txBody>
-      </p:sp>
-      <p:sp>
-        <p:nvSpPr>
-          <p:cNvPr id="4" name="Date Placeholder 3"/>
-          <p:cNvSpPr>
-            <a:spLocks noGrp="1"/>
-          </p:cNvSpPr>
-          <p:nvPr>
-            <p:ph type="dt" sz="half" idx="10"/>
-          </p:nvPr>
-        </p:nvSpPr>
-        <p:spPr/>
-        <p:txBody>
-          <a:bodyPr/>
-          <a:lstStyle/>
-          <a:p>
-            <a:fld id="{564CF2E0-CCC4-4E1E-9902-C3C36AB3FDA4}" type="datetimeFigureOut">
-              <a:rPr lang="en-US" smtClean="0"/>
-              <a:t>9/27/14</a:t>
-            </a:fld>
-            <a:endParaRPr lang="en-US" dirty="0"/>
-          </a:p>
-        </p:txBody>
-      </p:sp>
-    </p:spTree>
-    <p:extLst>
-      <p:ext uri="{BB962C8B-B14F-4D97-AF65-F5344CB8AC3E}">
-        <p14:creationId xmlns:p14="http://schemas.microsoft.com/office/powerpoint/2010/main" val="529376983"/>
-      </p:ext>
-    </p:extLst>
-  </p:cSld>
-  <p:clrMapOvr>
-    <a:masterClrMapping/>
-  </p:clrMapOvr>
-</p:sld>
-</file>
-
 <file path=ppt/slides/slide22.xml><?xml version="1.0" encoding="utf-8"?>
 <p:sld xmlns:a="http://schemas.openxmlformats.org/drawingml/2006/main" xmlns:r="http://schemas.openxmlformats.org/officeDocument/2006/relationships" xmlns:p="http://schemas.openxmlformats.org/presentationml/2006/main">
   <p:cSld>
@@ -7257,6 +7502,88 @@
         </p:nvSpPr>
         <p:spPr>
           <a:xfrm>
+            <a:off x="838200" y="1066800"/>
+            <a:ext cx="6781800" cy="1600200"/>
+          </a:xfrm>
+        </p:spPr>
+        <p:txBody>
+          <a:bodyPr/>
+          <a:lstStyle/>
+          <a:p>
+            <a:pPr algn="ctr"/>
+            <a:r>
+              <a:rPr lang="en-US" dirty="0" smtClean="0"/>
+              <a:t>Demo Time!!!</a:t>
+            </a:r>
+            <a:endParaRPr lang="en-US" dirty="0"/>
+          </a:p>
+        </p:txBody>
+      </p:sp>
+      <p:sp>
+        <p:nvSpPr>
+          <p:cNvPr id="4" name="Date Placeholder 3"/>
+          <p:cNvSpPr>
+            <a:spLocks noGrp="1"/>
+          </p:cNvSpPr>
+          <p:nvPr>
+            <p:ph type="dt" sz="half" idx="10"/>
+          </p:nvPr>
+        </p:nvSpPr>
+        <p:spPr/>
+        <p:txBody>
+          <a:bodyPr/>
+          <a:lstStyle/>
+          <a:p>
+            <a:fld id="{564CF2E0-CCC4-4E1E-9902-C3C36AB3FDA4}" type="datetimeFigureOut">
+              <a:rPr lang="en-US" smtClean="0"/>
+              <a:t>9/28/14</a:t>
+            </a:fld>
+            <a:endParaRPr lang="en-US" dirty="0"/>
+          </a:p>
+        </p:txBody>
+      </p:sp>
+    </p:spTree>
+    <p:extLst>
+      <p:ext uri="{BB962C8B-B14F-4D97-AF65-F5344CB8AC3E}">
+        <p14:creationId xmlns:p14="http://schemas.microsoft.com/office/powerpoint/2010/main" val="529376983"/>
+      </p:ext>
+    </p:extLst>
+  </p:cSld>
+  <p:clrMapOvr>
+    <a:masterClrMapping/>
+  </p:clrMapOvr>
+</p:sld>
+</file>
+
+<file path=ppt/slides/slide23.xml><?xml version="1.0" encoding="utf-8"?>
+<p:sld xmlns:a="http://schemas.openxmlformats.org/drawingml/2006/main" xmlns:r="http://schemas.openxmlformats.org/officeDocument/2006/relationships" xmlns:p="http://schemas.openxmlformats.org/presentationml/2006/main">
+  <p:cSld>
+    <p:spTree>
+      <p:nvGrpSpPr>
+        <p:cNvPr id="1" name=""/>
+        <p:cNvGrpSpPr/>
+        <p:nvPr/>
+      </p:nvGrpSpPr>
+      <p:grpSpPr>
+        <a:xfrm>
+          <a:off x="0" y="0"/>
+          <a:ext cx="0" cy="0"/>
+          <a:chOff x="0" y="0"/>
+          <a:chExt cx="0" cy="0"/>
+        </a:xfrm>
+      </p:grpSpPr>
+      <p:sp>
+        <p:nvSpPr>
+          <p:cNvPr id="2" name="Title 1"/>
+          <p:cNvSpPr>
+            <a:spLocks noGrp="1"/>
+          </p:cNvSpPr>
+          <p:nvPr>
+            <p:ph type="title"/>
+          </p:nvPr>
+        </p:nvSpPr>
+        <p:spPr>
+          <a:xfrm>
             <a:off x="990600" y="990600"/>
             <a:ext cx="6781800" cy="1219200"/>
           </a:xfrm>
@@ -7269,7 +7596,11 @@
           <a:p>
             <a:r>
               <a:rPr lang="en-US" sz="4000" dirty="0" smtClean="0"/>
-              <a:t>Building and Deploying XE </a:t>
+              <a:t>“Building” </a:t>
+            </a:r>
+            <a:r>
+              <a:rPr lang="en-US" sz="4000" dirty="0" smtClean="0"/>
+              <a:t>and Deploying XE </a:t>
             </a:r>
             <a:r>
               <a:rPr lang="en-US" sz="4000" dirty="0" err="1" smtClean="0"/>
@@ -7512,7 +7843,7 @@
           <a:p>
             <a:fld id="{564CF2E0-CCC4-4E1E-9902-C3C36AB3FDA4}" type="datetimeFigureOut">
               <a:rPr lang="en-US" smtClean="0"/>
-              <a:t>9/27/14</a:t>
+              <a:t>9/28/14</a:t>
             </a:fld>
             <a:endParaRPr lang="en-US" dirty="0"/>
           </a:p>
@@ -7591,213 +7922,6 @@
 </p:sld>
 </file>
 
-<file path=ppt/slides/slide23.xml><?xml version="1.0" encoding="utf-8"?>
-<p:sld xmlns:a="http://schemas.openxmlformats.org/drawingml/2006/main" xmlns:r="http://schemas.openxmlformats.org/officeDocument/2006/relationships" xmlns:p="http://schemas.openxmlformats.org/presentationml/2006/main">
-  <p:cSld>
-    <p:spTree>
-      <p:nvGrpSpPr>
-        <p:cNvPr id="1" name=""/>
-        <p:cNvGrpSpPr/>
-        <p:nvPr/>
-      </p:nvGrpSpPr>
-      <p:grpSpPr>
-        <a:xfrm>
-          <a:off x="0" y="0"/>
-          <a:ext cx="0" cy="0"/>
-          <a:chOff x="0" y="0"/>
-          <a:chExt cx="0" cy="0"/>
-        </a:xfrm>
-      </p:grpSpPr>
-      <p:sp>
-        <p:nvSpPr>
-          <p:cNvPr id="3" name="Content Placeholder 2"/>
-          <p:cNvSpPr>
-            <a:spLocks noGrp="1"/>
-          </p:cNvSpPr>
-          <p:nvPr>
-            <p:ph idx="1"/>
-          </p:nvPr>
-        </p:nvSpPr>
-        <p:spPr>
-          <a:xfrm>
-            <a:off x="685800" y="990600"/>
-            <a:ext cx="7543800" cy="5029200"/>
-          </a:xfrm>
-        </p:spPr>
-        <p:txBody>
-          <a:bodyPr>
-            <a:normAutofit/>
-          </a:bodyPr>
-          <a:lstStyle/>
-          <a:p>
-            <a:r>
-              <a:rPr lang="en-US" dirty="0" smtClean="0"/>
-              <a:t>Create a temporary directory to work from</a:t>
-            </a:r>
-          </a:p>
-          <a:p>
-            <a:pPr lvl="1"/>
-            <a:r>
-              <a:rPr lang="en-US" dirty="0" err="1"/>
-              <a:t>m</a:t>
-            </a:r>
-            <a:r>
-              <a:rPr lang="en-US" dirty="0" err="1" smtClean="0"/>
-              <a:t>kdir</a:t>
-            </a:r>
-            <a:r>
-              <a:rPr lang="en-US" dirty="0" smtClean="0"/>
-              <a:t> </a:t>
-            </a:r>
-            <a:r>
-              <a:rPr lang="en-US" dirty="0"/>
-              <a:t>$HOME/ban9temp</a:t>
-            </a:r>
-            <a:endParaRPr lang="en-US" dirty="0" smtClean="0"/>
-          </a:p>
-          <a:p>
-            <a:pPr lvl="1"/>
-            <a:r>
-              <a:rPr lang="en-US" dirty="0" smtClean="0"/>
-              <a:t>cd </a:t>
-            </a:r>
-            <a:r>
-              <a:rPr lang="en-US" dirty="0"/>
-              <a:t>$HOME/</a:t>
-            </a:r>
-            <a:r>
-              <a:rPr lang="en-US" dirty="0" smtClean="0"/>
-              <a:t>ban9temp</a:t>
-            </a:r>
-          </a:p>
-          <a:p>
-            <a:pPr lvl="1"/>
-            <a:r>
-              <a:rPr lang="en-US" dirty="0" smtClean="0"/>
-              <a:t>unzip where-ever/release</a:t>
-            </a:r>
-            <a:r>
-              <a:rPr lang="en-US" dirty="0"/>
-              <a:t>-StudentFacultyGradeEntry-9.2.0.1.</a:t>
-            </a:r>
-            <a:r>
-              <a:rPr lang="en-US" dirty="0" smtClean="0"/>
-              <a:t>zip</a:t>
-            </a:r>
-          </a:p>
-          <a:p>
-            <a:pPr lvl="1"/>
-            <a:r>
-              <a:rPr lang="en-US" dirty="0"/>
-              <a:t>c</a:t>
-            </a:r>
-            <a:r>
-              <a:rPr lang="en-US" dirty="0" smtClean="0"/>
-              <a:t>d installer</a:t>
-            </a:r>
-          </a:p>
-          <a:p>
-            <a:pPr lvl="1"/>
-            <a:r>
-              <a:rPr lang="en-US" dirty="0" err="1"/>
-              <a:t>c</a:t>
-            </a:r>
-            <a:r>
-              <a:rPr lang="en-US" dirty="0" err="1" smtClean="0"/>
-              <a:t>hmod</a:t>
-            </a:r>
-            <a:r>
-              <a:rPr lang="en-US" dirty="0" smtClean="0"/>
-              <a:t> +x ant</a:t>
-            </a:r>
-          </a:p>
-          <a:p>
-            <a:pPr lvl="1"/>
-            <a:r>
-              <a:rPr lang="en-US" dirty="0" smtClean="0"/>
-              <a:t>./ant</a:t>
-            </a:r>
-          </a:p>
-          <a:p>
-            <a:pPr lvl="1"/>
-            <a:r>
-              <a:rPr lang="en-US" dirty="0"/>
-              <a:t>b</a:t>
-            </a:r>
-            <a:r>
-              <a:rPr lang="en-US" dirty="0" smtClean="0"/>
-              <a:t>in/install home</a:t>
-            </a:r>
-          </a:p>
-          <a:p>
-            <a:pPr lvl="2"/>
-            <a:r>
-              <a:rPr lang="en-US" b="1" dirty="0" smtClean="0"/>
-              <a:t>Prompted</a:t>
-            </a:r>
-            <a:r>
-              <a:rPr lang="en-US" dirty="0" smtClean="0"/>
-              <a:t> for full path of module home &amp; shared configuration directory, we’ll use /home/</a:t>
-            </a:r>
-            <a:r>
-              <a:rPr lang="en-US" dirty="0" err="1" smtClean="0"/>
-              <a:t>xeuser</a:t>
-            </a:r>
-            <a:r>
-              <a:rPr lang="en-US" dirty="0" smtClean="0"/>
-              <a:t>/</a:t>
-            </a:r>
-            <a:r>
-              <a:rPr lang="en-US" dirty="0" err="1" smtClean="0"/>
-              <a:t>banner_test_homes</a:t>
-            </a:r>
-            <a:endParaRPr lang="en-US" dirty="0" smtClean="0"/>
-          </a:p>
-          <a:p>
-            <a:pPr lvl="1"/>
-            <a:r>
-              <a:rPr lang="en-US" dirty="0" smtClean="0"/>
-              <a:t>Go and make all your local modifications</a:t>
-            </a:r>
-          </a:p>
-        </p:txBody>
-      </p:sp>
-      <p:sp>
-        <p:nvSpPr>
-          <p:cNvPr id="4" name="Date Placeholder 3"/>
-          <p:cNvSpPr>
-            <a:spLocks noGrp="1"/>
-          </p:cNvSpPr>
-          <p:nvPr>
-            <p:ph type="dt" sz="half" idx="10"/>
-          </p:nvPr>
-        </p:nvSpPr>
-        <p:spPr/>
-        <p:txBody>
-          <a:bodyPr/>
-          <a:lstStyle/>
-          <a:p>
-            <a:fld id="{564CF2E0-CCC4-4E1E-9902-C3C36AB3FDA4}" type="datetimeFigureOut">
-              <a:rPr lang="en-US" smtClean="0"/>
-              <a:t>9/27/14</a:t>
-            </a:fld>
-            <a:endParaRPr lang="en-US" dirty="0"/>
-          </a:p>
-        </p:txBody>
-      </p:sp>
-    </p:spTree>
-    <p:extLst>
-      <p:ext uri="{BB962C8B-B14F-4D97-AF65-F5344CB8AC3E}">
-        <p14:creationId xmlns:p14="http://schemas.microsoft.com/office/powerpoint/2010/main" val="1287436280"/>
-      </p:ext>
-    </p:extLst>
-  </p:cSld>
-  <p:clrMapOvr>
-    <a:masterClrMapping/>
-  </p:clrMapOvr>
-</p:sld>
-</file>
-
 <file path=ppt/slides/slide24.xml><?xml version="1.0" encoding="utf-8"?>
 <p:sld xmlns:a="http://schemas.openxmlformats.org/drawingml/2006/main" xmlns:r="http://schemas.openxmlformats.org/officeDocument/2006/relationships" xmlns:p="http://schemas.openxmlformats.org/presentationml/2006/main">
   <p:cSld>
@@ -7827,6 +7951,213 @@
         </p:nvSpPr>
         <p:spPr>
           <a:xfrm>
+            <a:off x="685800" y="990600"/>
+            <a:ext cx="7543800" cy="5029200"/>
+          </a:xfrm>
+        </p:spPr>
+        <p:txBody>
+          <a:bodyPr>
+            <a:normAutofit/>
+          </a:bodyPr>
+          <a:lstStyle/>
+          <a:p>
+            <a:r>
+              <a:rPr lang="en-US" dirty="0" smtClean="0"/>
+              <a:t>Create a temporary directory to work from</a:t>
+            </a:r>
+          </a:p>
+          <a:p>
+            <a:pPr lvl="1"/>
+            <a:r>
+              <a:rPr lang="en-US" dirty="0" err="1"/>
+              <a:t>m</a:t>
+            </a:r>
+            <a:r>
+              <a:rPr lang="en-US" dirty="0" err="1" smtClean="0"/>
+              <a:t>kdir</a:t>
+            </a:r>
+            <a:r>
+              <a:rPr lang="en-US" dirty="0" smtClean="0"/>
+              <a:t> </a:t>
+            </a:r>
+            <a:r>
+              <a:rPr lang="en-US" dirty="0"/>
+              <a:t>$HOME/ban9temp</a:t>
+            </a:r>
+            <a:endParaRPr lang="en-US" dirty="0" smtClean="0"/>
+          </a:p>
+          <a:p>
+            <a:pPr lvl="1"/>
+            <a:r>
+              <a:rPr lang="en-US" dirty="0" smtClean="0"/>
+              <a:t>cd </a:t>
+            </a:r>
+            <a:r>
+              <a:rPr lang="en-US" dirty="0"/>
+              <a:t>$HOME/</a:t>
+            </a:r>
+            <a:r>
+              <a:rPr lang="en-US" dirty="0" smtClean="0"/>
+              <a:t>ban9temp</a:t>
+            </a:r>
+          </a:p>
+          <a:p>
+            <a:pPr lvl="1"/>
+            <a:r>
+              <a:rPr lang="en-US" dirty="0" smtClean="0"/>
+              <a:t>unzip where-ever/release</a:t>
+            </a:r>
+            <a:r>
+              <a:rPr lang="en-US" dirty="0"/>
+              <a:t>-StudentFacultyGradeEntry-9.2.0.1.</a:t>
+            </a:r>
+            <a:r>
+              <a:rPr lang="en-US" dirty="0" smtClean="0"/>
+              <a:t>zip</a:t>
+            </a:r>
+          </a:p>
+          <a:p>
+            <a:pPr lvl="1"/>
+            <a:r>
+              <a:rPr lang="en-US" dirty="0"/>
+              <a:t>c</a:t>
+            </a:r>
+            <a:r>
+              <a:rPr lang="en-US" dirty="0" smtClean="0"/>
+              <a:t>d installer</a:t>
+            </a:r>
+          </a:p>
+          <a:p>
+            <a:pPr lvl="1"/>
+            <a:r>
+              <a:rPr lang="en-US" dirty="0" err="1"/>
+              <a:t>c</a:t>
+            </a:r>
+            <a:r>
+              <a:rPr lang="en-US" dirty="0" err="1" smtClean="0"/>
+              <a:t>hmod</a:t>
+            </a:r>
+            <a:r>
+              <a:rPr lang="en-US" dirty="0" smtClean="0"/>
+              <a:t> +x ant</a:t>
+            </a:r>
+          </a:p>
+          <a:p>
+            <a:pPr lvl="1"/>
+            <a:r>
+              <a:rPr lang="en-US" dirty="0" smtClean="0"/>
+              <a:t>./ant</a:t>
+            </a:r>
+          </a:p>
+          <a:p>
+            <a:pPr lvl="1"/>
+            <a:r>
+              <a:rPr lang="en-US" dirty="0"/>
+              <a:t>b</a:t>
+            </a:r>
+            <a:r>
+              <a:rPr lang="en-US" dirty="0" smtClean="0"/>
+              <a:t>in/install home</a:t>
+            </a:r>
+          </a:p>
+          <a:p>
+            <a:pPr lvl="2"/>
+            <a:r>
+              <a:rPr lang="en-US" b="1" dirty="0" smtClean="0"/>
+              <a:t>Prompted</a:t>
+            </a:r>
+            <a:r>
+              <a:rPr lang="en-US" dirty="0" smtClean="0"/>
+              <a:t> for full path of module home &amp; shared configuration directory, we’ll use /home/</a:t>
+            </a:r>
+            <a:r>
+              <a:rPr lang="en-US" dirty="0" err="1" smtClean="0"/>
+              <a:t>xeuser</a:t>
+            </a:r>
+            <a:r>
+              <a:rPr lang="en-US" dirty="0" smtClean="0"/>
+              <a:t>/</a:t>
+            </a:r>
+            <a:r>
+              <a:rPr lang="en-US" dirty="0" err="1" smtClean="0"/>
+              <a:t>banner_test_homes</a:t>
+            </a:r>
+            <a:endParaRPr lang="en-US" dirty="0" smtClean="0"/>
+          </a:p>
+          <a:p>
+            <a:pPr lvl="1"/>
+            <a:r>
+              <a:rPr lang="en-US" dirty="0" smtClean="0"/>
+              <a:t>Go and make all your local modifications</a:t>
+            </a:r>
+          </a:p>
+        </p:txBody>
+      </p:sp>
+      <p:sp>
+        <p:nvSpPr>
+          <p:cNvPr id="4" name="Date Placeholder 3"/>
+          <p:cNvSpPr>
+            <a:spLocks noGrp="1"/>
+          </p:cNvSpPr>
+          <p:nvPr>
+            <p:ph type="dt" sz="half" idx="10"/>
+          </p:nvPr>
+        </p:nvSpPr>
+        <p:spPr/>
+        <p:txBody>
+          <a:bodyPr/>
+          <a:lstStyle/>
+          <a:p>
+            <a:fld id="{564CF2E0-CCC4-4E1E-9902-C3C36AB3FDA4}" type="datetimeFigureOut">
+              <a:rPr lang="en-US" smtClean="0"/>
+              <a:t>9/28/14</a:t>
+            </a:fld>
+            <a:endParaRPr lang="en-US" dirty="0"/>
+          </a:p>
+        </p:txBody>
+      </p:sp>
+    </p:spTree>
+    <p:extLst>
+      <p:ext uri="{BB962C8B-B14F-4D97-AF65-F5344CB8AC3E}">
+        <p14:creationId xmlns:p14="http://schemas.microsoft.com/office/powerpoint/2010/main" val="1287436280"/>
+      </p:ext>
+    </p:extLst>
+  </p:cSld>
+  <p:clrMapOvr>
+    <a:masterClrMapping/>
+  </p:clrMapOvr>
+</p:sld>
+</file>
+
+<file path=ppt/slides/slide25.xml><?xml version="1.0" encoding="utf-8"?>
+<p:sld xmlns:a="http://schemas.openxmlformats.org/drawingml/2006/main" xmlns:r="http://schemas.openxmlformats.org/officeDocument/2006/relationships" xmlns:p="http://schemas.openxmlformats.org/presentationml/2006/main">
+  <p:cSld>
+    <p:spTree>
+      <p:nvGrpSpPr>
+        <p:cNvPr id="1" name=""/>
+        <p:cNvGrpSpPr/>
+        <p:nvPr/>
+      </p:nvGrpSpPr>
+      <p:grpSpPr>
+        <a:xfrm>
+          <a:off x="0" y="0"/>
+          <a:ext cx="0" cy="0"/>
+          <a:chOff x="0" y="0"/>
+          <a:chExt cx="0" cy="0"/>
+        </a:xfrm>
+      </p:grpSpPr>
+      <p:sp>
+        <p:nvSpPr>
+          <p:cNvPr id="3" name="Content Placeholder 2"/>
+          <p:cNvSpPr>
+            <a:spLocks noGrp="1"/>
+          </p:cNvSpPr>
+          <p:nvPr>
+            <p:ph idx="1"/>
+          </p:nvPr>
+        </p:nvSpPr>
+        <p:spPr>
+          <a:xfrm>
             <a:off x="762000" y="685800"/>
             <a:ext cx="7543800" cy="5486400"/>
           </a:xfrm>
@@ -7968,7 +8299,7 @@
           <a:p>
             <a:fld id="{564CF2E0-CCC4-4E1E-9902-C3C36AB3FDA4}" type="datetimeFigureOut">
               <a:rPr lang="en-US" smtClean="0"/>
-              <a:t>9/27/14</a:t>
+              <a:t>9/28/14</a:t>
             </a:fld>
             <a:endParaRPr lang="en-US" dirty="0"/>
           </a:p>
@@ -7994,7 +8325,7 @@
 </p:sld>
 </file>
 
-<file path=ppt/slides/slide25.xml><?xml version="1.0" encoding="utf-8"?>
+<file path=ppt/slides/slide26.xml><?xml version="1.0" encoding="utf-8"?>
 <p:sld xmlns:a="http://schemas.openxmlformats.org/drawingml/2006/main" xmlns:r="http://schemas.openxmlformats.org/officeDocument/2006/relationships" xmlns:p="http://schemas.openxmlformats.org/presentationml/2006/main" showMasterPhAnim="0">
   <p:cSld>
     <p:spTree>
@@ -8067,7 +8398,7 @@
         </p:spPr>
         <p:txBody>
           <a:bodyPr>
-            <a:normAutofit fontScale="85000" lnSpcReduction="20000"/>
+            <a:normAutofit fontScale="70000" lnSpcReduction="20000"/>
           </a:bodyPr>
           <a:lstStyle/>
           <a:p>
@@ -8149,15 +8480,26 @@
             </a:pPr>
             <a:r>
               <a:rPr lang="en-US" sz="2600" dirty="0"/>
+              <a:t>http://git-</a:t>
+            </a:r>
+            <a:r>
+              <a:rPr lang="en-US" sz="2600" dirty="0" smtClean="0"/>
+              <a:t>scm.com</a:t>
+            </a:r>
+          </a:p>
+          <a:p>
+            <a:pPr>
+              <a:spcBef>
+                <a:spcPct val="60000"/>
+              </a:spcBef>
+            </a:pPr>
+            <a:r>
+              <a:rPr lang="en-US" sz="2600" dirty="0" smtClean="0"/>
               <a:t>http://</a:t>
             </a:r>
             <a:r>
-              <a:rPr lang="en-US" sz="2600" dirty="0" err="1"/>
-              <a:t>git-</a:t>
-            </a:r>
-            <a:r>
               <a:rPr lang="en-US" sz="2600" dirty="0" err="1" smtClean="0"/>
-              <a:t>scm.com</a:t>
+              <a:t>www.packer.io</a:t>
             </a:r>
             <a:endParaRPr lang="en-US" sz="2600" dirty="0"/>
           </a:p>
@@ -8219,77 +8561,6 @@
   <p:transition xmlns:p14="http://schemas.microsoft.com/office/powerpoint/2010/main">
     <p:fade/>
   </p:transition>
-  <p:timing>
-    <p:tnLst>
-      <p:par>
-        <p:cTn xmlns:p14="http://schemas.microsoft.com/office/powerpoint/2010/main" id="1" dur="indefinite" restart="never" nodeType="tmRoot"/>
-      </p:par>
-    </p:tnLst>
-  </p:timing>
-</p:sld>
-</file>
-
-<file path=ppt/slides/slide26.xml><?xml version="1.0" encoding="utf-8"?>
-<p:sld xmlns:a="http://schemas.openxmlformats.org/drawingml/2006/main" xmlns:r="http://schemas.openxmlformats.org/officeDocument/2006/relationships" xmlns:p="http://schemas.openxmlformats.org/presentationml/2006/main">
-  <p:cSld>
-    <p:spTree>
-      <p:nvGrpSpPr>
-        <p:cNvPr id="1" name=""/>
-        <p:cNvGrpSpPr/>
-        <p:nvPr/>
-      </p:nvGrpSpPr>
-      <p:grpSpPr>
-        <a:xfrm>
-          <a:off x="0" y="0"/>
-          <a:ext cx="0" cy="0"/>
-          <a:chOff x="0" y="0"/>
-          <a:chExt cx="0" cy="0"/>
-        </a:xfrm>
-      </p:grpSpPr>
-      <p:sp>
-        <p:nvSpPr>
-          <p:cNvPr id="121858" name="Rectangle 2"/>
-          <p:cNvSpPr>
-            <a:spLocks noGrp="1" noChangeArrowheads="1"/>
-          </p:cNvSpPr>
-          <p:nvPr>
-            <p:ph type="title"/>
-          </p:nvPr>
-        </p:nvSpPr>
-        <p:spPr>
-          <a:xfrm>
-            <a:off x="533400" y="1676400"/>
-            <a:ext cx="8229600" cy="704088"/>
-          </a:xfrm>
-        </p:spPr>
-        <p:txBody>
-          <a:bodyPr>
-            <a:normAutofit fontScale="90000"/>
-          </a:bodyPr>
-          <a:lstStyle/>
-          <a:p>
-            <a:r>
-              <a:rPr lang="en-US" dirty="0" smtClean="0">
-                <a:solidFill>
-                  <a:srgbClr val="0062AC"/>
-                </a:solidFill>
-              </a:rPr>
-              <a:t>Questions &amp; Answers</a:t>
-            </a:r>
-            <a:endParaRPr lang="en-US" dirty="0">
-              <a:solidFill>
-                <a:srgbClr val="0062AC"/>
-              </a:solidFill>
-            </a:endParaRPr>
-          </a:p>
-        </p:txBody>
-      </p:sp>
-    </p:spTree>
-  </p:cSld>
-  <p:clrMapOvr>
-    <a:masterClrMapping/>
-  </p:clrMapOvr>
-  <p:transition xmlns:p14="http://schemas.microsoft.com/office/powerpoint/2010/main"/>
   <p:timing>
     <p:tnLst>
       <p:par>
@@ -8481,7 +8752,7 @@
           <a:p>
             <a:fld id="{564CF2E0-CCC4-4E1E-9902-C3C36AB3FDA4}" type="datetimeFigureOut">
               <a:rPr lang="en-US" smtClean="0"/>
-              <a:t>9/27/14</a:t>
+              <a:t>9/28/14</a:t>
             </a:fld>
             <a:endParaRPr lang="en-US" dirty="0"/>
           </a:p>
@@ -8508,6 +8779,77 @@
 </file>
 
 <file path=ppt/slides/slide28.xml><?xml version="1.0" encoding="utf-8"?>
+<p:sld xmlns:a="http://schemas.openxmlformats.org/drawingml/2006/main" xmlns:r="http://schemas.openxmlformats.org/officeDocument/2006/relationships" xmlns:p="http://schemas.openxmlformats.org/presentationml/2006/main">
+  <p:cSld>
+    <p:spTree>
+      <p:nvGrpSpPr>
+        <p:cNvPr id="1" name=""/>
+        <p:cNvGrpSpPr/>
+        <p:nvPr/>
+      </p:nvGrpSpPr>
+      <p:grpSpPr>
+        <a:xfrm>
+          <a:off x="0" y="0"/>
+          <a:ext cx="0" cy="0"/>
+          <a:chOff x="0" y="0"/>
+          <a:chExt cx="0" cy="0"/>
+        </a:xfrm>
+      </p:grpSpPr>
+      <p:sp>
+        <p:nvSpPr>
+          <p:cNvPr id="121858" name="Rectangle 2"/>
+          <p:cNvSpPr>
+            <a:spLocks noGrp="1" noChangeArrowheads="1"/>
+          </p:cNvSpPr>
+          <p:nvPr>
+            <p:ph type="title"/>
+          </p:nvPr>
+        </p:nvSpPr>
+        <p:spPr>
+          <a:xfrm>
+            <a:off x="533400" y="1676400"/>
+            <a:ext cx="8229600" cy="704088"/>
+          </a:xfrm>
+        </p:spPr>
+        <p:txBody>
+          <a:bodyPr>
+            <a:normAutofit fontScale="90000"/>
+          </a:bodyPr>
+          <a:lstStyle/>
+          <a:p>
+            <a:r>
+              <a:rPr lang="en-US" dirty="0" smtClean="0">
+                <a:solidFill>
+                  <a:srgbClr val="0062AC"/>
+                </a:solidFill>
+              </a:rPr>
+              <a:t>Questions &amp; Answers</a:t>
+            </a:r>
+            <a:endParaRPr lang="en-US" dirty="0">
+              <a:solidFill>
+                <a:srgbClr val="0062AC"/>
+              </a:solidFill>
+            </a:endParaRPr>
+          </a:p>
+        </p:txBody>
+      </p:sp>
+    </p:spTree>
+  </p:cSld>
+  <p:clrMapOvr>
+    <a:masterClrMapping/>
+  </p:clrMapOvr>
+  <p:transition xmlns:p14="http://schemas.microsoft.com/office/powerpoint/2010/main"/>
+  <p:timing>
+    <p:tnLst>
+      <p:par>
+        <p:cTn xmlns:p14="http://schemas.microsoft.com/office/powerpoint/2010/main" id="1" dur="indefinite" restart="never" nodeType="tmRoot"/>
+      </p:par>
+    </p:tnLst>
+  </p:timing>
+</p:sld>
+</file>
+
+<file path=ppt/slides/slide29.xml><?xml version="1.0" encoding="utf-8"?>
 <p:sld xmlns:a="http://schemas.openxmlformats.org/drawingml/2006/main" xmlns:r="http://schemas.openxmlformats.org/officeDocument/2006/relationships" xmlns:p="http://schemas.openxmlformats.org/presentationml/2006/main">
   <p:cSld>
     <p:spTree>
@@ -9714,7 +10056,7 @@
         </p:spPr>
         <p:txBody>
           <a:bodyPr>
-            <a:normAutofit lnSpcReduction="10000"/>
+            <a:normAutofit fontScale="92500"/>
           </a:bodyPr>
           <a:lstStyle/>
           <a:p>
@@ -9787,8 +10129,13 @@
             </a:pPr>
             <a:r>
               <a:rPr lang="en-US" sz="2600" dirty="0" smtClean="0"/>
-              <a:t>Classic “but it ran ok on my Desktop” scenario</a:t>
-            </a:r>
+              <a:t>Classic “but it ran ok on my Desktop” </a:t>
+            </a:r>
+            <a:r>
+              <a:rPr lang="en-US" sz="2600" dirty="0" smtClean="0"/>
+              <a:t>scenario, which lead to…</a:t>
+            </a:r>
+            <a:endParaRPr lang="en-US" sz="2600" dirty="0" smtClean="0"/>
           </a:p>
           <a:p>
             <a:pPr marL="0" indent="0">
@@ -9858,7 +10205,7 @@
           <a:p>
             <a:fld id="{564CF2E0-CCC4-4E1E-9902-C3C36AB3FDA4}" type="datetimeFigureOut">
               <a:rPr lang="en-US" smtClean="0"/>
-              <a:t>9/27/14</a:t>
+              <a:t>9/28/14</a:t>
             </a:fld>
             <a:endParaRPr lang="en-US" dirty="0"/>
           </a:p>

--- a/MABUG2014-8743.pptx
+++ b/MABUG2014-8743.pptx
@@ -913,7 +913,21 @@
             </a:r>
             <a:r>
               <a:rPr lang="en-US" baseline="0" dirty="0" smtClean="0"/>
-              <a:t> can communicate using various methods – jabber, email…</a:t>
+              <a:t> can communicate using various methods – jabber, email</a:t>
+            </a:r>
+            <a:r>
+              <a:rPr lang="en-US" baseline="0" dirty="0" smtClean="0"/>
+              <a:t>…</a:t>
+            </a:r>
+          </a:p>
+          <a:p>
+            <a:r>
+              <a:rPr lang="en-US" baseline="0" dirty="0" smtClean="0"/>
+              <a:t>Has a “Vagrant” plugin, can spin up a VM to run </a:t>
+            </a:r>
+            <a:r>
+              <a:rPr lang="en-US" baseline="0" smtClean="0"/>
+              <a:t>tests with</a:t>
             </a:r>
             <a:endParaRPr lang="en-US" dirty="0"/>
           </a:p>
@@ -1866,11 +1880,7 @@
             </a:r>
             <a:r>
               <a:rPr lang="en-US" baseline="0" dirty="0" smtClean="0"/>
-              <a:t> shame via jabber conference room.  Never leave a build </a:t>
-            </a:r>
-            <a:r>
-              <a:rPr lang="en-US" baseline="0" dirty="0" smtClean="0"/>
-              <a:t>broke</a:t>
+              <a:t> shame via jabber conference room.  Never leave a build broke</a:t>
             </a:r>
           </a:p>
           <a:p>
@@ -5807,11 +5817,7 @@
             </a:pPr>
             <a:r>
               <a:rPr lang="en-US" sz="3000" dirty="0" smtClean="0"/>
-              <a:t>Slows down the </a:t>
-            </a:r>
-            <a:r>
-              <a:rPr lang="en-US" sz="3000" dirty="0" smtClean="0"/>
-              <a:t>process</a:t>
+              <a:t>Slows down the process</a:t>
             </a:r>
           </a:p>
           <a:p>
@@ -6000,11 +6006,7 @@
             </a:pPr>
             <a:r>
               <a:rPr lang="en-US" sz="2800" dirty="0" smtClean="0"/>
-              <a:t>Ops </a:t>
-            </a:r>
-            <a:r>
-              <a:rPr lang="en-US" sz="2800" dirty="0" smtClean="0"/>
-              <a:t>copies </a:t>
+              <a:t>Ops copies </a:t>
             </a:r>
             <a:r>
               <a:rPr lang="en-US" sz="2800" dirty="0" err="1" smtClean="0"/>
@@ -7552,6 +7554,13 @@
   <p:clrMapOvr>
     <a:masterClrMapping/>
   </p:clrMapOvr>
+  <p:timing>
+    <p:tnLst>
+      <p:par>
+        <p:cTn xmlns:p14="http://schemas.microsoft.com/office/powerpoint/2010/main" id="1" dur="indefinite" restart="never" nodeType="tmRoot"/>
+      </p:par>
+    </p:tnLst>
+  </p:timing>
 </p:sld>
 </file>
 
@@ -7596,11 +7605,7 @@
           <a:p>
             <a:r>
               <a:rPr lang="en-US" sz="4000" dirty="0" smtClean="0"/>
-              <a:t>“Building” </a:t>
-            </a:r>
-            <a:r>
-              <a:rPr lang="en-US" sz="4000" dirty="0" smtClean="0"/>
-              <a:t>and Deploying XE </a:t>
+              <a:t>“Building” and Deploying XE </a:t>
             </a:r>
             <a:r>
               <a:rPr lang="en-US" sz="4000" dirty="0" err="1" smtClean="0"/>
@@ -7919,6 +7924,13 @@
   <p:clrMapOvr>
     <a:masterClrMapping/>
   </p:clrMapOvr>
+  <p:timing>
+    <p:tnLst>
+      <p:par>
+        <p:cTn xmlns:p14="http://schemas.microsoft.com/office/powerpoint/2010/main" id="1" dur="indefinite" restart="never" nodeType="tmRoot"/>
+      </p:par>
+    </p:tnLst>
+  </p:timing>
 </p:sld>
 </file>
 
@@ -8126,6 +8138,13 @@
   <p:clrMapOvr>
     <a:masterClrMapping/>
   </p:clrMapOvr>
+  <p:timing>
+    <p:tnLst>
+      <p:par>
+        <p:cTn xmlns:p14="http://schemas.microsoft.com/office/powerpoint/2010/main" id="1" dur="indefinite" restart="never" nodeType="tmRoot"/>
+      </p:par>
+    </p:tnLst>
+  </p:timing>
 </p:sld>
 </file>
 
@@ -10129,13 +10148,8 @@
             </a:pPr>
             <a:r>
               <a:rPr lang="en-US" sz="2600" dirty="0" smtClean="0"/>
-              <a:t>Classic “but it ran ok on my Desktop” </a:t>
-            </a:r>
-            <a:r>
-              <a:rPr lang="en-US" sz="2600" dirty="0" smtClean="0"/>
-              <a:t>scenario, which lead to…</a:t>
-            </a:r>
-            <a:endParaRPr lang="en-US" sz="2600" dirty="0" smtClean="0"/>
+              <a:t>Classic “but it ran ok on my Desktop” scenario, which lead to…</a:t>
+            </a:r>
           </a:p>
           <a:p>
             <a:pPr marL="0" indent="0">

--- a/MABUG2014-8743.pptx
+++ b/MABUG2014-8743.pptx
@@ -913,11 +913,7 @@
             </a:r>
             <a:r>
               <a:rPr lang="en-US" baseline="0" dirty="0" smtClean="0"/>
-              <a:t> can communicate using various methods – jabber, email</a:t>
-            </a:r>
-            <a:r>
-              <a:rPr lang="en-US" baseline="0" dirty="0" smtClean="0"/>
-              <a:t>…</a:t>
+              <a:t> can communicate using various methods – jabber, email…</a:t>
             </a:r>
           </a:p>
           <a:p>
@@ -8995,6 +8991,27 @@
             <a:r>
               <a:rPr lang="en-US" sz="2800" dirty="0" err="1" smtClean="0"/>
               <a:t>crpeck</a:t>
+            </a:r>
+            <a:r>
+              <a:rPr lang="en-US" sz="2800" dirty="0" smtClean="0"/>
+              <a:t> on twitter</a:t>
+            </a:r>
+          </a:p>
+          <a:p>
+            <a:pPr marL="0" indent="0" algn="ctr">
+              <a:lnSpc>
+                <a:spcPct val="90000"/>
+              </a:lnSpc>
+              <a:buFontTx/>
+              <a:buNone/>
+            </a:pPr>
+            <a:r>
+              <a:rPr lang="en-US" sz="2800" dirty="0" smtClean="0"/>
+              <a:t>http://</a:t>
+            </a:r>
+            <a:r>
+              <a:rPr lang="en-US" sz="2800" dirty="0" err="1" smtClean="0"/>
+              <a:t>crpeck.gethub.io</a:t>
             </a:r>
             <a:endParaRPr lang="en-US" sz="2800" dirty="0"/>
           </a:p>

--- a/MABUG2014-8743.pptx
+++ b/MABUG2014-8743.pptx
@@ -5,41 +5,44 @@
     <p:sldMasterId id="2147483699" r:id="rId1"/>
   </p:sldMasterIdLst>
   <p:notesMasterIdLst>
-    <p:notesMasterId r:id="rId31"/>
+    <p:notesMasterId r:id="rId34"/>
   </p:notesMasterIdLst>
   <p:handoutMasterIdLst>
-    <p:handoutMasterId r:id="rId32"/>
+    <p:handoutMasterId r:id="rId35"/>
   </p:handoutMasterIdLst>
   <p:sldIdLst>
     <p:sldId id="382" r:id="rId2"/>
     <p:sldId id="419" r:id="rId3"/>
-    <p:sldId id="277" r:id="rId4"/>
-    <p:sldId id="422" r:id="rId5"/>
-    <p:sldId id="278" r:id="rId6"/>
-    <p:sldId id="421" r:id="rId7"/>
-    <p:sldId id="384" r:id="rId8"/>
-    <p:sldId id="423" r:id="rId9"/>
-    <p:sldId id="440" r:id="rId10"/>
-    <p:sldId id="424" r:id="rId11"/>
-    <p:sldId id="383" r:id="rId12"/>
-    <p:sldId id="444" r:id="rId13"/>
-    <p:sldId id="425" r:id="rId14"/>
-    <p:sldId id="389" r:id="rId15"/>
-    <p:sldId id="442" r:id="rId16"/>
-    <p:sldId id="390" r:id="rId17"/>
-    <p:sldId id="391" r:id="rId18"/>
-    <p:sldId id="426" r:id="rId19"/>
-    <p:sldId id="429" r:id="rId20"/>
-    <p:sldId id="435" r:id="rId21"/>
-    <p:sldId id="436" r:id="rId22"/>
-    <p:sldId id="443" r:id="rId23"/>
-    <p:sldId id="437" r:id="rId24"/>
-    <p:sldId id="438" r:id="rId25"/>
-    <p:sldId id="439" r:id="rId26"/>
-    <p:sldId id="416" r:id="rId27"/>
-    <p:sldId id="441" r:id="rId28"/>
-    <p:sldId id="348" r:id="rId29"/>
-    <p:sldId id="420" r:id="rId30"/>
+    <p:sldId id="445" r:id="rId4"/>
+    <p:sldId id="446" r:id="rId5"/>
+    <p:sldId id="447" r:id="rId6"/>
+    <p:sldId id="448" r:id="rId7"/>
+    <p:sldId id="277" r:id="rId8"/>
+    <p:sldId id="422" r:id="rId9"/>
+    <p:sldId id="421" r:id="rId10"/>
+    <p:sldId id="384" r:id="rId11"/>
+    <p:sldId id="423" r:id="rId12"/>
+    <p:sldId id="440" r:id="rId13"/>
+    <p:sldId id="424" r:id="rId14"/>
+    <p:sldId id="383" r:id="rId15"/>
+    <p:sldId id="444" r:id="rId16"/>
+    <p:sldId id="425" r:id="rId17"/>
+    <p:sldId id="389" r:id="rId18"/>
+    <p:sldId id="442" r:id="rId19"/>
+    <p:sldId id="390" r:id="rId20"/>
+    <p:sldId id="391" r:id="rId21"/>
+    <p:sldId id="426" r:id="rId22"/>
+    <p:sldId id="429" r:id="rId23"/>
+    <p:sldId id="435" r:id="rId24"/>
+    <p:sldId id="436" r:id="rId25"/>
+    <p:sldId id="443" r:id="rId26"/>
+    <p:sldId id="437" r:id="rId27"/>
+    <p:sldId id="438" r:id="rId28"/>
+    <p:sldId id="439" r:id="rId29"/>
+    <p:sldId id="416" r:id="rId30"/>
+    <p:sldId id="441" r:id="rId31"/>
+    <p:sldId id="348" r:id="rId32"/>
+    <p:sldId id="420" r:id="rId33"/>
   </p:sldIdLst>
   <p:sldSz cx="9144000" cy="6858000" type="screen4x3"/>
   <p:notesSz cx="6858000" cy="9144000"/>
@@ -903,27 +906,17 @@
           <a:p>
             <a:r>
               <a:rPr lang="en-US" dirty="0" smtClean="0"/>
-              <a:t>App is deployed if there are NO errors</a:t>
+              <a:t>Using their version of Java and Grails on their Desktop OS</a:t>
             </a:r>
           </a:p>
           <a:p>
             <a:r>
               <a:rPr lang="en-US" dirty="0" smtClean="0"/>
-              <a:t>Jenkins</a:t>
+              <a:t>This worked</a:t>
             </a:r>
             <a:r>
               <a:rPr lang="en-US" baseline="0" dirty="0" smtClean="0"/>
-              <a:t> can communicate using various methods – jabber, email…</a:t>
-            </a:r>
-          </a:p>
-          <a:p>
-            <a:r>
-              <a:rPr lang="en-US" baseline="0" dirty="0" smtClean="0"/>
-              <a:t>Has a “Vagrant” plugin, can spin up a VM to run </a:t>
-            </a:r>
-            <a:r>
-              <a:rPr lang="en-US" baseline="0" smtClean="0"/>
-              <a:t>tests with</a:t>
+              <a:t> most of the time…</a:t>
             </a:r>
             <a:endParaRPr lang="en-US" dirty="0"/>
           </a:p>
@@ -947,7 +940,7 @@
             <a:fld id="{B5CF5F01-DE69-42C6-A6BC-27980DDEA61B}" type="slidenum">
               <a:rPr lang="en-US" smtClean="0"/>
               <a:pPr/>
-              <a:t>16</a:t>
+              <a:t>11</a:t>
             </a:fld>
             <a:endParaRPr lang="en-US"/>
           </a:p>
@@ -956,7 +949,7 @@
     </p:spTree>
     <p:extLst>
       <p:ext uri="{BB962C8B-B14F-4D97-AF65-F5344CB8AC3E}">
-        <p14:creationId xmlns:p14="http://schemas.microsoft.com/office/powerpoint/2010/main" val="681828960"/>
+        <p14:creationId xmlns:p14="http://schemas.microsoft.com/office/powerpoint/2010/main" val="775823027"/>
       </p:ext>
     </p:extLst>
   </p:cSld>
@@ -1012,7 +1005,15 @@
           <a:p>
             <a:r>
               <a:rPr lang="en-US" dirty="0" smtClean="0"/>
-              <a:t>Show Packer &amp; Vagrant Websites on Chrome</a:t>
+              <a:t/>
+            </a:r>
+            <a:r>
+              <a:rPr lang="en-US" dirty="0" err="1" smtClean="0"/>
+              <a:t>sed</a:t>
+            </a:r>
+            <a:r>
+              <a:rPr lang="en-US" dirty="0" smtClean="0"/>
+              <a:t> a script on the Tomcat server to deploy, but….</a:t>
             </a:r>
             <a:endParaRPr lang="en-US" dirty="0"/>
           </a:p>
@@ -1036,7 +1037,7 @@
             <a:fld id="{B5CF5F01-DE69-42C6-A6BC-27980DDEA61B}" type="slidenum">
               <a:rPr lang="en-US" smtClean="0"/>
               <a:pPr/>
-              <a:t>18</a:t>
+              <a:t>15</a:t>
             </a:fld>
             <a:endParaRPr lang="en-US"/>
           </a:p>
@@ -1045,7 +1046,7 @@
     </p:spTree>
     <p:extLst>
       <p:ext uri="{BB962C8B-B14F-4D97-AF65-F5344CB8AC3E}">
-        <p14:creationId xmlns:p14="http://schemas.microsoft.com/office/powerpoint/2010/main" val="2698525336"/>
+        <p14:creationId xmlns:p14="http://schemas.microsoft.com/office/powerpoint/2010/main" val="1438855698"/>
       </p:ext>
     </p:extLst>
   </p:cSld>
@@ -1101,25 +1102,19 @@
           <a:p>
             <a:r>
               <a:rPr lang="en-US" dirty="0" smtClean="0"/>
-              <a:t>Howard </a:t>
-            </a:r>
-            <a:r>
-              <a:rPr lang="en-US" dirty="0" err="1" smtClean="0"/>
-              <a:t>Frysinger</a:t>
+              <a:t>Publicly</a:t>
             </a:r>
             <a:r>
               <a:rPr lang="en-US" baseline="0" dirty="0" smtClean="0"/>
-              <a:t> is on Facebook, I </a:t>
-            </a:r>
-            <a:r>
-              <a:rPr lang="en-US" baseline="0" dirty="0" err="1" smtClean="0"/>
-              <a:t>googled</a:t>
-            </a:r>
-            <a:r>
-              <a:rPr lang="en-US" baseline="0" smtClean="0"/>
-              <a:t> him</a:t>
-            </a:r>
-            <a:endParaRPr lang="en-US"/>
+              <a:t> shame via jabber conference room.  Never leave a build broke</a:t>
+            </a:r>
+          </a:p>
+          <a:p>
+            <a:r>
+              <a:rPr lang="en-US" baseline="0" dirty="0" smtClean="0"/>
+              <a:t>Show Jenkins Website on Chrome</a:t>
+            </a:r>
+            <a:endParaRPr lang="en-US" dirty="0"/>
           </a:p>
         </p:txBody>
       </p:sp>
@@ -1141,7 +1136,7 @@
             <a:fld id="{B5CF5F01-DE69-42C6-A6BC-27980DDEA61B}" type="slidenum">
               <a:rPr lang="en-US" smtClean="0"/>
               <a:pPr/>
-              <a:t>23</a:t>
+              <a:t>16</a:t>
             </a:fld>
             <a:endParaRPr lang="en-US"/>
           </a:p>
@@ -1150,7 +1145,7 @@
     </p:spTree>
     <p:extLst>
       <p:ext uri="{BB962C8B-B14F-4D97-AF65-F5344CB8AC3E}">
-        <p14:creationId xmlns:p14="http://schemas.microsoft.com/office/powerpoint/2010/main" val="4161487697"/>
+        <p14:creationId xmlns:p14="http://schemas.microsoft.com/office/powerpoint/2010/main" val="694195417"/>
       </p:ext>
     </p:extLst>
   </p:cSld>
@@ -1204,7 +1199,15 @@
           <a:bodyPr/>
           <a:lstStyle/>
           <a:p>
-            <a:endParaRPr lang="en-US"/>
+            <a:r>
+              <a:rPr lang="en-US" dirty="0" smtClean="0"/>
+              <a:t>Able</a:t>
+            </a:r>
+            <a:r>
+              <a:rPr lang="en-US" baseline="0" dirty="0" smtClean="0"/>
+              <a:t> to select version of Grails to build with</a:t>
+            </a:r>
+            <a:endParaRPr lang="en-US" dirty="0"/>
           </a:p>
         </p:txBody>
       </p:sp>
@@ -1226,7 +1229,395 @@
             <a:fld id="{B5CF5F01-DE69-42C6-A6BC-27980DDEA61B}" type="slidenum">
               <a:rPr lang="en-US" smtClean="0"/>
               <a:pPr/>
-              <a:t>28</a:t>
+              <a:t>18</a:t>
+            </a:fld>
+            <a:endParaRPr lang="en-US"/>
+          </a:p>
+        </p:txBody>
+      </p:sp>
+    </p:spTree>
+    <p:extLst>
+      <p:ext uri="{BB962C8B-B14F-4D97-AF65-F5344CB8AC3E}">
+        <p14:creationId xmlns:p14="http://schemas.microsoft.com/office/powerpoint/2010/main" val="874158331"/>
+      </p:ext>
+    </p:extLst>
+  </p:cSld>
+  <p:clrMapOvr>
+    <a:masterClrMapping/>
+  </p:clrMapOvr>
+</p:notes>
+</file>
+
+<file path=ppt/notesSlides/notesSlide14.xml><?xml version="1.0" encoding="utf-8"?>
+<p:notes xmlns:a="http://schemas.openxmlformats.org/drawingml/2006/main" xmlns:r="http://schemas.openxmlformats.org/officeDocument/2006/relationships" xmlns:p="http://schemas.openxmlformats.org/presentationml/2006/main">
+  <p:cSld>
+    <p:spTree>
+      <p:nvGrpSpPr>
+        <p:cNvPr id="1" name=""/>
+        <p:cNvGrpSpPr/>
+        <p:nvPr/>
+      </p:nvGrpSpPr>
+      <p:grpSpPr>
+        <a:xfrm>
+          <a:off x="0" y="0"/>
+          <a:ext cx="0" cy="0"/>
+          <a:chOff x="0" y="0"/>
+          <a:chExt cx="0" cy="0"/>
+        </a:xfrm>
+      </p:grpSpPr>
+      <p:sp>
+        <p:nvSpPr>
+          <p:cNvPr id="2" name="Slide Image Placeholder 1"/>
+          <p:cNvSpPr>
+            <a:spLocks noGrp="1" noRot="1" noChangeAspect="1"/>
+          </p:cNvSpPr>
+          <p:nvPr>
+            <p:ph type="sldImg"/>
+          </p:nvPr>
+        </p:nvSpPr>
+        <p:spPr/>
+      </p:sp>
+      <p:sp>
+        <p:nvSpPr>
+          <p:cNvPr id="3" name="Notes Placeholder 2"/>
+          <p:cNvSpPr>
+            <a:spLocks noGrp="1"/>
+          </p:cNvSpPr>
+          <p:nvPr>
+            <p:ph type="body" idx="1"/>
+          </p:nvPr>
+        </p:nvSpPr>
+        <p:spPr/>
+        <p:txBody>
+          <a:bodyPr/>
+          <a:lstStyle/>
+          <a:p>
+            <a:r>
+              <a:rPr lang="en-US" dirty="0" smtClean="0"/>
+              <a:t>App is deployed if there are NO errors</a:t>
+            </a:r>
+          </a:p>
+          <a:p>
+            <a:r>
+              <a:rPr lang="en-US" dirty="0" smtClean="0"/>
+              <a:t>Jenkins</a:t>
+            </a:r>
+            <a:r>
+              <a:rPr lang="en-US" baseline="0" dirty="0" smtClean="0"/>
+              <a:t> can communicate using various methods – jabber, email…</a:t>
+            </a:r>
+          </a:p>
+          <a:p>
+            <a:r>
+              <a:rPr lang="en-US" baseline="0" dirty="0" smtClean="0"/>
+              <a:t>Has a “Vagrant” plugin, can spin up a VM to run </a:t>
+            </a:r>
+            <a:r>
+              <a:rPr lang="en-US" baseline="0" smtClean="0"/>
+              <a:t>tests with</a:t>
+            </a:r>
+            <a:endParaRPr lang="en-US" dirty="0"/>
+          </a:p>
+        </p:txBody>
+      </p:sp>
+      <p:sp>
+        <p:nvSpPr>
+          <p:cNvPr id="4" name="Slide Number Placeholder 3"/>
+          <p:cNvSpPr>
+            <a:spLocks noGrp="1"/>
+          </p:cNvSpPr>
+          <p:nvPr>
+            <p:ph type="sldNum" sz="quarter" idx="10"/>
+          </p:nvPr>
+        </p:nvSpPr>
+        <p:spPr/>
+        <p:txBody>
+          <a:bodyPr/>
+          <a:lstStyle/>
+          <a:p>
+            <a:fld id="{B5CF5F01-DE69-42C6-A6BC-27980DDEA61B}" type="slidenum">
+              <a:rPr lang="en-US" smtClean="0"/>
+              <a:pPr/>
+              <a:t>19</a:t>
+            </a:fld>
+            <a:endParaRPr lang="en-US"/>
+          </a:p>
+        </p:txBody>
+      </p:sp>
+    </p:spTree>
+    <p:extLst>
+      <p:ext uri="{BB962C8B-B14F-4D97-AF65-F5344CB8AC3E}">
+        <p14:creationId xmlns:p14="http://schemas.microsoft.com/office/powerpoint/2010/main" val="681828960"/>
+      </p:ext>
+    </p:extLst>
+  </p:cSld>
+  <p:clrMapOvr>
+    <a:masterClrMapping/>
+  </p:clrMapOvr>
+</p:notes>
+</file>
+
+<file path=ppt/notesSlides/notesSlide15.xml><?xml version="1.0" encoding="utf-8"?>
+<p:notes xmlns:a="http://schemas.openxmlformats.org/drawingml/2006/main" xmlns:r="http://schemas.openxmlformats.org/officeDocument/2006/relationships" xmlns:p="http://schemas.openxmlformats.org/presentationml/2006/main">
+  <p:cSld>
+    <p:spTree>
+      <p:nvGrpSpPr>
+        <p:cNvPr id="1" name=""/>
+        <p:cNvGrpSpPr/>
+        <p:nvPr/>
+      </p:nvGrpSpPr>
+      <p:grpSpPr>
+        <a:xfrm>
+          <a:off x="0" y="0"/>
+          <a:ext cx="0" cy="0"/>
+          <a:chOff x="0" y="0"/>
+          <a:chExt cx="0" cy="0"/>
+        </a:xfrm>
+      </p:grpSpPr>
+      <p:sp>
+        <p:nvSpPr>
+          <p:cNvPr id="2" name="Slide Image Placeholder 1"/>
+          <p:cNvSpPr>
+            <a:spLocks noGrp="1" noRot="1" noChangeAspect="1"/>
+          </p:cNvSpPr>
+          <p:nvPr>
+            <p:ph type="sldImg"/>
+          </p:nvPr>
+        </p:nvSpPr>
+        <p:spPr/>
+      </p:sp>
+      <p:sp>
+        <p:nvSpPr>
+          <p:cNvPr id="3" name="Notes Placeholder 2"/>
+          <p:cNvSpPr>
+            <a:spLocks noGrp="1"/>
+          </p:cNvSpPr>
+          <p:nvPr>
+            <p:ph type="body" idx="1"/>
+          </p:nvPr>
+        </p:nvSpPr>
+        <p:spPr/>
+        <p:txBody>
+          <a:bodyPr/>
+          <a:lstStyle/>
+          <a:p>
+            <a:r>
+              <a:rPr lang="en-US" dirty="0" smtClean="0"/>
+              <a:t>Show Packer &amp; Vagrant Websites on Chrome</a:t>
+            </a:r>
+            <a:endParaRPr lang="en-US" dirty="0"/>
+          </a:p>
+        </p:txBody>
+      </p:sp>
+      <p:sp>
+        <p:nvSpPr>
+          <p:cNvPr id="4" name="Slide Number Placeholder 3"/>
+          <p:cNvSpPr>
+            <a:spLocks noGrp="1"/>
+          </p:cNvSpPr>
+          <p:nvPr>
+            <p:ph type="sldNum" sz="quarter" idx="10"/>
+          </p:nvPr>
+        </p:nvSpPr>
+        <p:spPr/>
+        <p:txBody>
+          <a:bodyPr/>
+          <a:lstStyle/>
+          <a:p>
+            <a:fld id="{B5CF5F01-DE69-42C6-A6BC-27980DDEA61B}" type="slidenum">
+              <a:rPr lang="en-US" smtClean="0"/>
+              <a:pPr/>
+              <a:t>21</a:t>
+            </a:fld>
+            <a:endParaRPr lang="en-US"/>
+          </a:p>
+        </p:txBody>
+      </p:sp>
+    </p:spTree>
+    <p:extLst>
+      <p:ext uri="{BB962C8B-B14F-4D97-AF65-F5344CB8AC3E}">
+        <p14:creationId xmlns:p14="http://schemas.microsoft.com/office/powerpoint/2010/main" val="2698525336"/>
+      </p:ext>
+    </p:extLst>
+  </p:cSld>
+  <p:clrMapOvr>
+    <a:masterClrMapping/>
+  </p:clrMapOvr>
+</p:notes>
+</file>
+
+<file path=ppt/notesSlides/notesSlide16.xml><?xml version="1.0" encoding="utf-8"?>
+<p:notes xmlns:a="http://schemas.openxmlformats.org/drawingml/2006/main" xmlns:r="http://schemas.openxmlformats.org/officeDocument/2006/relationships" xmlns:p="http://schemas.openxmlformats.org/presentationml/2006/main">
+  <p:cSld>
+    <p:spTree>
+      <p:nvGrpSpPr>
+        <p:cNvPr id="1" name=""/>
+        <p:cNvGrpSpPr/>
+        <p:nvPr/>
+      </p:nvGrpSpPr>
+      <p:grpSpPr>
+        <a:xfrm>
+          <a:off x="0" y="0"/>
+          <a:ext cx="0" cy="0"/>
+          <a:chOff x="0" y="0"/>
+          <a:chExt cx="0" cy="0"/>
+        </a:xfrm>
+      </p:grpSpPr>
+      <p:sp>
+        <p:nvSpPr>
+          <p:cNvPr id="2" name="Slide Image Placeholder 1"/>
+          <p:cNvSpPr>
+            <a:spLocks noGrp="1" noRot="1" noChangeAspect="1"/>
+          </p:cNvSpPr>
+          <p:nvPr>
+            <p:ph type="sldImg"/>
+          </p:nvPr>
+        </p:nvSpPr>
+        <p:spPr/>
+      </p:sp>
+      <p:sp>
+        <p:nvSpPr>
+          <p:cNvPr id="3" name="Notes Placeholder 2"/>
+          <p:cNvSpPr>
+            <a:spLocks noGrp="1"/>
+          </p:cNvSpPr>
+          <p:nvPr>
+            <p:ph type="body" idx="1"/>
+          </p:nvPr>
+        </p:nvSpPr>
+        <p:spPr/>
+        <p:txBody>
+          <a:bodyPr/>
+          <a:lstStyle/>
+          <a:p>
+            <a:r>
+              <a:rPr lang="en-US" dirty="0" smtClean="0"/>
+              <a:t>Howard </a:t>
+            </a:r>
+            <a:r>
+              <a:rPr lang="en-US" dirty="0" err="1" smtClean="0"/>
+              <a:t>Frysinger</a:t>
+            </a:r>
+            <a:r>
+              <a:rPr lang="en-US" baseline="0" dirty="0" smtClean="0"/>
+              <a:t> is on Facebook, I </a:t>
+            </a:r>
+            <a:r>
+              <a:rPr lang="en-US" baseline="0" dirty="0" err="1" smtClean="0"/>
+              <a:t>googled</a:t>
+            </a:r>
+            <a:r>
+              <a:rPr lang="en-US" baseline="0" smtClean="0"/>
+              <a:t> him</a:t>
+            </a:r>
+            <a:endParaRPr lang="en-US"/>
+          </a:p>
+        </p:txBody>
+      </p:sp>
+      <p:sp>
+        <p:nvSpPr>
+          <p:cNvPr id="4" name="Slide Number Placeholder 3"/>
+          <p:cNvSpPr>
+            <a:spLocks noGrp="1"/>
+          </p:cNvSpPr>
+          <p:nvPr>
+            <p:ph type="sldNum" sz="quarter" idx="10"/>
+          </p:nvPr>
+        </p:nvSpPr>
+        <p:spPr/>
+        <p:txBody>
+          <a:bodyPr/>
+          <a:lstStyle/>
+          <a:p>
+            <a:fld id="{B5CF5F01-DE69-42C6-A6BC-27980DDEA61B}" type="slidenum">
+              <a:rPr lang="en-US" smtClean="0"/>
+              <a:pPr/>
+              <a:t>26</a:t>
+            </a:fld>
+            <a:endParaRPr lang="en-US"/>
+          </a:p>
+        </p:txBody>
+      </p:sp>
+    </p:spTree>
+    <p:extLst>
+      <p:ext uri="{BB962C8B-B14F-4D97-AF65-F5344CB8AC3E}">
+        <p14:creationId xmlns:p14="http://schemas.microsoft.com/office/powerpoint/2010/main" val="4161487697"/>
+      </p:ext>
+    </p:extLst>
+  </p:cSld>
+  <p:clrMapOvr>
+    <a:masterClrMapping/>
+  </p:clrMapOvr>
+</p:notes>
+</file>
+
+<file path=ppt/notesSlides/notesSlide17.xml><?xml version="1.0" encoding="utf-8"?>
+<p:notes xmlns:a="http://schemas.openxmlformats.org/drawingml/2006/main" xmlns:r="http://schemas.openxmlformats.org/officeDocument/2006/relationships" xmlns:p="http://schemas.openxmlformats.org/presentationml/2006/main">
+  <p:cSld>
+    <p:spTree>
+      <p:nvGrpSpPr>
+        <p:cNvPr id="1" name=""/>
+        <p:cNvGrpSpPr/>
+        <p:nvPr/>
+      </p:nvGrpSpPr>
+      <p:grpSpPr>
+        <a:xfrm>
+          <a:off x="0" y="0"/>
+          <a:ext cx="0" cy="0"/>
+          <a:chOff x="0" y="0"/>
+          <a:chExt cx="0" cy="0"/>
+        </a:xfrm>
+      </p:grpSpPr>
+      <p:sp>
+        <p:nvSpPr>
+          <p:cNvPr id="2" name="Slide Image Placeholder 1"/>
+          <p:cNvSpPr>
+            <a:spLocks noGrp="1" noRot="1" noChangeAspect="1"/>
+          </p:cNvSpPr>
+          <p:nvPr>
+            <p:ph type="sldImg"/>
+          </p:nvPr>
+        </p:nvSpPr>
+        <p:spPr/>
+      </p:sp>
+      <p:sp>
+        <p:nvSpPr>
+          <p:cNvPr id="3" name="Notes Placeholder 2"/>
+          <p:cNvSpPr>
+            <a:spLocks noGrp="1"/>
+          </p:cNvSpPr>
+          <p:nvPr>
+            <p:ph type="body" idx="1"/>
+          </p:nvPr>
+        </p:nvSpPr>
+        <p:spPr/>
+        <p:txBody>
+          <a:bodyPr/>
+          <a:lstStyle/>
+          <a:p>
+            <a:endParaRPr lang="en-US"/>
+          </a:p>
+        </p:txBody>
+      </p:sp>
+      <p:sp>
+        <p:nvSpPr>
+          <p:cNvPr id="4" name="Slide Number Placeholder 3"/>
+          <p:cNvSpPr>
+            <a:spLocks noGrp="1"/>
+          </p:cNvSpPr>
+          <p:nvPr>
+            <p:ph type="sldNum" sz="quarter" idx="10"/>
+          </p:nvPr>
+        </p:nvSpPr>
+        <p:spPr/>
+        <p:txBody>
+          <a:bodyPr/>
+          <a:lstStyle/>
+          <a:p>
+            <a:fld id="{B5CF5F01-DE69-42C6-A6BC-27980DDEA61B}" type="slidenum">
+              <a:rPr lang="en-US" smtClean="0"/>
+              <a:pPr/>
+              <a:t>31</a:t>
             </a:fld>
             <a:endParaRPr lang="en-US"/>
           </a:p>
@@ -1378,7 +1769,11 @@
           <a:bodyPr/>
           <a:lstStyle/>
           <a:p>
-            <a:endParaRPr lang="en-US"/>
+            <a:r>
+              <a:rPr lang="en-US" dirty="0" smtClean="0"/>
+              <a:t>Original Title, which got truncated by the committee to “How Ops can get out of the way of Development”</a:t>
+            </a:r>
+            <a:endParaRPr lang="en-US" dirty="0"/>
           </a:p>
         </p:txBody>
       </p:sp>
@@ -1409,7 +1804,7 @@
     </p:spTree>
     <p:extLst>
       <p:ext uri="{BB962C8B-B14F-4D97-AF65-F5344CB8AC3E}">
-        <p14:creationId xmlns:p14="http://schemas.microsoft.com/office/powerpoint/2010/main" val="118698948"/>
+        <p14:creationId xmlns:p14="http://schemas.microsoft.com/office/powerpoint/2010/main" val="2263308574"/>
       </p:ext>
     </p:extLst>
   </p:cSld>
@@ -1465,19 +1860,11 @@
           <a:p>
             <a:r>
               <a:rPr lang="en-US" dirty="0" smtClean="0"/>
-              <a:t>We started moving</a:t>
+              <a:t>Even</a:t>
             </a:r>
             <a:r>
               <a:rPr lang="en-US" baseline="0" dirty="0" smtClean="0"/>
-              <a:t> to Linux using Puppet 2 years ago.  </a:t>
-            </a:r>
-            <a:r>
-              <a:rPr lang="en-US" baseline="0" dirty="0" err="1" smtClean="0"/>
-              <a:t>PuppetConf</a:t>
-            </a:r>
-            <a:r>
-              <a:rPr lang="en-US" baseline="0" dirty="0" smtClean="0"/>
-              <a:t>.</a:t>
+              <a:t> creating a title is an ongoing continuous improvement process</a:t>
             </a:r>
             <a:endParaRPr lang="en-US" dirty="0"/>
           </a:p>
@@ -1510,7 +1897,7 @@
     </p:spTree>
     <p:extLst>
       <p:ext uri="{BB962C8B-B14F-4D97-AF65-F5344CB8AC3E}">
-        <p14:creationId xmlns:p14="http://schemas.microsoft.com/office/powerpoint/2010/main" val="118698948"/>
+        <p14:creationId xmlns:p14="http://schemas.microsoft.com/office/powerpoint/2010/main" val="2263308574"/>
       </p:ext>
     </p:extLst>
   </p:cSld>
@@ -1564,36 +1951,7 @@
           <a:bodyPr/>
           <a:lstStyle/>
           <a:p>
-            <a:pPr marL="0" marR="0" indent="0" algn="l" defTabSz="914400" rtl="0" eaLnBrk="1" fontAlgn="base" latinLnBrk="0" hangingPunct="1">
-              <a:lnSpc>
-                <a:spcPct val="100000"/>
-              </a:lnSpc>
-              <a:spcBef>
-                <a:spcPct val="30000"/>
-              </a:spcBef>
-              <a:spcAft>
-                <a:spcPct val="0"/>
-              </a:spcAft>
-              <a:buClrTx/>
-              <a:buSzTx/>
-              <a:buFontTx/>
-              <a:buNone/>
-              <a:tabLst/>
-              <a:defRPr/>
-            </a:pPr>
-            <a:r>
-              <a:rPr lang="en-US" dirty="0" smtClean="0"/>
-              <a:t>Extra </a:t>
-            </a:r>
-            <a:r>
-              <a:rPr lang="en-US" dirty="0" err="1" smtClean="0"/>
-              <a:t>Billy’sSmokehouse</a:t>
-            </a:r>
-            <a:r>
-              <a:rPr lang="en-US" baseline="0" dirty="0" smtClean="0"/>
-              <a:t> &amp; Brewery</a:t>
-            </a:r>
-            <a:endParaRPr lang="en-US" dirty="0"/>
+            <a:endParaRPr lang="en-US"/>
           </a:p>
         </p:txBody>
       </p:sp>
@@ -1624,7 +1982,7 @@
     </p:spTree>
     <p:extLst>
       <p:ext uri="{BB962C8B-B14F-4D97-AF65-F5344CB8AC3E}">
-        <p14:creationId xmlns:p14="http://schemas.microsoft.com/office/powerpoint/2010/main" val="484469406"/>
+        <p14:creationId xmlns:p14="http://schemas.microsoft.com/office/powerpoint/2010/main" val="2263308574"/>
       </p:ext>
     </p:extLst>
   </p:cSld>
@@ -1680,11 +2038,19 @@
           <a:p>
             <a:r>
               <a:rPr lang="en-US" dirty="0" smtClean="0"/>
-              <a:t>Let’s look at these</a:t>
+              <a:t>The </a:t>
+            </a:r>
+            <a:r>
+              <a:rPr lang="en-US" dirty="0" err="1" smtClean="0"/>
+              <a:t>sysadmin</a:t>
+            </a:r>
+            <a:r>
+              <a:rPr lang="en-US" dirty="0" smtClean="0"/>
+              <a:t> </a:t>
             </a:r>
             <a:r>
               <a:rPr lang="en-US" baseline="0" dirty="0" smtClean="0"/>
-              <a:t> “opportunities”, one at a time.</a:t>
+              <a:t>in me returned to</a:t>
             </a:r>
             <a:endParaRPr lang="en-US" dirty="0"/>
           </a:p>
@@ -1708,7 +2074,7 @@
             <a:fld id="{B5CF5F01-DE69-42C6-A6BC-27980DDEA61B}" type="slidenum">
               <a:rPr lang="en-US" smtClean="0"/>
               <a:pPr/>
-              <a:t>7</a:t>
+              <a:t>6</a:t>
             </a:fld>
             <a:endParaRPr lang="en-US"/>
           </a:p>
@@ -1717,7 +2083,7 @@
     </p:spTree>
     <p:extLst>
       <p:ext uri="{BB962C8B-B14F-4D97-AF65-F5344CB8AC3E}">
-        <p14:creationId xmlns:p14="http://schemas.microsoft.com/office/powerpoint/2010/main" val="1831456420"/>
+        <p14:creationId xmlns:p14="http://schemas.microsoft.com/office/powerpoint/2010/main" val="2263308574"/>
       </p:ext>
     </p:extLst>
   </p:cSld>
@@ -1771,21 +2137,7 @@
           <a:bodyPr/>
           <a:lstStyle/>
           <a:p>
-            <a:r>
-              <a:rPr lang="en-US" dirty="0" smtClean="0"/>
-              <a:t>Using their version of Java and Grails on their Desktop OS</a:t>
-            </a:r>
-          </a:p>
-          <a:p>
-            <a:r>
-              <a:rPr lang="en-US" dirty="0" smtClean="0"/>
-              <a:t>This worked</a:t>
-            </a:r>
-            <a:r>
-              <a:rPr lang="en-US" baseline="0" dirty="0" smtClean="0"/>
-              <a:t> most of the time…</a:t>
-            </a:r>
-            <a:endParaRPr lang="en-US" dirty="0"/>
+            <a:endParaRPr lang="en-US"/>
           </a:p>
         </p:txBody>
       </p:sp>
@@ -1807,7 +2159,7 @@
             <a:fld id="{B5CF5F01-DE69-42C6-A6BC-27980DDEA61B}" type="slidenum">
               <a:rPr lang="en-US" smtClean="0"/>
               <a:pPr/>
-              <a:t>8</a:t>
+              <a:t>7</a:t>
             </a:fld>
             <a:endParaRPr lang="en-US"/>
           </a:p>
@@ -1816,7 +2168,7 @@
     </p:spTree>
     <p:extLst>
       <p:ext uri="{BB962C8B-B14F-4D97-AF65-F5344CB8AC3E}">
-        <p14:creationId xmlns:p14="http://schemas.microsoft.com/office/powerpoint/2010/main" val="775823027"/>
+        <p14:creationId xmlns:p14="http://schemas.microsoft.com/office/powerpoint/2010/main" val="118698948"/>
       </p:ext>
     </p:extLst>
   </p:cSld>
@@ -1872,17 +2224,19 @@
           <a:p>
             <a:r>
               <a:rPr lang="en-US" dirty="0" smtClean="0"/>
-              <a:t>Publicly</a:t>
+              <a:t>We started moving</a:t>
             </a:r>
             <a:r>
               <a:rPr lang="en-US" baseline="0" dirty="0" smtClean="0"/>
-              <a:t> shame via jabber conference room.  Never leave a build broke</a:t>
-            </a:r>
-          </a:p>
-          <a:p>
+              <a:t> to Linux using Puppet 2 years ago.  </a:t>
+            </a:r>
+            <a:r>
+              <a:rPr lang="en-US" baseline="0" dirty="0" err="1" smtClean="0"/>
+              <a:t>PuppetConf</a:t>
+            </a:r>
             <a:r>
               <a:rPr lang="en-US" baseline="0" dirty="0" smtClean="0"/>
-              <a:t>Show Jenkins Website on Chrome</a:t>
+              <a:t>.</a:t>
             </a:r>
             <a:endParaRPr lang="en-US" dirty="0"/>
           </a:p>
@@ -1906,7 +2260,7 @@
             <a:fld id="{B5CF5F01-DE69-42C6-A6BC-27980DDEA61B}" type="slidenum">
               <a:rPr lang="en-US" smtClean="0"/>
               <a:pPr/>
-              <a:t>13</a:t>
+              <a:t>8</a:t>
             </a:fld>
             <a:endParaRPr lang="en-US"/>
           </a:p>
@@ -1915,7 +2269,7 @@
     </p:spTree>
     <p:extLst>
       <p:ext uri="{BB962C8B-B14F-4D97-AF65-F5344CB8AC3E}">
-        <p14:creationId xmlns:p14="http://schemas.microsoft.com/office/powerpoint/2010/main" val="694195417"/>
+        <p14:creationId xmlns:p14="http://schemas.microsoft.com/office/powerpoint/2010/main" val="118698948"/>
       </p:ext>
     </p:extLst>
   </p:cSld>
@@ -1971,11 +2325,11 @@
           <a:p>
             <a:r>
               <a:rPr lang="en-US" dirty="0" smtClean="0"/>
-              <a:t>Able</a:t>
+              <a:t>Let’s look at these</a:t>
             </a:r>
             <a:r>
               <a:rPr lang="en-US" baseline="0" dirty="0" smtClean="0"/>
-              <a:t> to select version of Grails to build with</a:t>
+              <a:t> “opportunities”, one at a time.</a:t>
             </a:r>
             <a:endParaRPr lang="en-US" dirty="0"/>
           </a:p>
@@ -1999,7 +2353,7 @@
             <a:fld id="{B5CF5F01-DE69-42C6-A6BC-27980DDEA61B}" type="slidenum">
               <a:rPr lang="en-US" smtClean="0"/>
               <a:pPr/>
-              <a:t>15</a:t>
+              <a:t>10</a:t>
             </a:fld>
             <a:endParaRPr lang="en-US"/>
           </a:p>
@@ -2008,7 +2362,7 @@
     </p:spTree>
     <p:extLst>
       <p:ext uri="{BB962C8B-B14F-4D97-AF65-F5344CB8AC3E}">
-        <p14:creationId xmlns:p14="http://schemas.microsoft.com/office/powerpoint/2010/main" val="874158331"/>
+        <p14:creationId xmlns:p14="http://schemas.microsoft.com/office/powerpoint/2010/main" val="1831456420"/>
       </p:ext>
     </p:extLst>
   </p:cSld>
@@ -5758,6 +6112,484 @@
                   <a:srgbClr val="0062AC"/>
                 </a:solidFill>
               </a:rPr>
+              <a:t>Pre-Jenkins</a:t>
+            </a:r>
+            <a:endParaRPr lang="en-US" dirty="0">
+              <a:solidFill>
+                <a:srgbClr val="0062AC"/>
+              </a:solidFill>
+            </a:endParaRPr>
+          </a:p>
+        </p:txBody>
+      </p:sp>
+      <p:sp>
+        <p:nvSpPr>
+          <p:cNvPr id="201731" name="Rectangle 3"/>
+          <p:cNvSpPr>
+            <a:spLocks noGrp="1" noChangeAspect="1" noChangeArrowheads="1"/>
+          </p:cNvSpPr>
+          <p:nvPr>
+            <p:ph idx="1"/>
+          </p:nvPr>
+        </p:nvSpPr>
+        <p:spPr>
+          <a:xfrm>
+            <a:off x="762000" y="2286000"/>
+            <a:ext cx="7772400" cy="2895600"/>
+          </a:xfrm>
+        </p:spPr>
+        <p:txBody>
+          <a:bodyPr>
+            <a:normAutofit/>
+          </a:bodyPr>
+          <a:lstStyle/>
+          <a:p>
+            <a:pPr>
+              <a:spcBef>
+                <a:spcPct val="60000"/>
+              </a:spcBef>
+            </a:pPr>
+            <a:r>
+              <a:rPr lang="en-US" sz="2800" dirty="0" smtClean="0"/>
+              <a:t>Grails </a:t>
+            </a:r>
+            <a:r>
+              <a:rPr lang="en-US" sz="2800" dirty="0" err="1" smtClean="0"/>
+              <a:t>warfile</a:t>
+            </a:r>
+            <a:r>
+              <a:rPr lang="en-US" sz="2800" dirty="0" smtClean="0"/>
+              <a:t> built on </a:t>
+            </a:r>
+            <a:r>
+              <a:rPr lang="en-US" sz="2800" dirty="0" err="1" smtClean="0"/>
+              <a:t>Devs</a:t>
+            </a:r>
+            <a:r>
+              <a:rPr lang="en-US" sz="2800" dirty="0" smtClean="0"/>
+              <a:t> desktop</a:t>
+            </a:r>
+            <a:endParaRPr lang="en-US" sz="2800" dirty="0"/>
+          </a:p>
+          <a:p>
+            <a:pPr>
+              <a:spcBef>
+                <a:spcPct val="60000"/>
+              </a:spcBef>
+            </a:pPr>
+            <a:r>
+              <a:rPr lang="en-US" sz="2800" dirty="0" err="1" smtClean="0"/>
+              <a:t>Warfile</a:t>
+            </a:r>
+            <a:r>
+              <a:rPr lang="en-US" sz="2800" dirty="0" smtClean="0"/>
+              <a:t> uploaded to a Shared Net Drive</a:t>
+            </a:r>
+            <a:endParaRPr lang="en-US" sz="3200" dirty="0"/>
+          </a:p>
+          <a:p>
+            <a:pPr>
+              <a:spcBef>
+                <a:spcPct val="60000"/>
+              </a:spcBef>
+            </a:pPr>
+            <a:r>
+              <a:rPr lang="en-US" sz="2800" dirty="0" err="1" smtClean="0"/>
+              <a:t>Devs</a:t>
+            </a:r>
+            <a:r>
+              <a:rPr lang="en-US" sz="2800" dirty="0" smtClean="0"/>
+              <a:t> then ping Ops to deploy</a:t>
+            </a:r>
+          </a:p>
+          <a:p>
+            <a:pPr>
+              <a:spcBef>
+                <a:spcPct val="60000"/>
+              </a:spcBef>
+            </a:pPr>
+            <a:r>
+              <a:rPr lang="en-US" sz="2800" dirty="0" smtClean="0"/>
+              <a:t>Ops copy </a:t>
+            </a:r>
+            <a:r>
+              <a:rPr lang="en-US" sz="2800" dirty="0" err="1" smtClean="0"/>
+              <a:t>warfile</a:t>
+            </a:r>
+            <a:r>
+              <a:rPr lang="en-US" sz="2800" dirty="0" smtClean="0"/>
+              <a:t> to server, then deploy it</a:t>
+            </a:r>
+            <a:endParaRPr lang="en-US" sz="2800" dirty="0"/>
+          </a:p>
+        </p:txBody>
+      </p:sp>
+      <p:sp>
+        <p:nvSpPr>
+          <p:cNvPr id="2" name="TextBox 1"/>
+          <p:cNvSpPr txBox="1"/>
+          <p:nvPr/>
+        </p:nvSpPr>
+        <p:spPr>
+          <a:xfrm>
+            <a:off x="914400" y="5410200"/>
+            <a:ext cx="7391400" cy="646331"/>
+          </a:xfrm>
+          <a:prstGeom prst="rect">
+            <a:avLst/>
+          </a:prstGeom>
+          <a:noFill/>
+        </p:spPr>
+        <p:txBody>
+          <a:bodyPr wrap="square" rtlCol="0">
+            <a:spAutoFit/>
+          </a:bodyPr>
+          <a:lstStyle/>
+          <a:p>
+            <a:r>
+              <a:rPr lang="en-US" dirty="0" smtClean="0"/>
+              <a:t>Note: We’re actually called Unix Engineering, but, I’ll be referring to our team as “Ops”.</a:t>
+            </a:r>
+            <a:endParaRPr lang="en-US" dirty="0"/>
+          </a:p>
+        </p:txBody>
+      </p:sp>
+    </p:spTree>
+  </p:cSld>
+  <p:clrMapOvr>
+    <a:masterClrMapping/>
+  </p:clrMapOvr>
+  <p:transition xmlns:p14="http://schemas.microsoft.com/office/powerpoint/2010/main">
+    <p:fade/>
+  </p:transition>
+  <p:timing>
+    <p:tnLst>
+      <p:par>
+        <p:cTn xmlns:p14="http://schemas.microsoft.com/office/powerpoint/2010/main" id="1" dur="indefinite" restart="never" nodeType="tmRoot"/>
+      </p:par>
+    </p:tnLst>
+  </p:timing>
+</p:sld>
+</file>
+
+<file path=ppt/slides/slide11.xml><?xml version="1.0" encoding="utf-8"?>
+<p:sld xmlns:a="http://schemas.openxmlformats.org/drawingml/2006/main" xmlns:r="http://schemas.openxmlformats.org/officeDocument/2006/relationships" xmlns:p="http://schemas.openxmlformats.org/presentationml/2006/main" showMasterPhAnim="0">
+  <p:cSld>
+    <p:spTree>
+      <p:nvGrpSpPr>
+        <p:cNvPr id="1" name=""/>
+        <p:cNvGrpSpPr/>
+        <p:nvPr/>
+      </p:nvGrpSpPr>
+      <p:grpSpPr>
+        <a:xfrm>
+          <a:off x="0" y="0"/>
+          <a:ext cx="0" cy="0"/>
+          <a:chOff x="0" y="0"/>
+          <a:chExt cx="0" cy="0"/>
+        </a:xfrm>
+      </p:grpSpPr>
+      <p:sp>
+        <p:nvSpPr>
+          <p:cNvPr id="201730" name="Rectangle 2"/>
+          <p:cNvSpPr>
+            <a:spLocks noGrp="1" noChangeArrowheads="1"/>
+          </p:cNvSpPr>
+          <p:nvPr>
+            <p:ph type="title"/>
+          </p:nvPr>
+        </p:nvSpPr>
+        <p:spPr>
+          <a:xfrm>
+            <a:off x="457200" y="1295400"/>
+            <a:ext cx="8229600" cy="780288"/>
+          </a:xfrm>
+        </p:spPr>
+        <p:txBody>
+          <a:bodyPr>
+            <a:normAutofit fontScale="90000"/>
+          </a:bodyPr>
+          <a:lstStyle/>
+          <a:p>
+            <a:r>
+              <a:rPr lang="en-US" dirty="0" smtClean="0">
+                <a:solidFill>
+                  <a:srgbClr val="0062AC"/>
+                </a:solidFill>
+              </a:rPr>
+              <a:t>Pre-Jenkins Issues</a:t>
+            </a:r>
+            <a:endParaRPr lang="en-US" dirty="0">
+              <a:solidFill>
+                <a:srgbClr val="0062AC"/>
+              </a:solidFill>
+            </a:endParaRPr>
+          </a:p>
+        </p:txBody>
+      </p:sp>
+      <p:sp>
+        <p:nvSpPr>
+          <p:cNvPr id="201731" name="Rectangle 3"/>
+          <p:cNvSpPr>
+            <a:spLocks noGrp="1" noChangeAspect="1" noChangeArrowheads="1"/>
+          </p:cNvSpPr>
+          <p:nvPr>
+            <p:ph idx="1"/>
+          </p:nvPr>
+        </p:nvSpPr>
+        <p:spPr>
+          <a:xfrm>
+            <a:off x="762000" y="2286000"/>
+            <a:ext cx="7772400" cy="3581400"/>
+          </a:xfrm>
+        </p:spPr>
+        <p:txBody>
+          <a:bodyPr>
+            <a:normAutofit fontScale="92500"/>
+          </a:bodyPr>
+          <a:lstStyle/>
+          <a:p>
+            <a:pPr>
+              <a:spcBef>
+                <a:spcPct val="60000"/>
+              </a:spcBef>
+            </a:pPr>
+            <a:r>
+              <a:rPr lang="en-US" sz="2800" dirty="0" smtClean="0"/>
+              <a:t>Grails </a:t>
+            </a:r>
+            <a:r>
+              <a:rPr lang="en-US" sz="2800" dirty="0" err="1" smtClean="0"/>
+              <a:t>warfile</a:t>
+            </a:r>
+            <a:r>
+              <a:rPr lang="en-US" sz="2800" dirty="0" smtClean="0"/>
+              <a:t> built on </a:t>
+            </a:r>
+            <a:r>
+              <a:rPr lang="en-US" sz="2800" dirty="0" err="1" smtClean="0"/>
+              <a:t>Devs</a:t>
+            </a:r>
+            <a:r>
+              <a:rPr lang="en-US" sz="2800" dirty="0" smtClean="0"/>
+              <a:t> desktop</a:t>
+            </a:r>
+            <a:endParaRPr lang="en-US" sz="2800" dirty="0"/>
+          </a:p>
+          <a:p>
+            <a:pPr lvl="1">
+              <a:spcBef>
+                <a:spcPct val="60000"/>
+              </a:spcBef>
+            </a:pPr>
+            <a:r>
+              <a:rPr lang="en-US" sz="3000" dirty="0" smtClean="0"/>
+              <a:t>Java on their desktop</a:t>
+            </a:r>
+          </a:p>
+          <a:p>
+            <a:pPr lvl="1">
+              <a:spcBef>
+                <a:spcPct val="60000"/>
+              </a:spcBef>
+            </a:pPr>
+            <a:r>
+              <a:rPr lang="en-US" sz="3000" dirty="0" smtClean="0"/>
+              <a:t>Grails on their Desktop</a:t>
+            </a:r>
+            <a:endParaRPr lang="en-US" sz="3000" dirty="0"/>
+          </a:p>
+          <a:p>
+            <a:pPr lvl="1">
+              <a:spcBef>
+                <a:spcPct val="60000"/>
+              </a:spcBef>
+            </a:pPr>
+            <a:r>
+              <a:rPr lang="en-US" sz="2600" dirty="0" smtClean="0"/>
+              <a:t>Build &amp; Testing done on a Windows Desktop usually</a:t>
+            </a:r>
+          </a:p>
+          <a:p>
+            <a:pPr lvl="1">
+              <a:spcBef>
+                <a:spcPct val="60000"/>
+              </a:spcBef>
+            </a:pPr>
+            <a:r>
+              <a:rPr lang="en-US" sz="2600" dirty="0" smtClean="0"/>
+              <a:t>Classic “but it ran ok on my Desktop” scenario, which lead to…</a:t>
+            </a:r>
+          </a:p>
+          <a:p>
+            <a:pPr marL="0" indent="0">
+              <a:spcBef>
+                <a:spcPct val="60000"/>
+              </a:spcBef>
+              <a:buNone/>
+            </a:pPr>
+            <a:endParaRPr lang="en-US" sz="2800" dirty="0"/>
+          </a:p>
+        </p:txBody>
+      </p:sp>
+    </p:spTree>
+    <p:extLst>
+      <p:ext uri="{BB962C8B-B14F-4D97-AF65-F5344CB8AC3E}">
+        <p14:creationId xmlns:p14="http://schemas.microsoft.com/office/powerpoint/2010/main" val="1878531729"/>
+      </p:ext>
+    </p:extLst>
+  </p:cSld>
+  <p:clrMapOvr>
+    <a:masterClrMapping/>
+  </p:clrMapOvr>
+  <p:transition xmlns:p14="http://schemas.microsoft.com/office/powerpoint/2010/main">
+    <p:fade/>
+  </p:transition>
+  <p:timing>
+    <p:tnLst>
+      <p:par>
+        <p:cTn xmlns:p14="http://schemas.microsoft.com/office/powerpoint/2010/main" id="1" dur="indefinite" restart="never" nodeType="tmRoot"/>
+      </p:par>
+    </p:tnLst>
+  </p:timing>
+</p:sld>
+</file>
+
+<file path=ppt/slides/slide12.xml><?xml version="1.0" encoding="utf-8"?>
+<p:sld xmlns:a="http://schemas.openxmlformats.org/drawingml/2006/main" xmlns:r="http://schemas.openxmlformats.org/officeDocument/2006/relationships" xmlns:p="http://schemas.openxmlformats.org/presentationml/2006/main">
+  <p:cSld>
+    <p:spTree>
+      <p:nvGrpSpPr>
+        <p:cNvPr id="1" name=""/>
+        <p:cNvGrpSpPr/>
+        <p:nvPr/>
+      </p:nvGrpSpPr>
+      <p:grpSpPr>
+        <a:xfrm>
+          <a:off x="0" y="0"/>
+          <a:ext cx="0" cy="0"/>
+          <a:chOff x="0" y="0"/>
+          <a:chExt cx="0" cy="0"/>
+        </a:xfrm>
+      </p:grpSpPr>
+      <p:sp>
+        <p:nvSpPr>
+          <p:cNvPr id="4" name="Date Placeholder 3"/>
+          <p:cNvSpPr>
+            <a:spLocks noGrp="1"/>
+          </p:cNvSpPr>
+          <p:nvPr>
+            <p:ph type="dt" sz="half" idx="10"/>
+          </p:nvPr>
+        </p:nvSpPr>
+        <p:spPr/>
+        <p:txBody>
+          <a:bodyPr/>
+          <a:lstStyle/>
+          <a:p>
+            <a:fld id="{564CF2E0-CCC4-4E1E-9902-C3C36AB3FDA4}" type="datetimeFigureOut">
+              <a:rPr lang="en-US" smtClean="0"/>
+              <a:t>9/28/14</a:t>
+            </a:fld>
+            <a:endParaRPr lang="en-US" dirty="0"/>
+          </a:p>
+        </p:txBody>
+      </p:sp>
+      <p:pic>
+        <p:nvPicPr>
+          <p:cNvPr id="7" name="Picture 6" descr="54784357.jpg"/>
+          <p:cNvPicPr>
+            <a:picLocks noChangeAspect="1"/>
+          </p:cNvPicPr>
+          <p:nvPr/>
+        </p:nvPicPr>
+        <p:blipFill>
+          <a:blip r:embed="rId2">
+            <a:extLst>
+              <a:ext uri="{28A0092B-C50C-407E-A947-70E740481C1C}">
+                <a14:useLocalDpi xmlns:a14="http://schemas.microsoft.com/office/drawing/2010/main" val="0"/>
+              </a:ext>
+            </a:extLst>
+          </a:blip>
+          <a:stretch>
+            <a:fillRect/>
+          </a:stretch>
+        </p:blipFill>
+        <p:spPr>
+          <a:xfrm>
+            <a:off x="1219200" y="1066800"/>
+            <a:ext cx="6784992" cy="5075174"/>
+          </a:xfrm>
+          <a:prstGeom prst="rect">
+            <a:avLst/>
+          </a:prstGeom>
+        </p:spPr>
+      </p:pic>
+    </p:spTree>
+    <p:extLst>
+      <p:ext uri="{BB962C8B-B14F-4D97-AF65-F5344CB8AC3E}">
+        <p14:creationId xmlns:p14="http://schemas.microsoft.com/office/powerpoint/2010/main" val="3566936081"/>
+      </p:ext>
+    </p:extLst>
+  </p:cSld>
+  <p:clrMapOvr>
+    <a:masterClrMapping/>
+  </p:clrMapOvr>
+  <p:timing>
+    <p:tnLst>
+      <p:par>
+        <p:cTn xmlns:p14="http://schemas.microsoft.com/office/powerpoint/2010/main" id="1" dur="indefinite" restart="never" nodeType="tmRoot"/>
+      </p:par>
+    </p:tnLst>
+  </p:timing>
+</p:sld>
+</file>
+
+<file path=ppt/slides/slide13.xml><?xml version="1.0" encoding="utf-8"?>
+<p:sld xmlns:a="http://schemas.openxmlformats.org/drawingml/2006/main" xmlns:r="http://schemas.openxmlformats.org/officeDocument/2006/relationships" xmlns:p="http://schemas.openxmlformats.org/presentationml/2006/main" showMasterPhAnim="0">
+  <p:cSld>
+    <p:spTree>
+      <p:nvGrpSpPr>
+        <p:cNvPr id="1" name=""/>
+        <p:cNvGrpSpPr/>
+        <p:nvPr/>
+      </p:nvGrpSpPr>
+      <p:grpSpPr>
+        <a:xfrm>
+          <a:off x="0" y="0"/>
+          <a:ext cx="0" cy="0"/>
+          <a:chOff x="0" y="0"/>
+          <a:chExt cx="0" cy="0"/>
+        </a:xfrm>
+      </p:grpSpPr>
+      <p:sp>
+        <p:nvSpPr>
+          <p:cNvPr id="201730" name="Rectangle 2"/>
+          <p:cNvSpPr>
+            <a:spLocks noGrp="1" noChangeArrowheads="1"/>
+          </p:cNvSpPr>
+          <p:nvPr>
+            <p:ph type="title"/>
+          </p:nvPr>
+        </p:nvSpPr>
+        <p:spPr>
+          <a:xfrm>
+            <a:off x="457200" y="1295400"/>
+            <a:ext cx="8229600" cy="780288"/>
+          </a:xfrm>
+        </p:spPr>
+        <p:txBody>
+          <a:bodyPr>
+            <a:normAutofit fontScale="90000"/>
+          </a:bodyPr>
+          <a:lstStyle/>
+          <a:p>
+            <a:r>
+              <a:rPr lang="en-US" dirty="0" smtClean="0">
+                <a:solidFill>
+                  <a:srgbClr val="0062AC"/>
+                </a:solidFill>
+              </a:rPr>
               <a:t>Pre-Jenkins Issues</a:t>
             </a:r>
             <a:endParaRPr lang="en-US" dirty="0">
@@ -5853,7 +6685,7 @@
 </p:sld>
 </file>
 
-<file path=ppt/slides/slide11.xml><?xml version="1.0" encoding="utf-8"?>
+<file path=ppt/slides/slide14.xml><?xml version="1.0" encoding="utf-8"?>
 <p:sld xmlns:a="http://schemas.openxmlformats.org/drawingml/2006/main" xmlns:r="http://schemas.openxmlformats.org/officeDocument/2006/relationships" xmlns:p="http://schemas.openxmlformats.org/presentationml/2006/main" showMasterPhAnim="0">
   <p:cSld>
     <p:spTree>
@@ -5918,7 +6750,7 @@
 </p:sld>
 </file>
 
-<file path=ppt/slides/slide12.xml><?xml version="1.0" encoding="utf-8"?>
+<file path=ppt/slides/slide15.xml><?xml version="1.0" encoding="utf-8"?>
 <p:sld xmlns:a="http://schemas.openxmlformats.org/drawingml/2006/main" xmlns:r="http://schemas.openxmlformats.org/officeDocument/2006/relationships" xmlns:p="http://schemas.openxmlformats.org/presentationml/2006/main" showMasterPhAnim="0">
   <p:cSld>
     <p:spTree>
@@ -6061,7 +6893,7 @@
 </p:sld>
 </file>
 
-<file path=ppt/slides/slide13.xml><?xml version="1.0" encoding="utf-8"?>
+<file path=ppt/slides/slide16.xml><?xml version="1.0" encoding="utf-8"?>
 <p:sld xmlns:a="http://schemas.openxmlformats.org/drawingml/2006/main" xmlns:r="http://schemas.openxmlformats.org/officeDocument/2006/relationships" xmlns:p="http://schemas.openxmlformats.org/presentationml/2006/main" showMasterPhAnim="0">
   <p:cSld>
     <p:spTree>
@@ -6264,7 +7096,7 @@
 </p:sld>
 </file>
 
-<file path=ppt/slides/slide14.xml><?xml version="1.0" encoding="utf-8"?>
+<file path=ppt/slides/slide17.xml><?xml version="1.0" encoding="utf-8"?>
 <p:sld xmlns:a="http://schemas.openxmlformats.org/drawingml/2006/main" xmlns:r="http://schemas.openxmlformats.org/officeDocument/2006/relationships" xmlns:p="http://schemas.openxmlformats.org/presentationml/2006/main" showMasterPhAnim="0">
   <p:cSld>
     <p:spTree>
@@ -6329,7 +7161,7 @@
 </p:sld>
 </file>
 
-<file path=ppt/slides/slide15.xml><?xml version="1.0" encoding="utf-8"?>
+<file path=ppt/slides/slide18.xml><?xml version="1.0" encoding="utf-8"?>
 <p:sld xmlns:a="http://schemas.openxmlformats.org/drawingml/2006/main" xmlns:r="http://schemas.openxmlformats.org/officeDocument/2006/relationships" xmlns:p="http://schemas.openxmlformats.org/presentationml/2006/main" showMasterPhAnim="0">
   <p:cSld>
     <p:spTree>
@@ -6514,7 +7346,7 @@
 </p:sld>
 </file>
 
-<file path=ppt/slides/slide16.xml><?xml version="1.0" encoding="utf-8"?>
+<file path=ppt/slides/slide19.xml><?xml version="1.0" encoding="utf-8"?>
 <p:sld xmlns:a="http://schemas.openxmlformats.org/drawingml/2006/main" xmlns:r="http://schemas.openxmlformats.org/officeDocument/2006/relationships" xmlns:p="http://schemas.openxmlformats.org/presentationml/2006/main" showMasterPhAnim="0">
   <p:cSld>
     <p:spTree>
@@ -6700,7 +7532,214 @@
 </p:sld>
 </file>
 
-<file path=ppt/slides/slide17.xml><?xml version="1.0" encoding="utf-8"?>
+<file path=ppt/slides/slide2.xml><?xml version="1.0" encoding="utf-8"?>
+<p:sld xmlns:a="http://schemas.openxmlformats.org/drawingml/2006/main" xmlns:r="http://schemas.openxmlformats.org/officeDocument/2006/relationships" xmlns:p="http://schemas.openxmlformats.org/presentationml/2006/main">
+  <p:cSld>
+    <p:spTree>
+      <p:nvGrpSpPr>
+        <p:cNvPr id="1" name=""/>
+        <p:cNvGrpSpPr/>
+        <p:nvPr/>
+      </p:nvGrpSpPr>
+      <p:grpSpPr>
+        <a:xfrm>
+          <a:off x="0" y="0"/>
+          <a:ext cx="0" cy="0"/>
+          <a:chOff x="0" y="0"/>
+          <a:chExt cx="0" cy="0"/>
+        </a:xfrm>
+      </p:grpSpPr>
+      <p:sp>
+        <p:nvSpPr>
+          <p:cNvPr id="249858" name="Text Box 2"/>
+          <p:cNvSpPr txBox="1">
+            <a:spLocks noGrp="1" noChangeArrowheads="1"/>
+          </p:cNvSpPr>
+          <p:nvPr>
+            <p:ph type="title"/>
+          </p:nvPr>
+        </p:nvSpPr>
+        <p:spPr>
+          <a:xfrm>
+            <a:off x="304800" y="1219200"/>
+            <a:ext cx="8229600" cy="856488"/>
+          </a:xfrm>
+          <a:noFill/>
+          <a:ln/>
+        </p:spPr>
+        <p:txBody>
+          <a:bodyPr anchor="b">
+            <a:normAutofit fontScale="90000"/>
+          </a:bodyPr>
+          <a:lstStyle/>
+          <a:p>
+            <a:r>
+              <a:rPr lang="en-US" dirty="0">
+                <a:solidFill>
+                  <a:srgbClr val="0062AC"/>
+                </a:solidFill>
+                <a:latin typeface="Helvetica" pitchFamily="34" charset="0"/>
+                <a:cs typeface="Helvetica" pitchFamily="34" charset="0"/>
+              </a:rPr>
+              <a:t>Session Rules of Etiquette</a:t>
+            </a:r>
+          </a:p>
+        </p:txBody>
+      </p:sp>
+      <p:sp>
+        <p:nvSpPr>
+          <p:cNvPr id="249859" name="Text Box 3"/>
+          <p:cNvSpPr txBox="1">
+            <a:spLocks noGrp="1" noChangeArrowheads="1"/>
+          </p:cNvSpPr>
+          <p:nvPr>
+            <p:ph idx="1"/>
+          </p:nvPr>
+        </p:nvSpPr>
+        <p:spPr>
+          <a:xfrm>
+            <a:off x="387350" y="1752599"/>
+            <a:ext cx="8305800" cy="3978275"/>
+          </a:xfrm>
+          <a:noFill/>
+          <a:ln/>
+        </p:spPr>
+        <p:txBody>
+          <a:bodyPr>
+            <a:noAutofit/>
+          </a:bodyPr>
+          <a:lstStyle/>
+          <a:p>
+            <a:pPr>
+              <a:spcBef>
+                <a:spcPct val="60000"/>
+              </a:spcBef>
+            </a:pPr>
+            <a:r>
+              <a:rPr lang="en-US" dirty="0"/>
+              <a:t>Please </a:t>
+            </a:r>
+            <a:r>
+              <a:rPr lang="en-US" dirty="0" smtClean="0"/>
+              <a:t>silence </a:t>
+            </a:r>
+            <a:r>
+              <a:rPr lang="en-US" dirty="0"/>
+              <a:t>your cell </a:t>
+            </a:r>
+            <a:r>
+              <a:rPr lang="en-US" dirty="0" smtClean="0"/>
+              <a:t>phone/pager</a:t>
+            </a:r>
+          </a:p>
+          <a:p>
+            <a:pPr>
+              <a:spcBef>
+                <a:spcPct val="60000"/>
+              </a:spcBef>
+            </a:pPr>
+            <a:r>
+              <a:rPr lang="en-US" dirty="0" smtClean="0"/>
+              <a:t>If </a:t>
+            </a:r>
+            <a:r>
+              <a:rPr lang="en-US" dirty="0"/>
+              <a:t>you must leave the session early, please do so as discreetly as possible</a:t>
+            </a:r>
+          </a:p>
+          <a:p>
+            <a:pPr>
+              <a:spcBef>
+                <a:spcPct val="60000"/>
+              </a:spcBef>
+            </a:pPr>
+            <a:r>
+              <a:rPr lang="en-US" dirty="0"/>
+              <a:t>Please avoid side conversation during the </a:t>
+            </a:r>
+            <a:r>
+              <a:rPr lang="en-US" dirty="0" smtClean="0"/>
+              <a:t>session</a:t>
+            </a:r>
+          </a:p>
+          <a:p>
+            <a:pPr>
+              <a:spcBef>
+                <a:spcPct val="60000"/>
+              </a:spcBef>
+            </a:pPr>
+            <a:r>
+              <a:rPr lang="en-US" dirty="0" smtClean="0"/>
+              <a:t>Please, feel free to ask questions at any time</a:t>
+            </a:r>
+          </a:p>
+        </p:txBody>
+      </p:sp>
+      <p:sp>
+        <p:nvSpPr>
+          <p:cNvPr id="249860" name="Text Box 4"/>
+          <p:cNvSpPr txBox="1">
+            <a:spLocks noChangeArrowheads="1"/>
+          </p:cNvSpPr>
+          <p:nvPr/>
+        </p:nvSpPr>
+        <p:spPr bwMode="auto">
+          <a:xfrm>
+            <a:off x="281873" y="4997450"/>
+            <a:ext cx="8470900" cy="488950"/>
+          </a:xfrm>
+          <a:prstGeom prst="rect">
+            <a:avLst/>
+          </a:prstGeom>
+          <a:noFill/>
+          <a:ln w="9525">
+            <a:noFill/>
+            <a:miter lim="800000"/>
+            <a:headEnd/>
+            <a:tailEnd/>
+          </a:ln>
+          <a:effectLst/>
+        </p:spPr>
+        <p:txBody>
+          <a:bodyPr>
+            <a:spAutoFit/>
+          </a:bodyPr>
+          <a:lstStyle/>
+          <a:p>
+            <a:pPr marL="342900" indent="-342900" algn="ctr" eaLnBrk="1" hangingPunct="1">
+              <a:spcBef>
+                <a:spcPct val="50000"/>
+              </a:spcBef>
+              <a:buSzPct val="70000"/>
+              <a:buFont typeface="Wingdings" pitchFamily="2" charset="2"/>
+              <a:buNone/>
+            </a:pPr>
+            <a:r>
+              <a:rPr lang="en-US" sz="2600" dirty="0">
+                <a:latin typeface="Helvetica" pitchFamily="34" charset="0"/>
+              </a:rPr>
+              <a:t>Thank you for your cooperation!</a:t>
+            </a:r>
+          </a:p>
+        </p:txBody>
+      </p:sp>
+    </p:spTree>
+  </p:cSld>
+  <p:clrMapOvr>
+    <a:masterClrMapping/>
+  </p:clrMapOvr>
+  <p:transition xmlns:p14="http://schemas.microsoft.com/office/powerpoint/2010/main"/>
+  <p:timing>
+    <p:tnLst>
+      <p:par>
+        <p:cTn xmlns:p14="http://schemas.microsoft.com/office/powerpoint/2010/main" id="1" dur="indefinite" restart="never" nodeType="tmRoot"/>
+      </p:par>
+    </p:tnLst>
+  </p:timing>
+</p:sld>
+</file>
+
+<file path=ppt/slides/slide20.xml><?xml version="1.0" encoding="utf-8"?>
 <p:sld xmlns:a="http://schemas.openxmlformats.org/drawingml/2006/main" xmlns:r="http://schemas.openxmlformats.org/officeDocument/2006/relationships" xmlns:p="http://schemas.openxmlformats.org/presentationml/2006/main" showMasterPhAnim="0">
   <p:cSld>
     <p:spTree>
@@ -6857,7 +7896,7 @@
 </p:sld>
 </file>
 
-<file path=ppt/slides/slide18.xml><?xml version="1.0" encoding="utf-8"?>
+<file path=ppt/slides/slide21.xml><?xml version="1.0" encoding="utf-8"?>
 <p:sld xmlns:a="http://schemas.openxmlformats.org/drawingml/2006/main" xmlns:r="http://schemas.openxmlformats.org/officeDocument/2006/relationships" xmlns:p="http://schemas.openxmlformats.org/presentationml/2006/main" showMasterPhAnim="0">
   <p:cSld>
     <p:spTree>
@@ -6994,7 +8033,7 @@
 </p:sld>
 </file>
 
-<file path=ppt/slides/slide19.xml><?xml version="1.0" encoding="utf-8"?>
+<file path=ppt/slides/slide22.xml><?xml version="1.0" encoding="utf-8"?>
 <p:sld xmlns:a="http://schemas.openxmlformats.org/drawingml/2006/main" xmlns:r="http://schemas.openxmlformats.org/officeDocument/2006/relationships" xmlns:p="http://schemas.openxmlformats.org/presentationml/2006/main">
   <p:cSld>
     <p:spTree>
@@ -7084,214 +8123,7 @@
 </p:sld>
 </file>
 
-<file path=ppt/slides/slide2.xml><?xml version="1.0" encoding="utf-8"?>
-<p:sld xmlns:a="http://schemas.openxmlformats.org/drawingml/2006/main" xmlns:r="http://schemas.openxmlformats.org/officeDocument/2006/relationships" xmlns:p="http://schemas.openxmlformats.org/presentationml/2006/main">
-  <p:cSld>
-    <p:spTree>
-      <p:nvGrpSpPr>
-        <p:cNvPr id="1" name=""/>
-        <p:cNvGrpSpPr/>
-        <p:nvPr/>
-      </p:nvGrpSpPr>
-      <p:grpSpPr>
-        <a:xfrm>
-          <a:off x="0" y="0"/>
-          <a:ext cx="0" cy="0"/>
-          <a:chOff x="0" y="0"/>
-          <a:chExt cx="0" cy="0"/>
-        </a:xfrm>
-      </p:grpSpPr>
-      <p:sp>
-        <p:nvSpPr>
-          <p:cNvPr id="249858" name="Text Box 2"/>
-          <p:cNvSpPr txBox="1">
-            <a:spLocks noGrp="1" noChangeArrowheads="1"/>
-          </p:cNvSpPr>
-          <p:nvPr>
-            <p:ph type="title"/>
-          </p:nvPr>
-        </p:nvSpPr>
-        <p:spPr>
-          <a:xfrm>
-            <a:off x="304800" y="1219200"/>
-            <a:ext cx="8229600" cy="856488"/>
-          </a:xfrm>
-          <a:noFill/>
-          <a:ln/>
-        </p:spPr>
-        <p:txBody>
-          <a:bodyPr anchor="b">
-            <a:normAutofit fontScale="90000"/>
-          </a:bodyPr>
-          <a:lstStyle/>
-          <a:p>
-            <a:r>
-              <a:rPr lang="en-US" dirty="0">
-                <a:solidFill>
-                  <a:srgbClr val="0062AC"/>
-                </a:solidFill>
-                <a:latin typeface="Helvetica" pitchFamily="34" charset="0"/>
-                <a:cs typeface="Helvetica" pitchFamily="34" charset="0"/>
-              </a:rPr>
-              <a:t>Session Rules of Etiquette</a:t>
-            </a:r>
-          </a:p>
-        </p:txBody>
-      </p:sp>
-      <p:sp>
-        <p:nvSpPr>
-          <p:cNvPr id="249859" name="Text Box 3"/>
-          <p:cNvSpPr txBox="1">
-            <a:spLocks noGrp="1" noChangeArrowheads="1"/>
-          </p:cNvSpPr>
-          <p:nvPr>
-            <p:ph idx="1"/>
-          </p:nvPr>
-        </p:nvSpPr>
-        <p:spPr>
-          <a:xfrm>
-            <a:off x="387350" y="1752599"/>
-            <a:ext cx="8305800" cy="3978275"/>
-          </a:xfrm>
-          <a:noFill/>
-          <a:ln/>
-        </p:spPr>
-        <p:txBody>
-          <a:bodyPr>
-            <a:noAutofit/>
-          </a:bodyPr>
-          <a:lstStyle/>
-          <a:p>
-            <a:pPr>
-              <a:spcBef>
-                <a:spcPct val="60000"/>
-              </a:spcBef>
-            </a:pPr>
-            <a:r>
-              <a:rPr lang="en-US" dirty="0"/>
-              <a:t>Please </a:t>
-            </a:r>
-            <a:r>
-              <a:rPr lang="en-US" dirty="0" smtClean="0"/>
-              <a:t>silence </a:t>
-            </a:r>
-            <a:r>
-              <a:rPr lang="en-US" dirty="0"/>
-              <a:t>your cell </a:t>
-            </a:r>
-            <a:r>
-              <a:rPr lang="en-US" dirty="0" smtClean="0"/>
-              <a:t>phone/pager</a:t>
-            </a:r>
-          </a:p>
-          <a:p>
-            <a:pPr>
-              <a:spcBef>
-                <a:spcPct val="60000"/>
-              </a:spcBef>
-            </a:pPr>
-            <a:r>
-              <a:rPr lang="en-US" dirty="0" smtClean="0"/>
-              <a:t>If </a:t>
-            </a:r>
-            <a:r>
-              <a:rPr lang="en-US" dirty="0"/>
-              <a:t>you must leave the session early, please do so as discreetly as possible</a:t>
-            </a:r>
-          </a:p>
-          <a:p>
-            <a:pPr>
-              <a:spcBef>
-                <a:spcPct val="60000"/>
-              </a:spcBef>
-            </a:pPr>
-            <a:r>
-              <a:rPr lang="en-US" dirty="0"/>
-              <a:t>Please avoid side conversation during the </a:t>
-            </a:r>
-            <a:r>
-              <a:rPr lang="en-US" dirty="0" smtClean="0"/>
-              <a:t>session</a:t>
-            </a:r>
-          </a:p>
-          <a:p>
-            <a:pPr>
-              <a:spcBef>
-                <a:spcPct val="60000"/>
-              </a:spcBef>
-            </a:pPr>
-            <a:r>
-              <a:rPr lang="en-US" dirty="0" smtClean="0"/>
-              <a:t>Please, feel free to ask questions at any time</a:t>
-            </a:r>
-          </a:p>
-        </p:txBody>
-      </p:sp>
-      <p:sp>
-        <p:nvSpPr>
-          <p:cNvPr id="249860" name="Text Box 4"/>
-          <p:cNvSpPr txBox="1">
-            <a:spLocks noChangeArrowheads="1"/>
-          </p:cNvSpPr>
-          <p:nvPr/>
-        </p:nvSpPr>
-        <p:spPr bwMode="auto">
-          <a:xfrm>
-            <a:off x="281873" y="4997450"/>
-            <a:ext cx="8470900" cy="488950"/>
-          </a:xfrm>
-          <a:prstGeom prst="rect">
-            <a:avLst/>
-          </a:prstGeom>
-          <a:noFill/>
-          <a:ln w="9525">
-            <a:noFill/>
-            <a:miter lim="800000"/>
-            <a:headEnd/>
-            <a:tailEnd/>
-          </a:ln>
-          <a:effectLst/>
-        </p:spPr>
-        <p:txBody>
-          <a:bodyPr>
-            <a:spAutoFit/>
-          </a:bodyPr>
-          <a:lstStyle/>
-          <a:p>
-            <a:pPr marL="342900" indent="-342900" algn="ctr" eaLnBrk="1" hangingPunct="1">
-              <a:spcBef>
-                <a:spcPct val="50000"/>
-              </a:spcBef>
-              <a:buSzPct val="70000"/>
-              <a:buFont typeface="Wingdings" pitchFamily="2" charset="2"/>
-              <a:buNone/>
-            </a:pPr>
-            <a:r>
-              <a:rPr lang="en-US" sz="2600" dirty="0">
-                <a:latin typeface="Helvetica" pitchFamily="34" charset="0"/>
-              </a:rPr>
-              <a:t>Thank you for your cooperation!</a:t>
-            </a:r>
-          </a:p>
-        </p:txBody>
-      </p:sp>
-    </p:spTree>
-  </p:cSld>
-  <p:clrMapOvr>
-    <a:masterClrMapping/>
-  </p:clrMapOvr>
-  <p:transition xmlns:p14="http://schemas.microsoft.com/office/powerpoint/2010/main"/>
-  <p:timing>
-    <p:tnLst>
-      <p:par>
-        <p:cTn xmlns:p14="http://schemas.microsoft.com/office/powerpoint/2010/main" id="1" dur="indefinite" restart="never" nodeType="tmRoot"/>
-      </p:par>
-    </p:tnLst>
-  </p:timing>
-</p:sld>
-</file>
-
-<file path=ppt/slides/slide20.xml><?xml version="1.0" encoding="utf-8"?>
+<file path=ppt/slides/slide23.xml><?xml version="1.0" encoding="utf-8"?>
 <p:sld xmlns:a="http://schemas.openxmlformats.org/drawingml/2006/main" xmlns:r="http://schemas.openxmlformats.org/officeDocument/2006/relationships" xmlns:p="http://schemas.openxmlformats.org/presentationml/2006/main">
   <p:cSld>
     <p:spTree>
@@ -7381,7 +8213,7 @@
 </p:sld>
 </file>
 
-<file path=ppt/slides/slide21.xml><?xml version="1.0" encoding="utf-8"?>
+<file path=ppt/slides/slide24.xml><?xml version="1.0" encoding="utf-8"?>
 <p:sld xmlns:a="http://schemas.openxmlformats.org/drawingml/2006/main" xmlns:r="http://schemas.openxmlformats.org/officeDocument/2006/relationships" xmlns:p="http://schemas.openxmlformats.org/presentationml/2006/main">
   <p:cSld>
     <p:spTree>
@@ -7471,7 +8303,7 @@
 </p:sld>
 </file>
 
-<file path=ppt/slides/slide22.xml><?xml version="1.0" encoding="utf-8"?>
+<file path=ppt/slides/slide25.xml><?xml version="1.0" encoding="utf-8"?>
 <p:sld xmlns:a="http://schemas.openxmlformats.org/drawingml/2006/main" xmlns:r="http://schemas.openxmlformats.org/officeDocument/2006/relationships" xmlns:p="http://schemas.openxmlformats.org/presentationml/2006/main">
   <p:cSld>
     <p:spTree>
@@ -7560,7 +8392,7 @@
 </p:sld>
 </file>
 
-<file path=ppt/slides/slide23.xml><?xml version="1.0" encoding="utf-8"?>
+<file path=ppt/slides/slide26.xml><?xml version="1.0" encoding="utf-8"?>
 <p:sld xmlns:a="http://schemas.openxmlformats.org/drawingml/2006/main" xmlns:r="http://schemas.openxmlformats.org/officeDocument/2006/relationships" xmlns:p="http://schemas.openxmlformats.org/presentationml/2006/main">
   <p:cSld>
     <p:spTree>
@@ -7930,662 +8762,6 @@
 </p:sld>
 </file>
 
-<file path=ppt/slides/slide24.xml><?xml version="1.0" encoding="utf-8"?>
-<p:sld xmlns:a="http://schemas.openxmlformats.org/drawingml/2006/main" xmlns:r="http://schemas.openxmlformats.org/officeDocument/2006/relationships" xmlns:p="http://schemas.openxmlformats.org/presentationml/2006/main">
-  <p:cSld>
-    <p:spTree>
-      <p:nvGrpSpPr>
-        <p:cNvPr id="1" name=""/>
-        <p:cNvGrpSpPr/>
-        <p:nvPr/>
-      </p:nvGrpSpPr>
-      <p:grpSpPr>
-        <a:xfrm>
-          <a:off x="0" y="0"/>
-          <a:ext cx="0" cy="0"/>
-          <a:chOff x="0" y="0"/>
-          <a:chExt cx="0" cy="0"/>
-        </a:xfrm>
-      </p:grpSpPr>
-      <p:sp>
-        <p:nvSpPr>
-          <p:cNvPr id="3" name="Content Placeholder 2"/>
-          <p:cNvSpPr>
-            <a:spLocks noGrp="1"/>
-          </p:cNvSpPr>
-          <p:nvPr>
-            <p:ph idx="1"/>
-          </p:nvPr>
-        </p:nvSpPr>
-        <p:spPr>
-          <a:xfrm>
-            <a:off x="685800" y="990600"/>
-            <a:ext cx="7543800" cy="5029200"/>
-          </a:xfrm>
-        </p:spPr>
-        <p:txBody>
-          <a:bodyPr>
-            <a:normAutofit/>
-          </a:bodyPr>
-          <a:lstStyle/>
-          <a:p>
-            <a:r>
-              <a:rPr lang="en-US" dirty="0" smtClean="0"/>
-              <a:t>Create a temporary directory to work from</a:t>
-            </a:r>
-          </a:p>
-          <a:p>
-            <a:pPr lvl="1"/>
-            <a:r>
-              <a:rPr lang="en-US" dirty="0" err="1"/>
-              <a:t>m</a:t>
-            </a:r>
-            <a:r>
-              <a:rPr lang="en-US" dirty="0" err="1" smtClean="0"/>
-              <a:t>kdir</a:t>
-            </a:r>
-            <a:r>
-              <a:rPr lang="en-US" dirty="0" smtClean="0"/>
-              <a:t> </a:t>
-            </a:r>
-            <a:r>
-              <a:rPr lang="en-US" dirty="0"/>
-              <a:t>$HOME/ban9temp</a:t>
-            </a:r>
-            <a:endParaRPr lang="en-US" dirty="0" smtClean="0"/>
-          </a:p>
-          <a:p>
-            <a:pPr lvl="1"/>
-            <a:r>
-              <a:rPr lang="en-US" dirty="0" smtClean="0"/>
-              <a:t>cd </a:t>
-            </a:r>
-            <a:r>
-              <a:rPr lang="en-US" dirty="0"/>
-              <a:t>$HOME/</a:t>
-            </a:r>
-            <a:r>
-              <a:rPr lang="en-US" dirty="0" smtClean="0"/>
-              <a:t>ban9temp</a:t>
-            </a:r>
-          </a:p>
-          <a:p>
-            <a:pPr lvl="1"/>
-            <a:r>
-              <a:rPr lang="en-US" dirty="0" smtClean="0"/>
-              <a:t>unzip where-ever/release</a:t>
-            </a:r>
-            <a:r>
-              <a:rPr lang="en-US" dirty="0"/>
-              <a:t>-StudentFacultyGradeEntry-9.2.0.1.</a:t>
-            </a:r>
-            <a:r>
-              <a:rPr lang="en-US" dirty="0" smtClean="0"/>
-              <a:t>zip</a:t>
-            </a:r>
-          </a:p>
-          <a:p>
-            <a:pPr lvl="1"/>
-            <a:r>
-              <a:rPr lang="en-US" dirty="0"/>
-              <a:t>c</a:t>
-            </a:r>
-            <a:r>
-              <a:rPr lang="en-US" dirty="0" smtClean="0"/>
-              <a:t>d installer</a:t>
-            </a:r>
-          </a:p>
-          <a:p>
-            <a:pPr lvl="1"/>
-            <a:r>
-              <a:rPr lang="en-US" dirty="0" err="1"/>
-              <a:t>c</a:t>
-            </a:r>
-            <a:r>
-              <a:rPr lang="en-US" dirty="0" err="1" smtClean="0"/>
-              <a:t>hmod</a:t>
-            </a:r>
-            <a:r>
-              <a:rPr lang="en-US" dirty="0" smtClean="0"/>
-              <a:t> +x ant</a:t>
-            </a:r>
-          </a:p>
-          <a:p>
-            <a:pPr lvl="1"/>
-            <a:r>
-              <a:rPr lang="en-US" dirty="0" smtClean="0"/>
-              <a:t>./ant</a:t>
-            </a:r>
-          </a:p>
-          <a:p>
-            <a:pPr lvl="1"/>
-            <a:r>
-              <a:rPr lang="en-US" dirty="0"/>
-              <a:t>b</a:t>
-            </a:r>
-            <a:r>
-              <a:rPr lang="en-US" dirty="0" smtClean="0"/>
-              <a:t>in/install home</a:t>
-            </a:r>
-          </a:p>
-          <a:p>
-            <a:pPr lvl="2"/>
-            <a:r>
-              <a:rPr lang="en-US" b="1" dirty="0" smtClean="0"/>
-              <a:t>Prompted</a:t>
-            </a:r>
-            <a:r>
-              <a:rPr lang="en-US" dirty="0" smtClean="0"/>
-              <a:t> for full path of module home &amp; shared configuration directory, we’ll use /home/</a:t>
-            </a:r>
-            <a:r>
-              <a:rPr lang="en-US" dirty="0" err="1" smtClean="0"/>
-              <a:t>xeuser</a:t>
-            </a:r>
-            <a:r>
-              <a:rPr lang="en-US" dirty="0" smtClean="0"/>
-              <a:t>/</a:t>
-            </a:r>
-            <a:r>
-              <a:rPr lang="en-US" dirty="0" err="1" smtClean="0"/>
-              <a:t>banner_test_homes</a:t>
-            </a:r>
-            <a:endParaRPr lang="en-US" dirty="0" smtClean="0"/>
-          </a:p>
-          <a:p>
-            <a:pPr lvl="1"/>
-            <a:r>
-              <a:rPr lang="en-US" dirty="0" smtClean="0"/>
-              <a:t>Go and make all your local modifications</a:t>
-            </a:r>
-          </a:p>
-        </p:txBody>
-      </p:sp>
-      <p:sp>
-        <p:nvSpPr>
-          <p:cNvPr id="4" name="Date Placeholder 3"/>
-          <p:cNvSpPr>
-            <a:spLocks noGrp="1"/>
-          </p:cNvSpPr>
-          <p:nvPr>
-            <p:ph type="dt" sz="half" idx="10"/>
-          </p:nvPr>
-        </p:nvSpPr>
-        <p:spPr/>
-        <p:txBody>
-          <a:bodyPr/>
-          <a:lstStyle/>
-          <a:p>
-            <a:fld id="{564CF2E0-CCC4-4E1E-9902-C3C36AB3FDA4}" type="datetimeFigureOut">
-              <a:rPr lang="en-US" smtClean="0"/>
-              <a:t>9/28/14</a:t>
-            </a:fld>
-            <a:endParaRPr lang="en-US" dirty="0"/>
-          </a:p>
-        </p:txBody>
-      </p:sp>
-    </p:spTree>
-    <p:extLst>
-      <p:ext uri="{BB962C8B-B14F-4D97-AF65-F5344CB8AC3E}">
-        <p14:creationId xmlns:p14="http://schemas.microsoft.com/office/powerpoint/2010/main" val="1287436280"/>
-      </p:ext>
-    </p:extLst>
-  </p:cSld>
-  <p:clrMapOvr>
-    <a:masterClrMapping/>
-  </p:clrMapOvr>
-  <p:timing>
-    <p:tnLst>
-      <p:par>
-        <p:cTn xmlns:p14="http://schemas.microsoft.com/office/powerpoint/2010/main" id="1" dur="indefinite" restart="never" nodeType="tmRoot"/>
-      </p:par>
-    </p:tnLst>
-  </p:timing>
-</p:sld>
-</file>
-
-<file path=ppt/slides/slide25.xml><?xml version="1.0" encoding="utf-8"?>
-<p:sld xmlns:a="http://schemas.openxmlformats.org/drawingml/2006/main" xmlns:r="http://schemas.openxmlformats.org/officeDocument/2006/relationships" xmlns:p="http://schemas.openxmlformats.org/presentationml/2006/main">
-  <p:cSld>
-    <p:spTree>
-      <p:nvGrpSpPr>
-        <p:cNvPr id="1" name=""/>
-        <p:cNvGrpSpPr/>
-        <p:nvPr/>
-      </p:nvGrpSpPr>
-      <p:grpSpPr>
-        <a:xfrm>
-          <a:off x="0" y="0"/>
-          <a:ext cx="0" cy="0"/>
-          <a:chOff x="0" y="0"/>
-          <a:chExt cx="0" cy="0"/>
-        </a:xfrm>
-      </p:grpSpPr>
-      <p:sp>
-        <p:nvSpPr>
-          <p:cNvPr id="3" name="Content Placeholder 2"/>
-          <p:cNvSpPr>
-            <a:spLocks noGrp="1"/>
-          </p:cNvSpPr>
-          <p:nvPr>
-            <p:ph idx="1"/>
-          </p:nvPr>
-        </p:nvSpPr>
-        <p:spPr>
-          <a:xfrm>
-            <a:off x="762000" y="685800"/>
-            <a:ext cx="7543800" cy="5486400"/>
-          </a:xfrm>
-        </p:spPr>
-        <p:txBody>
-          <a:bodyPr/>
-          <a:lstStyle/>
-          <a:p>
-            <a:r>
-              <a:rPr lang="en-US" dirty="0" smtClean="0"/>
-              <a:t>Regenerate the WAR file</a:t>
-            </a:r>
-          </a:p>
-          <a:p>
-            <a:pPr lvl="1"/>
-            <a:r>
-              <a:rPr lang="en-US" dirty="0"/>
-              <a:t>c</a:t>
-            </a:r>
-            <a:r>
-              <a:rPr lang="en-US" dirty="0" smtClean="0"/>
-              <a:t>d /home/</a:t>
-            </a:r>
-            <a:r>
-              <a:rPr lang="en-US" dirty="0" err="1" smtClean="0"/>
-              <a:t>xeuser</a:t>
-            </a:r>
-            <a:r>
-              <a:rPr lang="en-US" dirty="0" smtClean="0"/>
-              <a:t>/</a:t>
-            </a:r>
-            <a:r>
-              <a:rPr lang="en-US" dirty="0" err="1" smtClean="0"/>
-              <a:t>banner_test_homes</a:t>
-            </a:r>
-            <a:r>
-              <a:rPr lang="en-US" dirty="0" smtClean="0"/>
-              <a:t>/current/installer</a:t>
-            </a:r>
-          </a:p>
-          <a:p>
-            <a:pPr lvl="1"/>
-            <a:r>
-              <a:rPr lang="en-US" dirty="0" smtClean="0"/>
-              <a:t>./ant</a:t>
-            </a:r>
-          </a:p>
-          <a:p>
-            <a:pPr lvl="1"/>
-            <a:r>
-              <a:rPr lang="en-US" dirty="0"/>
-              <a:t>b</a:t>
-            </a:r>
-            <a:r>
-              <a:rPr lang="en-US" dirty="0" smtClean="0"/>
-              <a:t>in/</a:t>
-            </a:r>
-            <a:r>
-              <a:rPr lang="en-US" dirty="0" err="1" smtClean="0"/>
-              <a:t>systool</a:t>
-            </a:r>
-            <a:r>
-              <a:rPr lang="en-US" dirty="0" smtClean="0"/>
-              <a:t> war</a:t>
-            </a:r>
-          </a:p>
-          <a:p>
-            <a:pPr lvl="1"/>
-            <a:r>
-              <a:rPr lang="en-US" dirty="0" err="1" smtClean="0"/>
-              <a:t>Warfile</a:t>
-            </a:r>
-            <a:r>
-              <a:rPr lang="en-US" dirty="0" smtClean="0"/>
-              <a:t> is in </a:t>
-            </a:r>
-            <a:r>
-              <a:rPr lang="en-US" dirty="0"/>
-              <a:t>/home/</a:t>
-            </a:r>
-            <a:r>
-              <a:rPr lang="en-US" dirty="0" err="1"/>
-              <a:t>xeuser</a:t>
-            </a:r>
-            <a:r>
-              <a:rPr lang="en-US" dirty="0"/>
-              <a:t>/</a:t>
-            </a:r>
-            <a:r>
-              <a:rPr lang="en-US" dirty="0" err="1"/>
-              <a:t>banner_test_homes</a:t>
-            </a:r>
-            <a:r>
-              <a:rPr lang="en-US" dirty="0"/>
-              <a:t>/</a:t>
-            </a:r>
-            <a:r>
-              <a:rPr lang="en-US" dirty="0" smtClean="0"/>
-              <a:t>current/</a:t>
-            </a:r>
-            <a:r>
-              <a:rPr lang="en-US" dirty="0" err="1" smtClean="0"/>
-              <a:t>dist</a:t>
-            </a:r>
-            <a:endParaRPr lang="en-US" dirty="0" smtClean="0"/>
-          </a:p>
-          <a:p>
-            <a:pPr lvl="1"/>
-            <a:r>
-              <a:rPr lang="en-US" dirty="0" smtClean="0"/>
-              <a:t>Manually </a:t>
-            </a:r>
-            <a:r>
-              <a:rPr lang="en-US" dirty="0"/>
-              <a:t>d</a:t>
-            </a:r>
-            <a:r>
-              <a:rPr lang="en-US" dirty="0" smtClean="0"/>
-              <a:t>eploy it</a:t>
-            </a:r>
-            <a:endParaRPr lang="en-US" dirty="0"/>
-          </a:p>
-        </p:txBody>
-      </p:sp>
-      <p:sp>
-        <p:nvSpPr>
-          <p:cNvPr id="4" name="Date Placeholder 3"/>
-          <p:cNvSpPr>
-            <a:spLocks noGrp="1"/>
-          </p:cNvSpPr>
-          <p:nvPr>
-            <p:ph type="dt" sz="half" idx="10"/>
-          </p:nvPr>
-        </p:nvSpPr>
-        <p:spPr/>
-        <p:txBody>
-          <a:bodyPr/>
-          <a:lstStyle/>
-          <a:p>
-            <a:fld id="{564CF2E0-CCC4-4E1E-9902-C3C36AB3FDA4}" type="datetimeFigureOut">
-              <a:rPr lang="en-US" smtClean="0"/>
-              <a:t>9/28/14</a:t>
-            </a:fld>
-            <a:endParaRPr lang="en-US" dirty="0"/>
-          </a:p>
-        </p:txBody>
-      </p:sp>
-    </p:spTree>
-    <p:extLst>
-      <p:ext uri="{BB962C8B-B14F-4D97-AF65-F5344CB8AC3E}">
-        <p14:creationId xmlns:p14="http://schemas.microsoft.com/office/powerpoint/2010/main" val="2667071274"/>
-      </p:ext>
-    </p:extLst>
-  </p:cSld>
-  <p:clrMapOvr>
-    <a:masterClrMapping/>
-  </p:clrMapOvr>
-  <p:timing>
-    <p:tnLst>
-      <p:par>
-        <p:cTn xmlns:p14="http://schemas.microsoft.com/office/powerpoint/2010/main" id="1" dur="indefinite" restart="never" nodeType="tmRoot"/>
-      </p:par>
-    </p:tnLst>
-  </p:timing>
-</p:sld>
-</file>
-
-<file path=ppt/slides/slide26.xml><?xml version="1.0" encoding="utf-8"?>
-<p:sld xmlns:a="http://schemas.openxmlformats.org/drawingml/2006/main" xmlns:r="http://schemas.openxmlformats.org/officeDocument/2006/relationships" xmlns:p="http://schemas.openxmlformats.org/presentationml/2006/main" showMasterPhAnim="0">
-  <p:cSld>
-    <p:spTree>
-      <p:nvGrpSpPr>
-        <p:cNvPr id="1" name=""/>
-        <p:cNvGrpSpPr/>
-        <p:nvPr/>
-      </p:nvGrpSpPr>
-      <p:grpSpPr>
-        <a:xfrm>
-          <a:off x="0" y="0"/>
-          <a:ext cx="0" cy="0"/>
-          <a:chOff x="0" y="0"/>
-          <a:chExt cx="0" cy="0"/>
-        </a:xfrm>
-      </p:grpSpPr>
-      <p:sp>
-        <p:nvSpPr>
-          <p:cNvPr id="234498" name="Rectangle 2"/>
-          <p:cNvSpPr>
-            <a:spLocks noGrp="1" noChangeArrowheads="1"/>
-          </p:cNvSpPr>
-          <p:nvPr>
-            <p:ph type="title"/>
-          </p:nvPr>
-        </p:nvSpPr>
-        <p:spPr>
-          <a:xfrm>
-            <a:off x="457200" y="1447800"/>
-            <a:ext cx="8229600" cy="932688"/>
-          </a:xfrm>
-        </p:spPr>
-        <p:txBody>
-          <a:bodyPr>
-            <a:normAutofit/>
-          </a:bodyPr>
-          <a:lstStyle/>
-          <a:p>
-            <a:r>
-              <a:rPr lang="en-US" dirty="0" smtClean="0">
-                <a:solidFill>
-                  <a:srgbClr val="0062AC"/>
-                </a:solidFill>
-              </a:rPr>
-              <a:t>References</a:t>
-            </a:r>
-            <a:endParaRPr lang="en-US" dirty="0">
-              <a:solidFill>
-                <a:srgbClr val="0062AC"/>
-              </a:solidFill>
-            </a:endParaRPr>
-          </a:p>
-        </p:txBody>
-      </p:sp>
-      <p:sp>
-        <p:nvSpPr>
-          <p:cNvPr id="234499" name="Rectangle 3"/>
-          <p:cNvSpPr>
-            <a:spLocks noGrp="1" noChangeAspect="1" noChangeArrowheads="1"/>
-          </p:cNvSpPr>
-          <p:nvPr>
-            <p:ph idx="1"/>
-          </p:nvPr>
-        </p:nvSpPr>
-        <p:spPr>
-          <a:xfrm>
-            <a:off x="762000" y="2438400"/>
-            <a:ext cx="7543800" cy="3276600"/>
-          </a:xfrm>
-        </p:spPr>
-        <p:txBody>
-          <a:bodyPr>
-            <a:normAutofit fontScale="70000" lnSpcReduction="20000"/>
-          </a:bodyPr>
-          <a:lstStyle/>
-          <a:p>
-            <a:pPr>
-              <a:spcBef>
-                <a:spcPct val="60000"/>
-              </a:spcBef>
-            </a:pPr>
-            <a:r>
-              <a:rPr lang="en-US" sz="2800" dirty="0"/>
-              <a:t>https://github.com/crpeck/mabug-</a:t>
-            </a:r>
-            <a:r>
-              <a:rPr lang="en-US" sz="2800" dirty="0" smtClean="0"/>
-              <a:t>2014</a:t>
-            </a:r>
-          </a:p>
-          <a:p>
-            <a:pPr>
-              <a:spcBef>
-                <a:spcPct val="60000"/>
-              </a:spcBef>
-            </a:pPr>
-            <a:r>
-              <a:rPr lang="en-US" sz="2800" dirty="0" smtClean="0"/>
-              <a:t>https</a:t>
-            </a:r>
-            <a:r>
-              <a:rPr lang="en-US" sz="2800" dirty="0"/>
-              <a:t>://</a:t>
-            </a:r>
-            <a:r>
-              <a:rPr lang="en-US" sz="2800" dirty="0" err="1"/>
-              <a:t>github.com</a:t>
-            </a:r>
-            <a:r>
-              <a:rPr lang="en-US" sz="2800" dirty="0"/>
-              <a:t>/</a:t>
-            </a:r>
-            <a:r>
-              <a:rPr lang="en-US" sz="2800" dirty="0" err="1"/>
-              <a:t>crpeck</a:t>
-            </a:r>
-            <a:r>
-              <a:rPr lang="en-US" sz="2800" dirty="0"/>
-              <a:t>/vagrant-</a:t>
-            </a:r>
-            <a:r>
-              <a:rPr lang="en-US" sz="2800" dirty="0" err="1"/>
-              <a:t>mabug</a:t>
-            </a:r>
-            <a:endParaRPr lang="en-US" sz="2800" dirty="0"/>
-          </a:p>
-          <a:p>
-            <a:pPr>
-              <a:spcBef>
-                <a:spcPct val="60000"/>
-              </a:spcBef>
-            </a:pPr>
-            <a:r>
-              <a:rPr lang="en-US" sz="2600" dirty="0"/>
-              <a:t>https://</a:t>
-            </a:r>
-            <a:r>
-              <a:rPr lang="en-US" sz="2600" dirty="0" err="1"/>
-              <a:t>jenkins-</a:t>
-            </a:r>
-            <a:r>
-              <a:rPr lang="en-US" sz="2600" dirty="0" err="1" smtClean="0"/>
-              <a:t>ci.org</a:t>
-            </a:r>
-            <a:endParaRPr lang="en-US" sz="2600" dirty="0" smtClean="0"/>
-          </a:p>
-          <a:p>
-            <a:pPr>
-              <a:spcBef>
-                <a:spcPct val="60000"/>
-              </a:spcBef>
-            </a:pPr>
-            <a:r>
-              <a:rPr lang="en-US" sz="2600" dirty="0"/>
-              <a:t>http://git-</a:t>
-            </a:r>
-            <a:r>
-              <a:rPr lang="en-US" sz="2600" dirty="0" smtClean="0"/>
-              <a:t>scm.com</a:t>
-            </a:r>
-          </a:p>
-          <a:p>
-            <a:pPr>
-              <a:spcBef>
-                <a:spcPct val="60000"/>
-              </a:spcBef>
-            </a:pPr>
-            <a:r>
-              <a:rPr lang="en-US" sz="2600" dirty="0" smtClean="0"/>
-              <a:t>http://</a:t>
-            </a:r>
-            <a:r>
-              <a:rPr lang="en-US" sz="2600" dirty="0" err="1" smtClean="0"/>
-              <a:t>www.packer.io</a:t>
-            </a:r>
-            <a:endParaRPr lang="en-US" sz="2600" dirty="0"/>
-          </a:p>
-          <a:p>
-            <a:pPr>
-              <a:spcBef>
-                <a:spcPct val="60000"/>
-              </a:spcBef>
-            </a:pPr>
-            <a:r>
-              <a:rPr lang="en-US" sz="2600" dirty="0"/>
-              <a:t>https://</a:t>
-            </a:r>
-            <a:r>
-              <a:rPr lang="en-US" sz="2600" dirty="0" err="1" smtClean="0"/>
-              <a:t>www.vagrantup.com</a:t>
-            </a:r>
-            <a:endParaRPr lang="en-US" sz="2600" dirty="0"/>
-          </a:p>
-          <a:p>
-            <a:pPr>
-              <a:spcBef>
-                <a:spcPct val="60000"/>
-              </a:spcBef>
-            </a:pPr>
-            <a:r>
-              <a:rPr lang="en-US" sz="2600" dirty="0"/>
-              <a:t>https://</a:t>
-            </a:r>
-            <a:r>
-              <a:rPr lang="en-US" sz="2600" dirty="0" err="1" smtClean="0"/>
-              <a:t>www.virtualbox.org</a:t>
-            </a:r>
-            <a:endParaRPr lang="en-US" sz="2600" dirty="0" smtClean="0"/>
-          </a:p>
-          <a:p>
-            <a:pPr>
-              <a:spcBef>
-                <a:spcPct val="60000"/>
-              </a:spcBef>
-            </a:pPr>
-            <a:r>
-              <a:rPr lang="en-US" sz="2600" dirty="0" smtClean="0"/>
-              <a:t>http://</a:t>
-            </a:r>
-            <a:r>
-              <a:rPr lang="en-US" sz="2600" dirty="0" err="1" smtClean="0"/>
-              <a:t>puppetlabs.com</a:t>
-            </a:r>
-            <a:endParaRPr lang="en-US" sz="2600" dirty="0"/>
-          </a:p>
-        </p:txBody>
-      </p:sp>
-    </p:spTree>
-  </p:cSld>
-  <p:clrMapOvr>
-    <a:masterClrMapping/>
-  </p:clrMapOvr>
-  <p:transition xmlns:p14="http://schemas.microsoft.com/office/powerpoint/2010/main">
-    <p:fade/>
-  </p:transition>
-  <p:timing>
-    <p:tnLst>
-      <p:par>
-        <p:cTn xmlns:p14="http://schemas.microsoft.com/office/powerpoint/2010/main" id="1" dur="indefinite" restart="never" nodeType="tmRoot"/>
-      </p:par>
-    </p:tnLst>
-  </p:timing>
-</p:sld>
-</file>
-
 <file path=ppt/slides/slide27.xml><?xml version="1.0" encoding="utf-8"?>
 <p:sld xmlns:a="http://schemas.openxmlformats.org/drawingml/2006/main" xmlns:r="http://schemas.openxmlformats.org/officeDocument/2006/relationships" xmlns:p="http://schemas.openxmlformats.org/presentationml/2006/main">
   <p:cSld>
@@ -8615,8 +8791,8 @@
         </p:nvSpPr>
         <p:spPr>
           <a:xfrm>
-            <a:off x="762000" y="1371600"/>
-            <a:ext cx="7543800" cy="4572000"/>
+            <a:off x="685800" y="990600"/>
+            <a:ext cx="7543800" cy="5029200"/>
           </a:xfrm>
         </p:spPr>
         <p:txBody>
@@ -8626,127 +8802,134 @@
           <a:lstStyle/>
           <a:p>
             <a:r>
+              <a:rPr lang="en-US" dirty="0" smtClean="0"/>
+              <a:t>Create a temporary directory to work from</a:t>
+            </a:r>
+          </a:p>
+          <a:p>
+            <a:pPr lvl="1"/>
+            <a:r>
+              <a:rPr lang="en-US" dirty="0" err="1"/>
+              <a:t>m</a:t>
+            </a:r>
+            <a:r>
+              <a:rPr lang="en-US" dirty="0" err="1" smtClean="0"/>
+              <a:t>kdir</a:t>
+            </a:r>
+            <a:r>
+              <a:rPr lang="en-US" dirty="0" smtClean="0"/>
+              <a:t> </a:t>
+            </a:r>
+            <a:r>
               <a:rPr lang="en-US" dirty="0"/>
-              <a:t>U.S. Digital Services Playbook </a:t>
-            </a:r>
-            <a:r>
-              <a:rPr lang="en-US" dirty="0">
-                <a:hlinkClick r:id="rId2"/>
-              </a:rPr>
-              <a:t>https://playbook.cio.gov/</a:t>
+              <a:t>$HOME/ban9temp</a:t>
+            </a:r>
+            <a:endParaRPr lang="en-US" dirty="0" smtClean="0"/>
+          </a:p>
+          <a:p>
+            <a:pPr lvl="1"/>
+            <a:r>
+              <a:rPr lang="en-US" dirty="0" smtClean="0"/>
+              <a:t>cd </a:t>
             </a:r>
             <a:r>
               <a:rPr lang="en-US" dirty="0"/>
-              <a:t> </a:t>
-            </a:r>
-          </a:p>
-          <a:p>
+              <a:t>$HOME/</a:t>
+            </a:r>
+            <a:r>
+              <a:rPr lang="en-US" dirty="0" smtClean="0"/>
+              <a:t>ban9temp</a:t>
+            </a:r>
+          </a:p>
+          <a:p>
+            <a:pPr lvl="1"/>
+            <a:r>
+              <a:rPr lang="en-US" dirty="0" smtClean="0"/>
+              <a:t>unzip where-ever/release</a:t>
+            </a:r>
+            <a:r>
+              <a:rPr lang="en-US" dirty="0"/>
+              <a:t>-StudentFacultyGradeEntry-9.2.0.1.</a:t>
+            </a:r>
+            <a:r>
+              <a:rPr lang="en-US" dirty="0" smtClean="0"/>
+              <a:t>zip</a:t>
+            </a:r>
+          </a:p>
+          <a:p>
+            <a:pPr lvl="1"/>
+            <a:r>
+              <a:rPr lang="en-US" dirty="0"/>
+              <a:t>c</a:t>
+            </a:r>
+            <a:r>
+              <a:rPr lang="en-US" dirty="0" smtClean="0"/>
+              <a:t>d installer</a:t>
+            </a:r>
+          </a:p>
+          <a:p>
+            <a:pPr lvl="1"/>
             <a:r>
               <a:rPr lang="en-US" dirty="0" err="1"/>
-              <a:t>DevOps</a:t>
-            </a:r>
+              <a:t>c</a:t>
+            </a:r>
+            <a:r>
+              <a:rPr lang="en-US" dirty="0" err="1" smtClean="0"/>
+              <a:t>hmod</a:t>
+            </a:r>
+            <a:r>
+              <a:rPr lang="en-US" dirty="0" smtClean="0"/>
+              <a:t> +x ant</a:t>
+            </a:r>
+          </a:p>
+          <a:p>
+            <a:pPr lvl="1"/>
+            <a:r>
+              <a:rPr lang="en-US" dirty="0" smtClean="0"/>
+              <a:t>./ant</a:t>
+            </a:r>
+          </a:p>
+          <a:p>
+            <a:pPr lvl="1"/>
             <a:r>
               <a:rPr lang="en-US" dirty="0"/>
-              <a:t> </a:t>
-            </a:r>
-            <a:r>
-              <a:rPr lang="en-US" dirty="0">
-                <a:hlinkClick r:id="rId3"/>
-              </a:rPr>
-              <a:t>http://devops.com</a:t>
-            </a:r>
-            <a:r>
-              <a:rPr lang="en-US" dirty="0"/>
-              <a:t> </a:t>
-            </a:r>
-          </a:p>
-          <a:p>
-            <a:r>
-              <a:rPr lang="en-US" dirty="0" err="1"/>
-              <a:t>FlowCon</a:t>
-            </a:r>
-            <a:r>
-              <a:rPr lang="en-US" dirty="0"/>
-              <a:t> Conference http://</a:t>
-            </a:r>
-            <a:r>
-              <a:rPr lang="en-US" dirty="0">
-                <a:hlinkClick r:id="rId4"/>
-              </a:rPr>
-              <a:t>http://flowcon.org/</a:t>
-            </a:r>
-            <a:r>
-              <a:rPr lang="en-US" dirty="0"/>
-              <a:t> </a:t>
-            </a:r>
-          </a:p>
-          <a:p>
-            <a:r>
-              <a:rPr lang="en-US" dirty="0"/>
-              <a:t>O'Reilly Conference </a:t>
-            </a:r>
-            <a:r>
-              <a:rPr lang="en-US" dirty="0">
-                <a:hlinkClick r:id="rId5"/>
-              </a:rPr>
-              <a:t>http://velocityconf.com/</a:t>
-            </a:r>
-            <a:r>
-              <a:rPr lang="en-US" dirty="0"/>
-              <a:t> </a:t>
-            </a:r>
-          </a:p>
-          <a:p>
-            <a:r>
-              <a:rPr lang="en-US" dirty="0"/>
-              <a:t>IT Revolution Press </a:t>
-            </a:r>
-            <a:r>
-              <a:rPr lang="en-US" dirty="0">
-                <a:hlinkClick r:id="rId6"/>
-              </a:rPr>
-              <a:t>http://itrevolution.com/</a:t>
-            </a:r>
-            <a:r>
-              <a:rPr lang="en-US" dirty="0"/>
-              <a:t> </a:t>
-            </a:r>
-          </a:p>
-          <a:p>
-            <a:r>
-              <a:rPr lang="en-US" dirty="0"/>
-              <a:t>The Phoenix Project: A Novel About IT, </a:t>
-            </a:r>
-            <a:r>
-              <a:rPr lang="en-US" dirty="0" err="1"/>
-              <a:t>DevOps</a:t>
-            </a:r>
-            <a:r>
-              <a:rPr lang="en-US" dirty="0"/>
-              <a:t>, and Helping Your Business Win, Gene Kim, Kevin Behr, George </a:t>
-            </a:r>
-            <a:r>
-              <a:rPr lang="en-US" dirty="0" err="1"/>
-              <a:t>Spafford</a:t>
-            </a:r>
-            <a:endParaRPr lang="en-US" dirty="0"/>
-          </a:p>
-          <a:p>
-            <a:r>
-              <a:rPr lang="en-US" dirty="0"/>
-              <a:t>Continuous Delivery: Reliable Software Releases through Build, Test, and Deployment Automation, </a:t>
-            </a:r>
-            <a:r>
-              <a:rPr lang="en-US" dirty="0" err="1"/>
-              <a:t>Jez</a:t>
-            </a:r>
-            <a:r>
-              <a:rPr lang="en-US" dirty="0"/>
-              <a:t> Humble and David Farley</a:t>
-            </a:r>
-          </a:p>
-          <a:p>
-            <a:endParaRPr lang="en-US" dirty="0"/>
+              <a:t>b</a:t>
+            </a:r>
+            <a:r>
+              <a:rPr lang="en-US" dirty="0" smtClean="0"/>
+              <a:t>in/install home</a:t>
+            </a:r>
+          </a:p>
+          <a:p>
+            <a:pPr lvl="2"/>
+            <a:r>
+              <a:rPr lang="en-US" b="1" dirty="0" smtClean="0"/>
+              <a:t>Prompted</a:t>
+            </a:r>
+            <a:r>
+              <a:rPr lang="en-US" dirty="0" smtClean="0"/>
+              <a:t> for full path of module home &amp; shared configuration directory, we’ll use /home/</a:t>
+            </a:r>
+            <a:r>
+              <a:rPr lang="en-US" dirty="0" err="1" smtClean="0"/>
+              <a:t>xeuser</a:t>
+            </a:r>
+            <a:r>
+              <a:rPr lang="en-US" dirty="0" smtClean="0"/>
+              <a:t>/</a:t>
+            </a:r>
+            <a:r>
+              <a:rPr lang="en-US" dirty="0" err="1" smtClean="0"/>
+              <a:t>banner_test_homes</a:t>
+            </a:r>
+            <a:endParaRPr lang="en-US" dirty="0" smtClean="0"/>
+          </a:p>
+          <a:p>
+            <a:pPr lvl="1"/>
+            <a:r>
+              <a:rPr lang="en-US" dirty="0" smtClean="0"/>
+              <a:t>Go and make all your local modifications</a:t>
+            </a:r>
           </a:p>
         </p:txBody>
       </p:sp>
@@ -8776,7 +8959,7 @@
     </p:spTree>
     <p:extLst>
       <p:ext uri="{BB962C8B-B14F-4D97-AF65-F5344CB8AC3E}">
-        <p14:creationId xmlns:p14="http://schemas.microsoft.com/office/powerpoint/2010/main" val="3164961101"/>
+        <p14:creationId xmlns:p14="http://schemas.microsoft.com/office/powerpoint/2010/main" val="1287436280"/>
       </p:ext>
     </p:extLst>
   </p:cSld>
@@ -8812,48 +8995,173 @@
       </p:grpSpPr>
       <p:sp>
         <p:nvSpPr>
-          <p:cNvPr id="121858" name="Rectangle 2"/>
-          <p:cNvSpPr>
-            <a:spLocks noGrp="1" noChangeArrowheads="1"/>
-          </p:cNvSpPr>
-          <p:nvPr>
-            <p:ph type="title"/>
+          <p:cNvPr id="3" name="Content Placeholder 2"/>
+          <p:cNvSpPr>
+            <a:spLocks noGrp="1"/>
+          </p:cNvSpPr>
+          <p:nvPr>
+            <p:ph idx="1"/>
           </p:nvPr>
         </p:nvSpPr>
         <p:spPr>
           <a:xfrm>
-            <a:off x="533400" y="1676400"/>
-            <a:ext cx="8229600" cy="704088"/>
+            <a:off x="762000" y="685800"/>
+            <a:ext cx="7543800" cy="5486400"/>
           </a:xfrm>
         </p:spPr>
         <p:txBody>
-          <a:bodyPr>
-            <a:normAutofit fontScale="90000"/>
-          </a:bodyPr>
-          <a:lstStyle/>
-          <a:p>
-            <a:r>
-              <a:rPr lang="en-US" dirty="0" smtClean="0">
-                <a:solidFill>
-                  <a:srgbClr val="0062AC"/>
-                </a:solidFill>
-              </a:rPr>
-              <a:t>Questions &amp; Answers</a:t>
-            </a:r>
-            <a:endParaRPr lang="en-US" dirty="0">
-              <a:solidFill>
-                <a:srgbClr val="0062AC"/>
-              </a:solidFill>
-            </a:endParaRPr>
+          <a:bodyPr/>
+          <a:lstStyle/>
+          <a:p>
+            <a:r>
+              <a:rPr lang="en-US" dirty="0" smtClean="0"/>
+              <a:t>Regenerate the WAR file</a:t>
+            </a:r>
+          </a:p>
+          <a:p>
+            <a:pPr lvl="1"/>
+            <a:r>
+              <a:rPr lang="en-US" dirty="0"/>
+              <a:t>c</a:t>
+            </a:r>
+            <a:r>
+              <a:rPr lang="en-US" dirty="0" smtClean="0"/>
+              <a:t>d /home/</a:t>
+            </a:r>
+            <a:r>
+              <a:rPr lang="en-US" dirty="0" err="1" smtClean="0"/>
+              <a:t>xeuser</a:t>
+            </a:r>
+            <a:r>
+              <a:rPr lang="en-US" dirty="0" smtClean="0"/>
+              <a:t>/</a:t>
+            </a:r>
+            <a:r>
+              <a:rPr lang="en-US" dirty="0" err="1" smtClean="0"/>
+              <a:t>banner_test_homes</a:t>
+            </a:r>
+            <a:r>
+              <a:rPr lang="en-US" dirty="0" smtClean="0"/>
+              <a:t>/current/installer</a:t>
+            </a:r>
+          </a:p>
+          <a:p>
+            <a:pPr lvl="1"/>
+            <a:r>
+              <a:rPr lang="en-US" dirty="0" smtClean="0"/>
+              <a:t>./ant</a:t>
+            </a:r>
+          </a:p>
+          <a:p>
+            <a:pPr lvl="1"/>
+            <a:r>
+              <a:rPr lang="en-US" dirty="0"/>
+              <a:t>b</a:t>
+            </a:r>
+            <a:r>
+              <a:rPr lang="en-US" dirty="0" smtClean="0"/>
+              <a:t>in/</a:t>
+            </a:r>
+            <a:r>
+              <a:rPr lang="en-US" dirty="0" err="1" smtClean="0"/>
+              <a:t>systool</a:t>
+            </a:r>
+            <a:r>
+              <a:rPr lang="en-US" dirty="0" smtClean="0"/>
+              <a:t> war</a:t>
+            </a:r>
+          </a:p>
+          <a:p>
+            <a:pPr lvl="1"/>
+            <a:r>
+              <a:rPr lang="en-US" dirty="0" err="1" smtClean="0"/>
+              <a:t>Warfile</a:t>
+            </a:r>
+            <a:r>
+              <a:rPr lang="en-US" dirty="0" smtClean="0"/>
+              <a:t> is in </a:t>
+            </a:r>
+            <a:r>
+              <a:rPr lang="en-US" dirty="0"/>
+              <a:t>/home/</a:t>
+            </a:r>
+            <a:r>
+              <a:rPr lang="en-US" dirty="0" err="1"/>
+              <a:t>xeuser</a:t>
+            </a:r>
+            <a:r>
+              <a:rPr lang="en-US" dirty="0"/>
+              <a:t>/</a:t>
+            </a:r>
+            <a:r>
+              <a:rPr lang="en-US" dirty="0" err="1"/>
+              <a:t>banner_test_homes</a:t>
+            </a:r>
+            <a:r>
+              <a:rPr lang="en-US" dirty="0"/>
+              <a:t>/</a:t>
+            </a:r>
+            <a:r>
+              <a:rPr lang="en-US" dirty="0" smtClean="0"/>
+              <a:t>current/</a:t>
+            </a:r>
+            <a:r>
+              <a:rPr lang="en-US" dirty="0" err="1" smtClean="0"/>
+              <a:t>dist</a:t>
+            </a:r>
+            <a:endParaRPr lang="en-US" dirty="0" smtClean="0"/>
+          </a:p>
+          <a:p>
+            <a:pPr lvl="1"/>
+            <a:r>
+              <a:rPr lang="en-US" dirty="0" smtClean="0"/>
+              <a:t>Manually </a:t>
+            </a:r>
+            <a:r>
+              <a:rPr lang="en-US" dirty="0"/>
+              <a:t>d</a:t>
+            </a:r>
+            <a:r>
+              <a:rPr lang="en-US" dirty="0" smtClean="0"/>
+              <a:t>eploy it</a:t>
+            </a:r>
+            <a:endParaRPr lang="en-US" dirty="0"/>
+          </a:p>
+        </p:txBody>
+      </p:sp>
+      <p:sp>
+        <p:nvSpPr>
+          <p:cNvPr id="4" name="Date Placeholder 3"/>
+          <p:cNvSpPr>
+            <a:spLocks noGrp="1"/>
+          </p:cNvSpPr>
+          <p:nvPr>
+            <p:ph type="dt" sz="half" idx="10"/>
+          </p:nvPr>
+        </p:nvSpPr>
+        <p:spPr/>
+        <p:txBody>
+          <a:bodyPr/>
+          <a:lstStyle/>
+          <a:p>
+            <a:fld id="{564CF2E0-CCC4-4E1E-9902-C3C36AB3FDA4}" type="datetimeFigureOut">
+              <a:rPr lang="en-US" smtClean="0"/>
+              <a:t>9/28/14</a:t>
+            </a:fld>
+            <a:endParaRPr lang="en-US" dirty="0"/>
           </a:p>
         </p:txBody>
       </p:sp>
     </p:spTree>
+    <p:extLst>
+      <p:ext uri="{BB962C8B-B14F-4D97-AF65-F5344CB8AC3E}">
+        <p14:creationId xmlns:p14="http://schemas.microsoft.com/office/powerpoint/2010/main" val="2667071274"/>
+      </p:ext>
+    </p:extLst>
   </p:cSld>
   <p:clrMapOvr>
     <a:masterClrMapping/>
   </p:clrMapOvr>
-  <p:transition xmlns:p14="http://schemas.microsoft.com/office/powerpoint/2010/main"/>
   <p:timing>
     <p:tnLst>
       <p:par>
@@ -8865,7 +9173,7 @@
 </file>
 
 <file path=ppt/slides/slide29.xml><?xml version="1.0" encoding="utf-8"?>
-<p:sld xmlns:a="http://schemas.openxmlformats.org/drawingml/2006/main" xmlns:r="http://schemas.openxmlformats.org/officeDocument/2006/relationships" xmlns:p="http://schemas.openxmlformats.org/presentationml/2006/main">
+<p:sld xmlns:a="http://schemas.openxmlformats.org/drawingml/2006/main" xmlns:r="http://schemas.openxmlformats.org/officeDocument/2006/relationships" xmlns:p="http://schemas.openxmlformats.org/presentationml/2006/main" showMasterPhAnim="0">
   <p:cSld>
     <p:spTree>
       <p:nvGrpSpPr>
@@ -8883,237 +9191,212 @@
       </p:grpSpPr>
       <p:sp>
         <p:nvSpPr>
-          <p:cNvPr id="250883" name="Rectangle 3"/>
-          <p:cNvSpPr>
-            <a:spLocks noGrp="1" noChangeAspect="1" noChangeArrowheads="1"/>
-          </p:cNvSpPr>
-          <p:nvPr>
-            <p:ph idx="1"/>
+          <p:cNvPr id="234498" name="Rectangle 2"/>
+          <p:cNvSpPr>
+            <a:spLocks noGrp="1" noChangeArrowheads="1"/>
+          </p:cNvSpPr>
+          <p:nvPr>
+            <p:ph type="title"/>
           </p:nvPr>
         </p:nvSpPr>
         <p:spPr>
           <a:xfrm>
-            <a:off x="457200" y="1219200"/>
-            <a:ext cx="8305800" cy="4648200"/>
+            <a:off x="457200" y="1447800"/>
+            <a:ext cx="8229600" cy="932688"/>
           </a:xfrm>
         </p:spPr>
         <p:txBody>
           <a:bodyPr>
-            <a:noAutofit/>
+            <a:normAutofit/>
           </a:bodyPr>
           <a:lstStyle/>
           <a:p>
-            <a:pPr marL="0" indent="0" algn="ctr">
-              <a:lnSpc>
-                <a:spcPct val="90000"/>
-              </a:lnSpc>
-              <a:buFontTx/>
-              <a:buNone/>
-            </a:pPr>
-            <a:endParaRPr lang="en-US" sz="2800" dirty="0" smtClean="0"/>
-          </a:p>
-          <a:p>
-            <a:pPr marL="0" indent="0" algn="ctr">
-              <a:lnSpc>
-                <a:spcPct val="90000"/>
-              </a:lnSpc>
-              <a:buFontTx/>
-              <a:buNone/>
-            </a:pPr>
-            <a:r>
-              <a:rPr lang="en-US" sz="4000" dirty="0">
+            <a:r>
+              <a:rPr lang="en-US" dirty="0" smtClean="0">
                 <a:solidFill>
                   <a:srgbClr val="0062AC"/>
                 </a:solidFill>
               </a:rPr>
-              <a:t>Thank </a:t>
-            </a:r>
-            <a:r>
-              <a:rPr lang="en-US" sz="4000" dirty="0" smtClean="0">
-                <a:solidFill>
-                  <a:srgbClr val="0062AC"/>
-                </a:solidFill>
-              </a:rPr>
-              <a:t>You for Attending!</a:t>
-            </a:r>
-            <a:endParaRPr lang="en-US" sz="4000" dirty="0"/>
-          </a:p>
-          <a:p>
-            <a:pPr marL="0" indent="0" algn="ctr">
-              <a:lnSpc>
-                <a:spcPct val="90000"/>
-              </a:lnSpc>
-              <a:buFontTx/>
-              <a:buNone/>
-            </a:pPr>
-            <a:endParaRPr lang="en-US" sz="2800" dirty="0" smtClean="0"/>
-          </a:p>
-          <a:p>
-            <a:pPr marL="0" indent="0" algn="ctr">
-              <a:lnSpc>
-                <a:spcPct val="90000"/>
-              </a:lnSpc>
-              <a:buFontTx/>
-              <a:buNone/>
-            </a:pPr>
-            <a:r>
-              <a:rPr lang="en-US" sz="2800" dirty="0" smtClean="0"/>
-              <a:t>Chris Peck</a:t>
-            </a:r>
-            <a:endParaRPr lang="en-US" sz="2800" dirty="0"/>
-          </a:p>
-          <a:p>
-            <a:pPr marL="0" indent="0" algn="ctr">
-              <a:lnSpc>
-                <a:spcPct val="90000"/>
-              </a:lnSpc>
-              <a:buFontTx/>
-              <a:buNone/>
-            </a:pPr>
-            <a:r>
-              <a:rPr lang="en-US" sz="2800" dirty="0" err="1" smtClean="0"/>
-              <a:t>crpeck@wm.edu</a:t>
-            </a:r>
-            <a:endParaRPr lang="en-US" sz="2800" dirty="0" smtClean="0"/>
-          </a:p>
-          <a:p>
-            <a:pPr marL="0" indent="0" algn="ctr">
-              <a:lnSpc>
-                <a:spcPct val="90000"/>
-              </a:lnSpc>
-              <a:buFontTx/>
-              <a:buNone/>
-            </a:pPr>
-            <a:r>
-              <a:rPr lang="en-US" sz="2800" dirty="0" smtClean="0"/>
-              <a:t>@</a:t>
-            </a:r>
-            <a:r>
-              <a:rPr lang="en-US" sz="2800" dirty="0" err="1" smtClean="0"/>
-              <a:t>crpeck</a:t>
-            </a:r>
-            <a:r>
-              <a:rPr lang="en-US" sz="2800" dirty="0" smtClean="0"/>
-              <a:t> on twitter</a:t>
-            </a:r>
-          </a:p>
-          <a:p>
-            <a:pPr marL="0" indent="0" algn="ctr">
-              <a:lnSpc>
-                <a:spcPct val="90000"/>
-              </a:lnSpc>
-              <a:buFontTx/>
-              <a:buNone/>
-            </a:pPr>
-            <a:r>
-              <a:rPr lang="en-US" sz="2800" dirty="0" smtClean="0"/>
-              <a:t>http://</a:t>
-            </a:r>
-            <a:r>
-              <a:rPr lang="en-US" sz="2800" dirty="0" err="1" smtClean="0"/>
-              <a:t>crpeck.gethub.io</a:t>
-            </a:r>
-            <a:endParaRPr lang="en-US" sz="2800" dirty="0"/>
-          </a:p>
-          <a:p>
-            <a:pPr marL="0" indent="0" algn="ctr">
-              <a:buNone/>
-              <a:defRPr/>
-            </a:pPr>
-            <a:endParaRPr lang="en-CA" sz="2800" b="1" dirty="0" smtClean="0"/>
-          </a:p>
-          <a:p>
-            <a:pPr marL="0" indent="0" algn="ctr">
-              <a:buNone/>
-              <a:defRPr/>
-            </a:pPr>
-            <a:r>
-              <a:rPr lang="en-CA" sz="2800" b="1" dirty="0" smtClean="0"/>
-              <a:t>Stick around for </a:t>
-            </a:r>
-            <a:r>
-              <a:rPr lang="en-CA" sz="2800" b="1" dirty="0" err="1" smtClean="0"/>
-              <a:t>DevOps</a:t>
-            </a:r>
-            <a:r>
-              <a:rPr lang="en-CA" sz="2800" b="1" dirty="0" smtClean="0"/>
-              <a:t> in a Banner World!</a:t>
-            </a:r>
-          </a:p>
-          <a:p>
-            <a:pPr marL="0" indent="0" algn="ctr">
-              <a:buNone/>
-              <a:defRPr/>
-            </a:pPr>
-            <a:r>
-              <a:rPr lang="en-CA" sz="2800" b="1" dirty="0" smtClean="0"/>
-              <a:t>Please </a:t>
-            </a:r>
-            <a:r>
-              <a:rPr lang="en-CA" sz="2800" b="1" dirty="0"/>
-              <a:t>complete the </a:t>
-            </a:r>
-            <a:r>
-              <a:rPr lang="en-CA" sz="2800" b="1" dirty="0" smtClean="0"/>
-              <a:t>session evaluation for</a:t>
-            </a:r>
-            <a:endParaRPr lang="en-CA" sz="2800" b="1" dirty="0"/>
-          </a:p>
-          <a:p>
-            <a:pPr marL="0" indent="0" algn="ctr">
-              <a:buNone/>
-              <a:defRPr/>
-            </a:pPr>
-            <a:r>
-              <a:rPr lang="en-CA" b="1" dirty="0" smtClean="0">
-                <a:solidFill>
-                  <a:srgbClr val="C00000"/>
-                </a:solidFill>
-              </a:rPr>
-              <a:t>Automated Build and Deployment of Tomcat Apps</a:t>
-            </a:r>
-            <a:endParaRPr lang="en-CA" b="1" dirty="0">
+              <a:t>References</a:t>
+            </a:r>
+            <a:endParaRPr lang="en-US" dirty="0">
               <a:solidFill>
-                <a:srgbClr val="C00000"/>
+                <a:srgbClr val="0062AC"/>
               </a:solidFill>
             </a:endParaRPr>
           </a:p>
-          <a:p>
-            <a:pPr marL="0" indent="0" algn="ctr">
-              <a:buNone/>
-              <a:defRPr/>
+        </p:txBody>
+      </p:sp>
+      <p:sp>
+        <p:nvSpPr>
+          <p:cNvPr id="234499" name="Rectangle 3"/>
+          <p:cNvSpPr>
+            <a:spLocks noGrp="1" noChangeAspect="1" noChangeArrowheads="1"/>
+          </p:cNvSpPr>
+          <p:nvPr>
+            <p:ph idx="1"/>
+          </p:nvPr>
+        </p:nvSpPr>
+        <p:spPr>
+          <a:xfrm>
+            <a:off x="762000" y="2438400"/>
+            <a:ext cx="7543800" cy="3276600"/>
+          </a:xfrm>
+        </p:spPr>
+        <p:txBody>
+          <a:bodyPr>
+            <a:normAutofit fontScale="70000" lnSpcReduction="20000"/>
+          </a:bodyPr>
+          <a:lstStyle/>
+          <a:p>
+            <a:pPr>
+              <a:spcBef>
+                <a:spcPct val="60000"/>
+              </a:spcBef>
             </a:pPr>
             <a:r>
-              <a:rPr lang="en-CA" b="1" dirty="0">
-                <a:solidFill>
-                  <a:srgbClr val="C00000"/>
-                </a:solidFill>
-              </a:rPr>
-              <a:t>Session ID#: </a:t>
-            </a:r>
-            <a:r>
-              <a:rPr lang="en-CA" b="1" dirty="0" smtClean="0">
-                <a:solidFill>
-                  <a:srgbClr val="C00000"/>
-                </a:solidFill>
-              </a:rPr>
-              <a:t>8743</a:t>
-            </a:r>
-            <a:endParaRPr lang="en-CA" b="1" dirty="0">
-              <a:solidFill>
-                <a:srgbClr val="C00000"/>
-              </a:solidFill>
-            </a:endParaRPr>
-          </a:p>
-          <a:p>
-            <a:pPr marL="0" indent="0" algn="ctr">
-              <a:lnSpc>
-                <a:spcPct val="90000"/>
-              </a:lnSpc>
-              <a:buFontTx/>
-              <a:buNone/>
+              <a:rPr lang="en-US" sz="2800" dirty="0"/>
+              <a:t>https://github.com/crpeck/mabug-</a:t>
+            </a:r>
+            <a:r>
+              <a:rPr lang="en-US" sz="2800" dirty="0" smtClean="0"/>
+              <a:t>2014</a:t>
+            </a:r>
+          </a:p>
+          <a:p>
+            <a:pPr>
+              <a:spcBef>
+                <a:spcPct val="60000"/>
+              </a:spcBef>
             </a:pPr>
+            <a:r>
+              <a:rPr lang="en-US" sz="2800" dirty="0" smtClean="0"/>
+              <a:t>https</a:t>
+            </a:r>
+            <a:r>
+              <a:rPr lang="en-US" sz="2800" dirty="0"/>
+              <a:t>://</a:t>
+            </a:r>
+            <a:r>
+              <a:rPr lang="en-US" sz="2800" dirty="0" err="1"/>
+              <a:t>github.com</a:t>
+            </a:r>
+            <a:r>
+              <a:rPr lang="en-US" sz="2800" dirty="0"/>
+              <a:t>/</a:t>
+            </a:r>
+            <a:r>
+              <a:rPr lang="en-US" sz="2800" dirty="0" err="1"/>
+              <a:t>crpeck</a:t>
+            </a:r>
+            <a:r>
+              <a:rPr lang="en-US" sz="2800" dirty="0"/>
+              <a:t>/vagrant-</a:t>
+            </a:r>
+            <a:r>
+              <a:rPr lang="en-US" sz="2800" dirty="0" err="1"/>
+              <a:t>mabug</a:t>
+            </a:r>
             <a:endParaRPr lang="en-US" sz="2800" dirty="0"/>
+          </a:p>
+          <a:p>
+            <a:pPr>
+              <a:spcBef>
+                <a:spcPct val="60000"/>
+              </a:spcBef>
+            </a:pPr>
+            <a:r>
+              <a:rPr lang="en-US" sz="2600" dirty="0"/>
+              <a:t>https://</a:t>
+            </a:r>
+            <a:r>
+              <a:rPr lang="en-US" sz="2600" dirty="0" err="1"/>
+              <a:t>jenkins-</a:t>
+            </a:r>
+            <a:r>
+              <a:rPr lang="en-US" sz="2600" dirty="0" err="1" smtClean="0"/>
+              <a:t>ci.org</a:t>
+            </a:r>
+            <a:endParaRPr lang="en-US" sz="2600" dirty="0" smtClean="0"/>
+          </a:p>
+          <a:p>
+            <a:pPr>
+              <a:spcBef>
+                <a:spcPct val="60000"/>
+              </a:spcBef>
+            </a:pPr>
+            <a:r>
+              <a:rPr lang="en-US" sz="2600" dirty="0"/>
+              <a:t>http://git-</a:t>
+            </a:r>
+            <a:r>
+              <a:rPr lang="en-US" sz="2600" dirty="0" smtClean="0"/>
+              <a:t>scm.com</a:t>
+            </a:r>
+          </a:p>
+          <a:p>
+            <a:pPr>
+              <a:spcBef>
+                <a:spcPct val="60000"/>
+              </a:spcBef>
+            </a:pPr>
+            <a:r>
+              <a:rPr lang="en-US" sz="2600" dirty="0" smtClean="0"/>
+              <a:t>http://</a:t>
+            </a:r>
+            <a:r>
+              <a:rPr lang="en-US" sz="2600" dirty="0" err="1" smtClean="0"/>
+              <a:t>www.packer.io</a:t>
+            </a:r>
+            <a:endParaRPr lang="en-US" sz="2600" dirty="0"/>
+          </a:p>
+          <a:p>
+            <a:pPr>
+              <a:spcBef>
+                <a:spcPct val="60000"/>
+              </a:spcBef>
+            </a:pPr>
+            <a:r>
+              <a:rPr lang="en-US" sz="2600" dirty="0"/>
+              <a:t>https://</a:t>
+            </a:r>
+            <a:r>
+              <a:rPr lang="en-US" sz="2600" dirty="0" err="1" smtClean="0"/>
+              <a:t>www.vagrantup.com</a:t>
+            </a:r>
+            <a:endParaRPr lang="en-US" sz="2600" dirty="0"/>
+          </a:p>
+          <a:p>
+            <a:pPr>
+              <a:spcBef>
+                <a:spcPct val="60000"/>
+              </a:spcBef>
+            </a:pPr>
+            <a:r>
+              <a:rPr lang="en-US" sz="2600" dirty="0"/>
+              <a:t>https://</a:t>
+            </a:r>
+            <a:r>
+              <a:rPr lang="en-US" sz="2600" dirty="0" err="1" smtClean="0"/>
+              <a:t>www.virtualbox.org</a:t>
+            </a:r>
+            <a:endParaRPr lang="en-US" sz="2600" dirty="0" smtClean="0"/>
+          </a:p>
+          <a:p>
+            <a:pPr>
+              <a:spcBef>
+                <a:spcPct val="60000"/>
+              </a:spcBef>
+            </a:pPr>
+            <a:r>
+              <a:rPr lang="en-US" sz="2600" dirty="0" smtClean="0"/>
+              <a:t>http://</a:t>
+            </a:r>
+            <a:r>
+              <a:rPr lang="en-US" sz="2600" dirty="0" err="1" smtClean="0"/>
+              <a:t>puppetlabs.com</a:t>
+            </a:r>
+            <a:endParaRPr lang="en-US" sz="2600" dirty="0"/>
           </a:p>
         </p:txBody>
       </p:sp>
@@ -9122,6 +9405,9 @@
   <p:clrMapOvr>
     <a:masterClrMapping/>
   </p:clrMapOvr>
+  <p:transition xmlns:p14="http://schemas.microsoft.com/office/powerpoint/2010/main">
+    <p:fade/>
+  </p:transition>
   <p:timing>
     <p:tnLst>
       <p:par>
@@ -9151,18 +9437,18 @@
       </p:grpSpPr>
       <p:sp>
         <p:nvSpPr>
-          <p:cNvPr id="49154" name="Rectangle 2"/>
+          <p:cNvPr id="199682" name="Rectangle 2"/>
           <p:cNvSpPr>
             <a:spLocks noGrp="1" noChangeArrowheads="1"/>
           </p:cNvSpPr>
           <p:nvPr>
-            <p:ph type="title"/>
+            <p:ph type="ctrTitle"/>
           </p:nvPr>
         </p:nvSpPr>
         <p:spPr>
           <a:xfrm>
-            <a:off x="457200" y="1371600"/>
-            <a:ext cx="8229600" cy="780288"/>
+            <a:off x="762000" y="990600"/>
+            <a:ext cx="7620000" cy="4892675"/>
           </a:xfrm>
         </p:spPr>
         <p:txBody>
@@ -9172,91 +9458,37 @@
           <a:lstStyle/>
           <a:p>
             <a:r>
-              <a:rPr lang="en-US" dirty="0">
+              <a:rPr lang="en-US" sz="6000" dirty="0" smtClean="0">
                 <a:solidFill>
                   <a:srgbClr val="0062AC"/>
                 </a:solidFill>
               </a:rPr>
-              <a:t>Introduction</a:t>
-            </a:r>
-          </a:p>
-        </p:txBody>
-      </p:sp>
-      <p:sp>
-        <p:nvSpPr>
-          <p:cNvPr id="49155" name="Rectangle 3"/>
-          <p:cNvSpPr>
-            <a:spLocks noGrp="1" noChangeAspect="1" noChangeArrowheads="1"/>
-          </p:cNvSpPr>
-          <p:nvPr>
-            <p:ph idx="1"/>
-          </p:nvPr>
-        </p:nvSpPr>
-        <p:spPr>
-          <a:xfrm>
-            <a:off x="685800" y="2438400"/>
-            <a:ext cx="7772400" cy="3200400"/>
-          </a:xfrm>
-        </p:spPr>
-        <p:txBody>
-          <a:bodyPr>
-            <a:normAutofit/>
-          </a:bodyPr>
-          <a:lstStyle/>
-          <a:p>
-            <a:pPr>
-              <a:lnSpc>
-                <a:spcPct val="90000"/>
-              </a:lnSpc>
-            </a:pPr>
-            <a:r>
-              <a:rPr lang="en-US" sz="2800" dirty="0" smtClean="0"/>
-              <a:t>This presentation will describe our journey to an automated process for building and deploying Apps to a Tomcat server. We plan to use this process for XE Apps.</a:t>
-            </a:r>
-          </a:p>
-          <a:p>
-            <a:pPr>
-              <a:lnSpc>
-                <a:spcPct val="90000"/>
-              </a:lnSpc>
-            </a:pPr>
-            <a:r>
-              <a:rPr lang="en-US" sz="2800" dirty="0" smtClean="0"/>
-              <a:t>The focus will be on using a variety of open-source “</a:t>
-            </a:r>
-            <a:r>
-              <a:rPr lang="en-US" sz="2800" dirty="0" err="1" smtClean="0"/>
-              <a:t>DevOps</a:t>
-            </a:r>
-            <a:r>
-              <a:rPr lang="en-US" sz="2800" dirty="0" smtClean="0"/>
-              <a:t>” tools.</a:t>
-            </a:r>
-          </a:p>
-          <a:p>
-            <a:pPr>
-              <a:lnSpc>
-                <a:spcPct val="90000"/>
-              </a:lnSpc>
-            </a:pPr>
-            <a:r>
-              <a:rPr lang="en-US" sz="2800" dirty="0" smtClean="0"/>
-              <a:t>A live demo – what could go wrong???</a:t>
-            </a:r>
-            <a:endParaRPr lang="en-US" sz="2800" dirty="0"/>
-          </a:p>
-          <a:p>
-            <a:pPr marL="0" indent="0">
-              <a:lnSpc>
-                <a:spcPct val="90000"/>
-              </a:lnSpc>
-              <a:buNone/>
-            </a:pPr>
-            <a:endParaRPr lang="en-US" sz="2800" dirty="0"/>
+              <a:t>How Ops Can Get out of the Way of Development, or, Automated </a:t>
+            </a:r>
+            <a:r>
+              <a:rPr lang="en-US" sz="6000" dirty="0" smtClean="0">
+                <a:solidFill>
+                  <a:srgbClr val="0062AC"/>
+                </a:solidFill>
+              </a:rPr>
+              <a:t>Build and Deployment of Tomcat Apps</a:t>
+            </a:r>
+            <a:endParaRPr lang="en-US" sz="6000" dirty="0">
+              <a:solidFill>
+                <a:srgbClr val="0062AC"/>
+              </a:solidFill>
+              <a:latin typeface="Helvetica" pitchFamily="34" charset="0"/>
+              <a:cs typeface="Helvetica" pitchFamily="34" charset="0"/>
+            </a:endParaRPr>
           </a:p>
         </p:txBody>
       </p:sp>
     </p:spTree>
+    <p:extLst>
+      <p:ext uri="{BB962C8B-B14F-4D97-AF65-F5344CB8AC3E}">
+        <p14:creationId xmlns:p14="http://schemas.microsoft.com/office/powerpoint/2010/main" val="4270396283"/>
+      </p:ext>
+    </p:extLst>
   </p:cSld>
   <p:clrMapOvr>
     <a:masterClrMapping/>
@@ -9264,6 +9496,552 @@
   <p:transition xmlns:p14="http://schemas.microsoft.com/office/powerpoint/2010/main">
     <p:fade/>
   </p:transition>
+  <p:timing>
+    <p:tnLst>
+      <p:par>
+        <p:cTn xmlns:p14="http://schemas.microsoft.com/office/powerpoint/2010/main" id="1" dur="indefinite" restart="never" nodeType="tmRoot"/>
+      </p:par>
+    </p:tnLst>
+  </p:timing>
+</p:sld>
+</file>
+
+<file path=ppt/slides/slide30.xml><?xml version="1.0" encoding="utf-8"?>
+<p:sld xmlns:a="http://schemas.openxmlformats.org/drawingml/2006/main" xmlns:r="http://schemas.openxmlformats.org/officeDocument/2006/relationships" xmlns:p="http://schemas.openxmlformats.org/presentationml/2006/main">
+  <p:cSld>
+    <p:spTree>
+      <p:nvGrpSpPr>
+        <p:cNvPr id="1" name=""/>
+        <p:cNvGrpSpPr/>
+        <p:nvPr/>
+      </p:nvGrpSpPr>
+      <p:grpSpPr>
+        <a:xfrm>
+          <a:off x="0" y="0"/>
+          <a:ext cx="0" cy="0"/>
+          <a:chOff x="0" y="0"/>
+          <a:chExt cx="0" cy="0"/>
+        </a:xfrm>
+      </p:grpSpPr>
+      <p:sp>
+        <p:nvSpPr>
+          <p:cNvPr id="3" name="Content Placeholder 2"/>
+          <p:cNvSpPr>
+            <a:spLocks noGrp="1"/>
+          </p:cNvSpPr>
+          <p:nvPr>
+            <p:ph idx="1"/>
+          </p:nvPr>
+        </p:nvSpPr>
+        <p:spPr>
+          <a:xfrm>
+            <a:off x="762000" y="1371600"/>
+            <a:ext cx="7543800" cy="4572000"/>
+          </a:xfrm>
+        </p:spPr>
+        <p:txBody>
+          <a:bodyPr>
+            <a:normAutofit/>
+          </a:bodyPr>
+          <a:lstStyle/>
+          <a:p>
+            <a:r>
+              <a:rPr lang="en-US" dirty="0"/>
+              <a:t>U.S. Digital Services Playbook </a:t>
+            </a:r>
+            <a:r>
+              <a:rPr lang="en-US" dirty="0">
+                <a:hlinkClick r:id="rId2"/>
+              </a:rPr>
+              <a:t>https://playbook.cio.gov/</a:t>
+            </a:r>
+            <a:r>
+              <a:rPr lang="en-US" dirty="0"/>
+              <a:t> </a:t>
+            </a:r>
+          </a:p>
+          <a:p>
+            <a:r>
+              <a:rPr lang="en-US" dirty="0" err="1"/>
+              <a:t>DevOps</a:t>
+            </a:r>
+            <a:r>
+              <a:rPr lang="en-US" dirty="0"/>
+              <a:t> </a:t>
+            </a:r>
+            <a:r>
+              <a:rPr lang="en-US" dirty="0">
+                <a:hlinkClick r:id="rId3"/>
+              </a:rPr>
+              <a:t>http://devops.com</a:t>
+            </a:r>
+            <a:r>
+              <a:rPr lang="en-US" dirty="0"/>
+              <a:t> </a:t>
+            </a:r>
+          </a:p>
+          <a:p>
+            <a:r>
+              <a:rPr lang="en-US" dirty="0" err="1"/>
+              <a:t>FlowCon</a:t>
+            </a:r>
+            <a:r>
+              <a:rPr lang="en-US" dirty="0"/>
+              <a:t> Conference http://</a:t>
+            </a:r>
+            <a:r>
+              <a:rPr lang="en-US" dirty="0">
+                <a:hlinkClick r:id="rId4"/>
+              </a:rPr>
+              <a:t>http://flowcon.org/</a:t>
+            </a:r>
+            <a:r>
+              <a:rPr lang="en-US" dirty="0"/>
+              <a:t> </a:t>
+            </a:r>
+          </a:p>
+          <a:p>
+            <a:r>
+              <a:rPr lang="en-US" dirty="0"/>
+              <a:t>O'Reilly Conference </a:t>
+            </a:r>
+            <a:r>
+              <a:rPr lang="en-US" dirty="0">
+                <a:hlinkClick r:id="rId5"/>
+              </a:rPr>
+              <a:t>http://velocityconf.com/</a:t>
+            </a:r>
+            <a:r>
+              <a:rPr lang="en-US" dirty="0"/>
+              <a:t> </a:t>
+            </a:r>
+          </a:p>
+          <a:p>
+            <a:r>
+              <a:rPr lang="en-US" dirty="0"/>
+              <a:t>IT Revolution Press </a:t>
+            </a:r>
+            <a:r>
+              <a:rPr lang="en-US" dirty="0">
+                <a:hlinkClick r:id="rId6"/>
+              </a:rPr>
+              <a:t>http://itrevolution.com/</a:t>
+            </a:r>
+            <a:r>
+              <a:rPr lang="en-US" dirty="0"/>
+              <a:t> </a:t>
+            </a:r>
+          </a:p>
+          <a:p>
+            <a:r>
+              <a:rPr lang="en-US" dirty="0"/>
+              <a:t>The Phoenix Project: A Novel About IT, </a:t>
+            </a:r>
+            <a:r>
+              <a:rPr lang="en-US" dirty="0" err="1"/>
+              <a:t>DevOps</a:t>
+            </a:r>
+            <a:r>
+              <a:rPr lang="en-US" dirty="0"/>
+              <a:t>, and Helping Your Business Win, Gene Kim, Kevin Behr, George </a:t>
+            </a:r>
+            <a:r>
+              <a:rPr lang="en-US" dirty="0" err="1"/>
+              <a:t>Spafford</a:t>
+            </a:r>
+            <a:endParaRPr lang="en-US" dirty="0"/>
+          </a:p>
+          <a:p>
+            <a:r>
+              <a:rPr lang="en-US" dirty="0"/>
+              <a:t>Continuous Delivery: Reliable Software Releases through Build, Test, and Deployment Automation, </a:t>
+            </a:r>
+            <a:r>
+              <a:rPr lang="en-US" dirty="0" err="1"/>
+              <a:t>Jez</a:t>
+            </a:r>
+            <a:r>
+              <a:rPr lang="en-US" dirty="0"/>
+              <a:t> Humble and David Farley</a:t>
+            </a:r>
+          </a:p>
+          <a:p>
+            <a:endParaRPr lang="en-US" dirty="0"/>
+          </a:p>
+        </p:txBody>
+      </p:sp>
+      <p:sp>
+        <p:nvSpPr>
+          <p:cNvPr id="4" name="Date Placeholder 3"/>
+          <p:cNvSpPr>
+            <a:spLocks noGrp="1"/>
+          </p:cNvSpPr>
+          <p:nvPr>
+            <p:ph type="dt" sz="half" idx="10"/>
+          </p:nvPr>
+        </p:nvSpPr>
+        <p:spPr/>
+        <p:txBody>
+          <a:bodyPr/>
+          <a:lstStyle/>
+          <a:p>
+            <a:fld id="{564CF2E0-CCC4-4E1E-9902-C3C36AB3FDA4}" type="datetimeFigureOut">
+              <a:rPr lang="en-US" smtClean="0"/>
+              <a:t>9/28/14</a:t>
+            </a:fld>
+            <a:endParaRPr lang="en-US" dirty="0"/>
+          </a:p>
+        </p:txBody>
+      </p:sp>
+    </p:spTree>
+    <p:extLst>
+      <p:ext uri="{BB962C8B-B14F-4D97-AF65-F5344CB8AC3E}">
+        <p14:creationId xmlns:p14="http://schemas.microsoft.com/office/powerpoint/2010/main" val="3164961101"/>
+      </p:ext>
+    </p:extLst>
+  </p:cSld>
+  <p:clrMapOvr>
+    <a:masterClrMapping/>
+  </p:clrMapOvr>
+  <p:timing>
+    <p:tnLst>
+      <p:par>
+        <p:cTn xmlns:p14="http://schemas.microsoft.com/office/powerpoint/2010/main" id="1" dur="indefinite" restart="never" nodeType="tmRoot"/>
+      </p:par>
+    </p:tnLst>
+  </p:timing>
+</p:sld>
+</file>
+
+<file path=ppt/slides/slide31.xml><?xml version="1.0" encoding="utf-8"?>
+<p:sld xmlns:a="http://schemas.openxmlformats.org/drawingml/2006/main" xmlns:r="http://schemas.openxmlformats.org/officeDocument/2006/relationships" xmlns:p="http://schemas.openxmlformats.org/presentationml/2006/main">
+  <p:cSld>
+    <p:spTree>
+      <p:nvGrpSpPr>
+        <p:cNvPr id="1" name=""/>
+        <p:cNvGrpSpPr/>
+        <p:nvPr/>
+      </p:nvGrpSpPr>
+      <p:grpSpPr>
+        <a:xfrm>
+          <a:off x="0" y="0"/>
+          <a:ext cx="0" cy="0"/>
+          <a:chOff x="0" y="0"/>
+          <a:chExt cx="0" cy="0"/>
+        </a:xfrm>
+      </p:grpSpPr>
+      <p:sp>
+        <p:nvSpPr>
+          <p:cNvPr id="121858" name="Rectangle 2"/>
+          <p:cNvSpPr>
+            <a:spLocks noGrp="1" noChangeArrowheads="1"/>
+          </p:cNvSpPr>
+          <p:nvPr>
+            <p:ph type="title"/>
+          </p:nvPr>
+        </p:nvSpPr>
+        <p:spPr>
+          <a:xfrm>
+            <a:off x="533400" y="1676400"/>
+            <a:ext cx="8229600" cy="704088"/>
+          </a:xfrm>
+        </p:spPr>
+        <p:txBody>
+          <a:bodyPr>
+            <a:normAutofit fontScale="90000"/>
+          </a:bodyPr>
+          <a:lstStyle/>
+          <a:p>
+            <a:r>
+              <a:rPr lang="en-US" dirty="0" smtClean="0">
+                <a:solidFill>
+                  <a:srgbClr val="0062AC"/>
+                </a:solidFill>
+              </a:rPr>
+              <a:t>Questions &amp; Answers</a:t>
+            </a:r>
+            <a:endParaRPr lang="en-US" dirty="0">
+              <a:solidFill>
+                <a:srgbClr val="0062AC"/>
+              </a:solidFill>
+            </a:endParaRPr>
+          </a:p>
+        </p:txBody>
+      </p:sp>
+    </p:spTree>
+  </p:cSld>
+  <p:clrMapOvr>
+    <a:masterClrMapping/>
+  </p:clrMapOvr>
+  <p:transition xmlns:p14="http://schemas.microsoft.com/office/powerpoint/2010/main"/>
+  <p:timing>
+    <p:tnLst>
+      <p:par>
+        <p:cTn xmlns:p14="http://schemas.microsoft.com/office/powerpoint/2010/main" id="1" dur="indefinite" restart="never" nodeType="tmRoot"/>
+      </p:par>
+    </p:tnLst>
+  </p:timing>
+</p:sld>
+</file>
+
+<file path=ppt/slides/slide32.xml><?xml version="1.0" encoding="utf-8"?>
+<p:sld xmlns:a="http://schemas.openxmlformats.org/drawingml/2006/main" xmlns:r="http://schemas.openxmlformats.org/officeDocument/2006/relationships" xmlns:p="http://schemas.openxmlformats.org/presentationml/2006/main">
+  <p:cSld>
+    <p:spTree>
+      <p:nvGrpSpPr>
+        <p:cNvPr id="1" name=""/>
+        <p:cNvGrpSpPr/>
+        <p:nvPr/>
+      </p:nvGrpSpPr>
+      <p:grpSpPr>
+        <a:xfrm>
+          <a:off x="0" y="0"/>
+          <a:ext cx="0" cy="0"/>
+          <a:chOff x="0" y="0"/>
+          <a:chExt cx="0" cy="0"/>
+        </a:xfrm>
+      </p:grpSpPr>
+      <p:sp>
+        <p:nvSpPr>
+          <p:cNvPr id="250883" name="Rectangle 3"/>
+          <p:cNvSpPr>
+            <a:spLocks noGrp="1" noChangeAspect="1" noChangeArrowheads="1"/>
+          </p:cNvSpPr>
+          <p:nvPr>
+            <p:ph idx="1"/>
+          </p:nvPr>
+        </p:nvSpPr>
+        <p:spPr>
+          <a:xfrm>
+            <a:off x="457200" y="1219200"/>
+            <a:ext cx="8305800" cy="4648200"/>
+          </a:xfrm>
+        </p:spPr>
+        <p:txBody>
+          <a:bodyPr>
+            <a:noAutofit/>
+          </a:bodyPr>
+          <a:lstStyle/>
+          <a:p>
+            <a:pPr marL="0" indent="0" algn="ctr">
+              <a:lnSpc>
+                <a:spcPct val="90000"/>
+              </a:lnSpc>
+              <a:buFontTx/>
+              <a:buNone/>
+            </a:pPr>
+            <a:endParaRPr lang="en-US" sz="2800" dirty="0" smtClean="0"/>
+          </a:p>
+          <a:p>
+            <a:pPr marL="0" indent="0" algn="ctr">
+              <a:lnSpc>
+                <a:spcPct val="90000"/>
+              </a:lnSpc>
+              <a:buFontTx/>
+              <a:buNone/>
+            </a:pPr>
+            <a:r>
+              <a:rPr lang="en-US" sz="4000" dirty="0">
+                <a:solidFill>
+                  <a:srgbClr val="0062AC"/>
+                </a:solidFill>
+              </a:rPr>
+              <a:t>Thank </a:t>
+            </a:r>
+            <a:r>
+              <a:rPr lang="en-US" sz="4000" dirty="0" smtClean="0">
+                <a:solidFill>
+                  <a:srgbClr val="0062AC"/>
+                </a:solidFill>
+              </a:rPr>
+              <a:t>You for Attending!</a:t>
+            </a:r>
+            <a:endParaRPr lang="en-US" sz="4000" dirty="0"/>
+          </a:p>
+          <a:p>
+            <a:pPr marL="0" indent="0" algn="ctr">
+              <a:lnSpc>
+                <a:spcPct val="90000"/>
+              </a:lnSpc>
+              <a:buFontTx/>
+              <a:buNone/>
+            </a:pPr>
+            <a:endParaRPr lang="en-US" sz="2800" dirty="0" smtClean="0"/>
+          </a:p>
+          <a:p>
+            <a:pPr marL="0" indent="0" algn="ctr">
+              <a:lnSpc>
+                <a:spcPct val="90000"/>
+              </a:lnSpc>
+              <a:buFontTx/>
+              <a:buNone/>
+            </a:pPr>
+            <a:r>
+              <a:rPr lang="en-US" sz="2800" dirty="0" smtClean="0"/>
+              <a:t>Chris Peck</a:t>
+            </a:r>
+            <a:endParaRPr lang="en-US" sz="2800" dirty="0"/>
+          </a:p>
+          <a:p>
+            <a:pPr marL="0" indent="0" algn="ctr">
+              <a:lnSpc>
+                <a:spcPct val="90000"/>
+              </a:lnSpc>
+              <a:buFontTx/>
+              <a:buNone/>
+            </a:pPr>
+            <a:r>
+              <a:rPr lang="en-US" sz="2800" dirty="0" err="1" smtClean="0"/>
+              <a:t>crpeck@wm.edu</a:t>
+            </a:r>
+            <a:endParaRPr lang="en-US" sz="2800" dirty="0" smtClean="0"/>
+          </a:p>
+          <a:p>
+            <a:pPr marL="0" indent="0" algn="ctr">
+              <a:lnSpc>
+                <a:spcPct val="90000"/>
+              </a:lnSpc>
+              <a:buFontTx/>
+              <a:buNone/>
+            </a:pPr>
+            <a:r>
+              <a:rPr lang="en-US" sz="2800" dirty="0" smtClean="0"/>
+              <a:t>@</a:t>
+            </a:r>
+            <a:r>
+              <a:rPr lang="en-US" sz="2800" dirty="0" err="1" smtClean="0"/>
+              <a:t>crpeck</a:t>
+            </a:r>
+            <a:r>
+              <a:rPr lang="en-US" sz="2800" dirty="0" smtClean="0"/>
+              <a:t> on twitter</a:t>
+            </a:r>
+          </a:p>
+          <a:p>
+            <a:pPr marL="0" indent="0" algn="ctr">
+              <a:lnSpc>
+                <a:spcPct val="90000"/>
+              </a:lnSpc>
+              <a:buFontTx/>
+              <a:buNone/>
+            </a:pPr>
+            <a:r>
+              <a:rPr lang="en-US" sz="2800" dirty="0" smtClean="0"/>
+              <a:t>http://</a:t>
+            </a:r>
+            <a:r>
+              <a:rPr lang="en-US" sz="2800" dirty="0" err="1" smtClean="0"/>
+              <a:t>crpeck.gethub.io</a:t>
+            </a:r>
+            <a:endParaRPr lang="en-US" sz="2800" dirty="0"/>
+          </a:p>
+          <a:p>
+            <a:pPr marL="0" indent="0" algn="ctr">
+              <a:buNone/>
+              <a:defRPr/>
+            </a:pPr>
+            <a:endParaRPr lang="en-CA" sz="2800" b="1" dirty="0" smtClean="0"/>
+          </a:p>
+          <a:p>
+            <a:pPr marL="0" indent="0" algn="ctr">
+              <a:buNone/>
+              <a:defRPr/>
+            </a:pPr>
+            <a:r>
+              <a:rPr lang="en-CA" sz="2800" b="1" dirty="0" smtClean="0"/>
+              <a:t>Stick around for </a:t>
+            </a:r>
+            <a:r>
+              <a:rPr lang="en-CA" sz="2800" b="1" dirty="0" err="1" smtClean="0"/>
+              <a:t>DevOps</a:t>
+            </a:r>
+            <a:r>
+              <a:rPr lang="en-CA" sz="2800" b="1" dirty="0" smtClean="0"/>
+              <a:t> in a Banner World!</a:t>
+            </a:r>
+          </a:p>
+          <a:p>
+            <a:pPr marL="0" indent="0" algn="ctr">
+              <a:buNone/>
+              <a:defRPr/>
+            </a:pPr>
+            <a:r>
+              <a:rPr lang="en-CA" sz="2800" b="1" dirty="0" smtClean="0"/>
+              <a:t>Please </a:t>
+            </a:r>
+            <a:r>
+              <a:rPr lang="en-CA" sz="2800" b="1" dirty="0"/>
+              <a:t>complete the </a:t>
+            </a:r>
+            <a:r>
+              <a:rPr lang="en-CA" sz="2800" b="1" dirty="0" smtClean="0"/>
+              <a:t>session evaluation for</a:t>
+            </a:r>
+            <a:endParaRPr lang="en-CA" sz="2800" b="1" dirty="0"/>
+          </a:p>
+          <a:p>
+            <a:pPr marL="0" indent="0" algn="ctr">
+              <a:buNone/>
+              <a:defRPr/>
+            </a:pPr>
+            <a:r>
+              <a:rPr lang="en-CA" b="1" dirty="0" smtClean="0">
+                <a:solidFill>
+                  <a:srgbClr val="C00000"/>
+                </a:solidFill>
+              </a:rPr>
+              <a:t>Automated Build and Deployment of Tomcat Apps</a:t>
+            </a:r>
+            <a:endParaRPr lang="en-CA" b="1" dirty="0">
+              <a:solidFill>
+                <a:srgbClr val="C00000"/>
+              </a:solidFill>
+            </a:endParaRPr>
+          </a:p>
+          <a:p>
+            <a:pPr marL="0" indent="0" algn="ctr">
+              <a:buNone/>
+              <a:defRPr/>
+            </a:pPr>
+            <a:r>
+              <a:rPr lang="en-CA" b="1" dirty="0">
+                <a:solidFill>
+                  <a:srgbClr val="C00000"/>
+                </a:solidFill>
+              </a:rPr>
+              <a:t>Session ID#: </a:t>
+            </a:r>
+            <a:r>
+              <a:rPr lang="en-CA" b="1" dirty="0" smtClean="0">
+                <a:solidFill>
+                  <a:srgbClr val="C00000"/>
+                </a:solidFill>
+              </a:rPr>
+              <a:t>8743</a:t>
+            </a:r>
+            <a:endParaRPr lang="en-CA" b="1" dirty="0">
+              <a:solidFill>
+                <a:srgbClr val="C00000"/>
+              </a:solidFill>
+            </a:endParaRPr>
+          </a:p>
+          <a:p>
+            <a:pPr marL="0" indent="0" algn="ctr">
+              <a:lnSpc>
+                <a:spcPct val="90000"/>
+              </a:lnSpc>
+              <a:buFontTx/>
+              <a:buNone/>
+            </a:pPr>
+            <a:endParaRPr lang="en-US" sz="2800" dirty="0"/>
+          </a:p>
+        </p:txBody>
+      </p:sp>
+    </p:spTree>
+  </p:cSld>
+  <p:clrMapOvr>
+    <a:masterClrMapping/>
+  </p:clrMapOvr>
   <p:timing>
     <p:tnLst>
       <p:par>
@@ -9293,18 +10071,18 @@
       </p:grpSpPr>
       <p:sp>
         <p:nvSpPr>
-          <p:cNvPr id="49154" name="Rectangle 2"/>
+          <p:cNvPr id="199682" name="Rectangle 2"/>
           <p:cNvSpPr>
             <a:spLocks noGrp="1" noChangeArrowheads="1"/>
           </p:cNvSpPr>
           <p:nvPr>
-            <p:ph type="title"/>
+            <p:ph type="ctrTitle"/>
           </p:nvPr>
         </p:nvSpPr>
         <p:spPr>
           <a:xfrm>
-            <a:off x="457200" y="1371600"/>
-            <a:ext cx="8229600" cy="780288"/>
+            <a:off x="685800" y="1524000"/>
+            <a:ext cx="7620000" cy="2759075"/>
           </a:xfrm>
         </p:spPr>
         <p:txBody>
@@ -9314,115 +10092,51 @@
           <a:lstStyle/>
           <a:p>
             <a:r>
-              <a:rPr lang="en-US" dirty="0" smtClean="0">
+              <a:rPr lang="en-US" sz="6000" dirty="0" err="1" smtClean="0">
                 <a:solidFill>
                   <a:srgbClr val="0062AC"/>
                 </a:solidFill>
               </a:rPr>
-              <a:t>Introductions</a:t>
-            </a:r>
-            <a:endParaRPr lang="en-US" dirty="0">
+              <a:t>Opsvelopment</a:t>
+            </a:r>
+            <a:r>
+              <a:rPr lang="en-US" sz="6000" dirty="0" smtClean="0">
+                <a:solidFill>
+                  <a:srgbClr val="0062AC"/>
+                </a:solidFill>
+              </a:rPr>
+              <a:t>, Ops and </a:t>
+            </a:r>
+            <a:r>
+              <a:rPr lang="en-US" sz="6000" dirty="0" err="1" smtClean="0">
+                <a:solidFill>
+                  <a:srgbClr val="0062AC"/>
+                </a:solidFill>
+              </a:rPr>
+              <a:t>Devs</a:t>
+            </a:r>
+            <a:r>
+              <a:rPr lang="en-US" sz="6000" dirty="0" smtClean="0">
+                <a:solidFill>
+                  <a:srgbClr val="0062AC"/>
+                </a:solidFill>
+              </a:rPr>
+              <a:t>, One Happy Family</a:t>
+            </a:r>
+            <a:endParaRPr lang="en-US" sz="6000" dirty="0">
               <a:solidFill>
                 <a:srgbClr val="0062AC"/>
               </a:solidFill>
+              <a:latin typeface="Helvetica" pitchFamily="34" charset="0"/>
+              <a:cs typeface="Helvetica" pitchFamily="34" charset="0"/>
             </a:endParaRPr>
-          </a:p>
-        </p:txBody>
-      </p:sp>
-      <p:sp>
-        <p:nvSpPr>
-          <p:cNvPr id="49155" name="Rectangle 3"/>
-          <p:cNvSpPr>
-            <a:spLocks noGrp="1" noChangeAspect="1" noChangeArrowheads="1"/>
-          </p:cNvSpPr>
-          <p:nvPr>
-            <p:ph idx="1"/>
-          </p:nvPr>
-        </p:nvSpPr>
-        <p:spPr>
-          <a:xfrm>
-            <a:off x="685800" y="2209800"/>
-            <a:ext cx="7772400" cy="3886200"/>
-          </a:xfrm>
-        </p:spPr>
-        <p:txBody>
-          <a:bodyPr>
-            <a:normAutofit/>
-          </a:bodyPr>
-          <a:lstStyle/>
-          <a:p>
-            <a:pPr>
-              <a:lnSpc>
-                <a:spcPct val="90000"/>
-              </a:lnSpc>
-            </a:pPr>
-            <a:r>
-              <a:rPr lang="en-US" sz="2800" dirty="0" smtClean="0"/>
-              <a:t>About me</a:t>
-            </a:r>
-          </a:p>
-          <a:p>
-            <a:pPr lvl="1">
-              <a:lnSpc>
-                <a:spcPct val="90000"/>
-              </a:lnSpc>
-            </a:pPr>
-            <a:r>
-              <a:rPr lang="en-US" sz="2600" dirty="0" smtClean="0"/>
-              <a:t>*nix </a:t>
-            </a:r>
-            <a:r>
-              <a:rPr lang="en-US" sz="2600" dirty="0" err="1" smtClean="0"/>
-              <a:t>sysadmin</a:t>
-            </a:r>
-            <a:r>
-              <a:rPr lang="en-US" sz="2600" dirty="0" smtClean="0"/>
-              <a:t> at William and Mary since 1998</a:t>
-            </a:r>
-          </a:p>
-          <a:p>
-            <a:pPr lvl="1">
-              <a:lnSpc>
-                <a:spcPct val="90000"/>
-              </a:lnSpc>
-            </a:pPr>
-            <a:r>
-              <a:rPr lang="en-US" sz="2600" dirty="0" smtClean="0"/>
-              <a:t>Not a Developer</a:t>
-            </a:r>
-          </a:p>
-          <a:p>
-            <a:pPr lvl="1">
-              <a:lnSpc>
-                <a:spcPct val="90000"/>
-              </a:lnSpc>
-            </a:pPr>
-            <a:r>
-              <a:rPr lang="en-US" sz="2600" dirty="0"/>
-              <a:t>U</a:t>
-            </a:r>
-            <a:r>
-              <a:rPr lang="en-US" sz="2600" dirty="0" smtClean="0"/>
-              <a:t>sed to “hand-craft” all our servers &amp; applications, everything was a “snowflake”</a:t>
-            </a:r>
-          </a:p>
-          <a:p>
-            <a:pPr lvl="1">
-              <a:lnSpc>
-                <a:spcPct val="90000"/>
-              </a:lnSpc>
-            </a:pPr>
-            <a:r>
-              <a:rPr lang="en-US" sz="2600" dirty="0" smtClean="0"/>
-              <a:t>Now we automate and define by code almost everything, we make snowballs out of snowflakes</a:t>
-            </a:r>
           </a:p>
         </p:txBody>
       </p:sp>
     </p:spTree>
     <p:extLst>
       <p:ext uri="{BB962C8B-B14F-4D97-AF65-F5344CB8AC3E}">
-        <p14:creationId xmlns:p14="http://schemas.microsoft.com/office/powerpoint/2010/main" val="131450707"/>
+        <p14:creationId xmlns:p14="http://schemas.microsoft.com/office/powerpoint/2010/main" val="1162149892"/>
       </p:ext>
     </p:extLst>
   </p:cSld>
@@ -9461,141 +10175,51 @@
       </p:grpSpPr>
       <p:sp>
         <p:nvSpPr>
-          <p:cNvPr id="50178" name="Rectangle 2"/>
+          <p:cNvPr id="199682" name="Rectangle 2"/>
           <p:cNvSpPr>
             <a:spLocks noGrp="1" noChangeArrowheads="1"/>
           </p:cNvSpPr>
           <p:nvPr>
-            <p:ph type="title"/>
+            <p:ph type="ctrTitle"/>
           </p:nvPr>
         </p:nvSpPr>
         <p:spPr>
           <a:xfrm>
-            <a:off x="457200" y="1219200"/>
-            <a:ext cx="8229600" cy="780288"/>
+            <a:off x="685800" y="2133600"/>
+            <a:ext cx="7620000" cy="1387475"/>
           </a:xfrm>
         </p:spPr>
         <p:txBody>
           <a:bodyPr>
-            <a:normAutofit fontScale="90000"/>
+            <a:normAutofit/>
           </a:bodyPr>
           <a:lstStyle/>
           <a:p>
-            <a:r>
-              <a:rPr lang="en-US" sz="4400" dirty="0" smtClean="0">
+            <a:pPr algn="ctr"/>
+            <a:r>
+              <a:rPr lang="en-US" sz="6000" dirty="0" smtClean="0">
                 <a:solidFill>
                   <a:srgbClr val="0062AC"/>
                 </a:solidFill>
               </a:rPr>
-              <a:t>Learning Outcomes of this session:</a:t>
-            </a:r>
-            <a:endParaRPr lang="en-US" sz="4400" dirty="0">
+              <a:t>DEVOPS</a:t>
+            </a:r>
+            <a:endParaRPr lang="en-US" sz="6000" dirty="0">
               <a:solidFill>
                 <a:srgbClr val="0062AC"/>
               </a:solidFill>
+              <a:latin typeface="Helvetica" pitchFamily="34" charset="0"/>
+              <a:cs typeface="Helvetica" pitchFamily="34" charset="0"/>
             </a:endParaRPr>
           </a:p>
         </p:txBody>
       </p:sp>
-      <p:sp>
-        <p:nvSpPr>
-          <p:cNvPr id="50179" name="Rectangle 3"/>
-          <p:cNvSpPr>
-            <a:spLocks noGrp="1" noChangeAspect="1" noChangeArrowheads="1"/>
-          </p:cNvSpPr>
-          <p:nvPr>
-            <p:ph idx="1"/>
-          </p:nvPr>
-        </p:nvSpPr>
-        <p:spPr>
-          <a:xfrm>
-            <a:off x="685800" y="2133600"/>
-            <a:ext cx="7543800" cy="2438400"/>
-          </a:xfrm>
-        </p:spPr>
-        <p:txBody>
-          <a:bodyPr>
-            <a:normAutofit lnSpcReduction="10000"/>
-          </a:bodyPr>
-          <a:lstStyle/>
-          <a:p>
-            <a:pPr>
-              <a:spcBef>
-                <a:spcPct val="60000"/>
-              </a:spcBef>
-            </a:pPr>
-            <a:endParaRPr lang="en-US" sz="2800" dirty="0" smtClean="0"/>
-          </a:p>
-          <a:p>
-            <a:pPr>
-              <a:spcBef>
-                <a:spcPct val="60000"/>
-              </a:spcBef>
-            </a:pPr>
-            <a:r>
-              <a:rPr lang="en-US" sz="2800" dirty="0" smtClean="0"/>
-              <a:t>Discuss various “</a:t>
-            </a:r>
-            <a:r>
-              <a:rPr lang="en-US" sz="2800" dirty="0" err="1" smtClean="0"/>
-              <a:t>DevOps</a:t>
-            </a:r>
-            <a:r>
-              <a:rPr lang="en-US" sz="2800" dirty="0" smtClean="0"/>
-              <a:t>” tools available</a:t>
-            </a:r>
-          </a:p>
-          <a:p>
-            <a:pPr>
-              <a:spcBef>
-                <a:spcPct val="60000"/>
-              </a:spcBef>
-            </a:pPr>
-            <a:r>
-              <a:rPr lang="en-US" sz="2800" dirty="0" smtClean="0"/>
-              <a:t>Discuss what can be done with them</a:t>
-            </a:r>
-          </a:p>
-          <a:p>
-            <a:pPr>
-              <a:spcBef>
-                <a:spcPct val="60000"/>
-              </a:spcBef>
-            </a:pPr>
-            <a:r>
-              <a:rPr lang="en-US" sz="2800" dirty="0" smtClean="0"/>
-              <a:t>Learn where to get them, they’re all open-source</a:t>
-            </a:r>
-            <a:endParaRPr lang="en-US" sz="2800" dirty="0"/>
-          </a:p>
-          <a:p>
-            <a:pPr marL="0" indent="0">
-              <a:spcBef>
-                <a:spcPct val="60000"/>
-              </a:spcBef>
-              <a:buNone/>
-            </a:pPr>
-            <a:endParaRPr lang="en-US" sz="2000" dirty="0"/>
-          </a:p>
-          <a:p>
-            <a:pPr>
-              <a:spcBef>
-                <a:spcPct val="60000"/>
-              </a:spcBef>
-            </a:pPr>
-            <a:endParaRPr lang="en-US" sz="2000" dirty="0"/>
-          </a:p>
-          <a:p>
-            <a:pPr>
-              <a:spcBef>
-                <a:spcPct val="60000"/>
-              </a:spcBef>
-            </a:pPr>
-            <a:endParaRPr lang="en-US" sz="2000" dirty="0"/>
-          </a:p>
-        </p:txBody>
-      </p:sp>
     </p:spTree>
+    <p:extLst>
+      <p:ext uri="{BB962C8B-B14F-4D97-AF65-F5344CB8AC3E}">
+        <p14:creationId xmlns:p14="http://schemas.microsoft.com/office/powerpoint/2010/main" val="2414162377"/>
+      </p:ext>
+    </p:extLst>
   </p:cSld>
   <p:clrMapOvr>
     <a:masterClrMapping/>
@@ -9632,169 +10256,136 @@
       </p:grpSpPr>
       <p:sp>
         <p:nvSpPr>
-          <p:cNvPr id="50178" name="Rectangle 2"/>
+          <p:cNvPr id="199682" name="Rectangle 2"/>
           <p:cNvSpPr>
             <a:spLocks noGrp="1" noChangeArrowheads="1"/>
           </p:cNvSpPr>
           <p:nvPr>
-            <p:ph type="title"/>
+            <p:ph type="ctrTitle"/>
           </p:nvPr>
         </p:nvSpPr>
         <p:spPr>
           <a:xfrm>
-            <a:off x="457200" y="1219200"/>
-            <a:ext cx="8229600" cy="780288"/>
+            <a:off x="762000" y="2362200"/>
+            <a:ext cx="7620000" cy="1158875"/>
           </a:xfrm>
         </p:spPr>
         <p:txBody>
           <a:bodyPr>
-            <a:normAutofit/>
+            <a:normAutofit fontScale="90000"/>
           </a:bodyPr>
           <a:lstStyle/>
           <a:p>
             <a:r>
-              <a:rPr lang="en-US" sz="4400" dirty="0" smtClean="0">
+              <a:rPr lang="en-US" sz="6000" dirty="0" smtClean="0">
                 <a:solidFill>
                   <a:srgbClr val="0062AC"/>
                 </a:solidFill>
               </a:rPr>
-              <a:t>Agenda:</a:t>
-            </a:r>
-            <a:endParaRPr lang="en-US" sz="4400" dirty="0">
+              <a:t>Automated Build and Deployment of Tomcat Apps</a:t>
+            </a:r>
+            <a:endParaRPr lang="en-US" sz="6000" dirty="0">
               <a:solidFill>
                 <a:srgbClr val="0062AC"/>
               </a:solidFill>
+              <a:latin typeface="Helvetica" pitchFamily="34" charset="0"/>
+              <a:cs typeface="Helvetica" pitchFamily="34" charset="0"/>
             </a:endParaRPr>
           </a:p>
         </p:txBody>
       </p:sp>
       <p:sp>
         <p:nvSpPr>
-          <p:cNvPr id="50179" name="Rectangle 3"/>
-          <p:cNvSpPr>
-            <a:spLocks noGrp="1" noChangeAspect="1" noChangeArrowheads="1"/>
-          </p:cNvSpPr>
-          <p:nvPr>
-            <p:ph idx="1"/>
+          <p:cNvPr id="199687" name="Rectangle 7"/>
+          <p:cNvSpPr>
+            <a:spLocks noGrp="1" noChangeArrowheads="1"/>
+          </p:cNvSpPr>
+          <p:nvPr>
+            <p:ph type="subTitle" idx="1"/>
           </p:nvPr>
         </p:nvSpPr>
         <p:spPr>
           <a:xfrm>
-            <a:off x="685800" y="2133600"/>
-            <a:ext cx="7543800" cy="3810000"/>
+            <a:off x="685800" y="4267200"/>
+            <a:ext cx="7854696" cy="1752600"/>
           </a:xfrm>
+          <a:noFill/>
+          <a:ln/>
         </p:spPr>
         <p:txBody>
           <a:bodyPr>
-            <a:normAutofit/>
+            <a:normAutofit fontScale="92500" lnSpcReduction="20000"/>
           </a:bodyPr>
           <a:lstStyle/>
           <a:p>
-            <a:pPr>
-              <a:spcBef>
-                <a:spcPct val="60000"/>
-              </a:spcBef>
-            </a:pPr>
-            <a:endParaRPr lang="en-US" sz="2800" dirty="0" smtClean="0"/>
-          </a:p>
-          <a:p>
-            <a:r>
-              <a:rPr lang="en-US" sz="2800" dirty="0" smtClean="0">
+            <a:r>
+              <a:rPr lang="en-US" dirty="0">
                 <a:solidFill>
-                  <a:srgbClr val="595959"/>
+                  <a:schemeClr val="tx1"/>
                 </a:solidFill>
-                <a:latin typeface="Arial" charset="0"/>
               </a:rPr>
-              <a:t>Pre-Jenkins – how we used to do this</a:t>
-            </a:r>
-            <a:endParaRPr lang="en-US" sz="2800" dirty="0">
+              <a:t>Presented by: </a:t>
+            </a:r>
+            <a:r>
+              <a:rPr lang="en-US" dirty="0" smtClean="0">
+                <a:solidFill>
+                  <a:schemeClr val="tx1"/>
+                </a:solidFill>
+              </a:rPr>
+              <a:t>Chris Peck</a:t>
+            </a:r>
+          </a:p>
+          <a:p>
+            <a:r>
+              <a:rPr lang="en-US" dirty="0" smtClean="0">
+                <a:solidFill>
+                  <a:schemeClr val="tx1"/>
+                </a:solidFill>
+              </a:rPr>
+              <a:t>Institution/Company: College of William and Mary</a:t>
+            </a:r>
+            <a:endParaRPr lang="en-US" dirty="0">
               <a:solidFill>
-                <a:srgbClr val="595959"/>
+                <a:schemeClr val="tx1"/>
               </a:solidFill>
-              <a:latin typeface="Arial" charset="0"/>
             </a:endParaRPr>
           </a:p>
           <a:p>
             <a:r>
-              <a:rPr lang="en-US" sz="2800" dirty="0" smtClean="0">
+              <a:rPr lang="en-US" dirty="0" smtClean="0">
                 <a:solidFill>
-                  <a:srgbClr val="595959"/>
+                  <a:schemeClr val="tx1"/>
                 </a:solidFill>
-                <a:latin typeface="Arial" charset="0"/>
               </a:rPr>
-              <a:t>Post-Jenkins – automation is sweet</a:t>
-            </a:r>
-          </a:p>
-          <a:p>
-            <a:r>
-              <a:rPr lang="en-US" sz="2800" dirty="0" smtClean="0">
+              <a:t>Date: 9/29/2014</a:t>
+            </a:r>
+            <a:endParaRPr lang="en-US" dirty="0">
+              <a:solidFill>
+                <a:schemeClr val="tx1"/>
+              </a:solidFill>
+            </a:endParaRPr>
+          </a:p>
+          <a:p>
+            <a:r>
+              <a:rPr lang="en-US" dirty="0" smtClean="0">
                 <a:solidFill>
-                  <a:srgbClr val="595959"/>
+                  <a:schemeClr val="tx1"/>
                 </a:solidFill>
-                <a:latin typeface="Arial" charset="0"/>
               </a:rPr>
-              <a:t>Live Demo</a:t>
-            </a:r>
-          </a:p>
-          <a:p>
-            <a:r>
-              <a:rPr lang="en-US" sz="2800" dirty="0" smtClean="0">
-                <a:solidFill>
-                  <a:srgbClr val="595959"/>
-                </a:solidFill>
-                <a:latin typeface="Arial" charset="0"/>
-              </a:rPr>
-              <a:t>Discuss the tools &amp; how to get them</a:t>
-            </a:r>
-          </a:p>
-          <a:p>
-            <a:r>
-              <a:rPr lang="en-US" sz="2800" dirty="0" smtClean="0">
-                <a:solidFill>
-                  <a:srgbClr val="595959"/>
-                </a:solidFill>
-                <a:latin typeface="Arial" charset="0"/>
-              </a:rPr>
-              <a:t>Q&amp;A</a:t>
-            </a:r>
-            <a:endParaRPr lang="en-US" sz="2800" dirty="0">
+              <a:t>Session ID: 8743</a:t>
+            </a:r>
+            <a:endParaRPr lang="en-US" dirty="0">
               <a:solidFill>
-                <a:srgbClr val="595959"/>
+                <a:schemeClr val="tx1"/>
               </a:solidFill>
-              <a:latin typeface="Arial" charset="0"/>
             </a:endParaRPr>
-          </a:p>
-          <a:p>
-            <a:pPr marL="0" indent="0">
-              <a:spcBef>
-                <a:spcPct val="60000"/>
-              </a:spcBef>
-              <a:buNone/>
-            </a:pPr>
-            <a:endParaRPr lang="en-US" sz="2000" dirty="0"/>
-          </a:p>
-          <a:p>
-            <a:pPr>
-              <a:spcBef>
-                <a:spcPct val="60000"/>
-              </a:spcBef>
-            </a:pPr>
-            <a:endParaRPr lang="en-US" sz="2000" dirty="0"/>
-          </a:p>
-          <a:p>
-            <a:pPr>
-              <a:spcBef>
-                <a:spcPct val="60000"/>
-              </a:spcBef>
-            </a:pPr>
-            <a:endParaRPr lang="en-US" sz="2000" dirty="0"/>
           </a:p>
         </p:txBody>
       </p:sp>
     </p:spTree>
     <p:extLst>
       <p:ext uri="{BB962C8B-B14F-4D97-AF65-F5344CB8AC3E}">
-        <p14:creationId xmlns:p14="http://schemas.microsoft.com/office/powerpoint/2010/main" val="521512709"/>
+        <p14:creationId xmlns:p14="http://schemas.microsoft.com/office/powerpoint/2010/main" val="3521176179"/>
       </p:ext>
     </p:extLst>
   </p:cSld>
@@ -9833,7 +10424,7 @@
       </p:grpSpPr>
       <p:sp>
         <p:nvSpPr>
-          <p:cNvPr id="201730" name="Rectangle 2"/>
+          <p:cNvPr id="49154" name="Rectangle 2"/>
           <p:cNvSpPr>
             <a:spLocks noGrp="1" noChangeArrowheads="1"/>
           </p:cNvSpPr>
@@ -9843,7 +10434,7 @@
         </p:nvSpPr>
         <p:spPr>
           <a:xfrm>
-            <a:off x="457200" y="1295400"/>
+            <a:off x="457200" y="1371600"/>
             <a:ext cx="8229600" cy="780288"/>
           </a:xfrm>
         </p:spPr>
@@ -9854,24 +10445,19 @@
           <a:lstStyle/>
           <a:p>
             <a:r>
-              <a:rPr lang="en-US" dirty="0" smtClean="0">
+              <a:rPr lang="en-US" dirty="0">
                 <a:solidFill>
                   <a:srgbClr val="0062AC"/>
                 </a:solidFill>
               </a:rPr>
-              <a:t>Pre-Jenkins</a:t>
-            </a:r>
-            <a:endParaRPr lang="en-US" dirty="0">
-              <a:solidFill>
-                <a:srgbClr val="0062AC"/>
-              </a:solidFill>
-            </a:endParaRPr>
-          </a:p>
-        </p:txBody>
-      </p:sp>
-      <p:sp>
-        <p:nvSpPr>
-          <p:cNvPr id="201731" name="Rectangle 3"/>
+              <a:t>Introduction</a:t>
+            </a:r>
+          </a:p>
+        </p:txBody>
+      </p:sp>
+      <p:sp>
+        <p:nvSpPr>
+          <p:cNvPr id="49155" name="Rectangle 3"/>
           <p:cNvSpPr>
             <a:spLocks noGrp="1" noChangeAspect="1" noChangeArrowheads="1"/>
           </p:cNvSpPr>
@@ -9881,8 +10467,8 @@
         </p:nvSpPr>
         <p:spPr>
           <a:xfrm>
-            <a:off x="762000" y="2286000"/>
-            <a:ext cx="7772400" cy="2895600"/>
+            <a:off x="685800" y="2438400"/>
+            <a:ext cx="7772400" cy="3200400"/>
           </a:xfrm>
         </p:spPr>
         <p:txBody>
@@ -9892,112 +10478,54 @@
           <a:lstStyle/>
           <a:p>
             <a:pPr>
-              <a:spcBef>
-                <a:spcPct val="60000"/>
-              </a:spcBef>
+              <a:lnSpc>
+                <a:spcPct val="90000"/>
+              </a:lnSpc>
             </a:pPr>
             <a:r>
               <a:rPr lang="en-US" sz="2800" dirty="0" smtClean="0"/>
-              <a:t>Grails </a:t>
+              <a:t>This presentation will describe our journey to an automated process for building and deploying Apps to a Tomcat server. We plan to use this process for XE Apps.</a:t>
+            </a:r>
+          </a:p>
+          <a:p>
+            <a:pPr>
+              <a:lnSpc>
+                <a:spcPct val="90000"/>
+              </a:lnSpc>
+            </a:pPr>
+            <a:r>
+              <a:rPr lang="en-US" sz="2800" dirty="0" smtClean="0"/>
+              <a:t>The focus will be on using a variety of open-source “</a:t>
             </a:r>
             <a:r>
               <a:rPr lang="en-US" sz="2800" dirty="0" err="1" smtClean="0"/>
-              <a:t>warfile</a:t>
+              <a:t>DevOps</a:t>
             </a:r>
             <a:r>
               <a:rPr lang="en-US" sz="2800" dirty="0" smtClean="0"/>
-              <a:t> built on </a:t>
-            </a:r>
-            <a:r>
-              <a:rPr lang="en-US" sz="2800" dirty="0" err="1" smtClean="0"/>
-              <a:t>Devs</a:t>
-            </a:r>
+              <a:t>” tools.</a:t>
+            </a:r>
+          </a:p>
+          <a:p>
+            <a:pPr>
+              <a:lnSpc>
+                <a:spcPct val="90000"/>
+              </a:lnSpc>
+            </a:pPr>
             <a:r>
               <a:rPr lang="en-US" sz="2800" dirty="0" smtClean="0"/>
-              <a:t> desktop</a:t>
+              <a:t>A live demo – what could go wrong???</a:t>
             </a:r>
             <a:endParaRPr lang="en-US" sz="2800" dirty="0"/>
           </a:p>
           <a:p>
-            <a:pPr>
-              <a:spcBef>
-                <a:spcPct val="60000"/>
-              </a:spcBef>
+            <a:pPr marL="0" indent="0">
+              <a:lnSpc>
+                <a:spcPct val="90000"/>
+              </a:lnSpc>
+              <a:buNone/>
             </a:pPr>
-            <a:r>
-              <a:rPr lang="en-US" sz="2800" dirty="0" err="1" smtClean="0"/>
-              <a:t>Warfile</a:t>
-            </a:r>
-            <a:r>
-              <a:rPr lang="en-US" sz="2800" dirty="0" smtClean="0"/>
-              <a:t> uploaded to a Shared Net Drive</a:t>
-            </a:r>
-            <a:endParaRPr lang="en-US" sz="3200" dirty="0"/>
-          </a:p>
-          <a:p>
-            <a:pPr>
-              <a:spcBef>
-                <a:spcPct val="60000"/>
-              </a:spcBef>
-            </a:pPr>
-            <a:r>
-              <a:rPr lang="en-US" sz="2800" dirty="0" err="1" smtClean="0"/>
-              <a:t>Devs</a:t>
-            </a:r>
-            <a:r>
-              <a:rPr lang="en-US" sz="2800" dirty="0" smtClean="0"/>
-              <a:t> then ping Ops to deploy</a:t>
-            </a:r>
-          </a:p>
-          <a:p>
-            <a:pPr>
-              <a:spcBef>
-                <a:spcPct val="60000"/>
-              </a:spcBef>
-            </a:pPr>
-            <a:r>
-              <a:rPr lang="en-US" sz="2800" dirty="0" smtClean="0"/>
-              <a:t>Ops copy </a:t>
-            </a:r>
-            <a:r>
-              <a:rPr lang="en-US" sz="2800" dirty="0" err="1" smtClean="0"/>
-              <a:t>warfile</a:t>
-            </a:r>
-            <a:r>
-              <a:rPr lang="en-US" sz="2800" dirty="0" smtClean="0"/>
-              <a:t> to server, then deploy it</a:t>
-            </a:r>
             <a:endParaRPr lang="en-US" sz="2800" dirty="0"/>
-          </a:p>
-        </p:txBody>
-      </p:sp>
-      <p:sp>
-        <p:nvSpPr>
-          <p:cNvPr id="2" name="TextBox 1"/>
-          <p:cNvSpPr txBox="1"/>
-          <p:nvPr/>
-        </p:nvSpPr>
-        <p:spPr>
-          <a:xfrm>
-            <a:off x="914400" y="5410200"/>
-            <a:ext cx="7391400" cy="646331"/>
-          </a:xfrm>
-          <a:prstGeom prst="rect">
-            <a:avLst/>
-          </a:prstGeom>
-          <a:noFill/>
-        </p:spPr>
-        <p:txBody>
-          <a:bodyPr wrap="square" rtlCol="0">
-            <a:spAutoFit/>
-          </a:bodyPr>
-          <a:lstStyle/>
-          <a:p>
-            <a:r>
-              <a:rPr lang="en-US" dirty="0" smtClean="0"/>
-              <a:t>Note: We’re actually called Unix Engineering, but, I’ll be referring to our team as “Ops”.</a:t>
-            </a:r>
-            <a:endParaRPr lang="en-US" dirty="0"/>
           </a:p>
         </p:txBody>
       </p:sp>
@@ -10038,7 +10566,7 @@
       </p:grpSpPr>
       <p:sp>
         <p:nvSpPr>
-          <p:cNvPr id="201730" name="Rectangle 2"/>
+          <p:cNvPr id="49154" name="Rectangle 2"/>
           <p:cNvSpPr>
             <a:spLocks noGrp="1" noChangeArrowheads="1"/>
           </p:cNvSpPr>
@@ -10048,7 +10576,7 @@
         </p:nvSpPr>
         <p:spPr>
           <a:xfrm>
-            <a:off x="457200" y="1295400"/>
+            <a:off x="457200" y="1371600"/>
             <a:ext cx="8229600" cy="780288"/>
           </a:xfrm>
         </p:spPr>
@@ -10064,7 +10592,7 @@
                   <a:srgbClr val="0062AC"/>
                 </a:solidFill>
               </a:rPr>
-              <a:t>Pre-Jenkins Issues</a:t>
+              <a:t>Introductions</a:t>
             </a:r>
             <a:endParaRPr lang="en-US" dirty="0">
               <a:solidFill>
@@ -10076,7 +10604,7 @@
       </p:sp>
       <p:sp>
         <p:nvSpPr>
-          <p:cNvPr id="201731" name="Rectangle 3"/>
+          <p:cNvPr id="49155" name="Rectangle 3"/>
           <p:cNvSpPr>
             <a:spLocks noGrp="1" noChangeAspect="1" noChangeArrowheads="1"/>
           </p:cNvSpPr>
@@ -10086,103 +10614,88 @@
         </p:nvSpPr>
         <p:spPr>
           <a:xfrm>
-            <a:off x="762000" y="2286000"/>
-            <a:ext cx="7772400" cy="3581400"/>
+            <a:off x="685800" y="2209800"/>
+            <a:ext cx="7772400" cy="3886200"/>
           </a:xfrm>
         </p:spPr>
         <p:txBody>
           <a:bodyPr>
-            <a:normAutofit fontScale="92500"/>
+            <a:normAutofit/>
           </a:bodyPr>
           <a:lstStyle/>
           <a:p>
             <a:pPr>
-              <a:spcBef>
-                <a:spcPct val="60000"/>
-              </a:spcBef>
+              <a:lnSpc>
+                <a:spcPct val="90000"/>
+              </a:lnSpc>
             </a:pPr>
             <a:r>
               <a:rPr lang="en-US" sz="2800" dirty="0" smtClean="0"/>
-              <a:t>Grails </a:t>
-            </a:r>
-            <a:r>
-              <a:rPr lang="en-US" sz="2800" dirty="0" err="1" smtClean="0"/>
-              <a:t>warfile</a:t>
-            </a:r>
-            <a:r>
-              <a:rPr lang="en-US" sz="2800" dirty="0" smtClean="0"/>
-              <a:t> built on </a:t>
-            </a:r>
-            <a:r>
-              <a:rPr lang="en-US" sz="2800" dirty="0" err="1" smtClean="0"/>
-              <a:t>Devs</a:t>
-            </a:r>
-            <a:r>
-              <a:rPr lang="en-US" sz="2800" dirty="0" smtClean="0"/>
-              <a:t> desktop</a:t>
-            </a:r>
-            <a:endParaRPr lang="en-US" sz="2800" dirty="0"/>
+              <a:t>About me</a:t>
+            </a:r>
           </a:p>
           <a:p>
             <a:pPr lvl="1">
-              <a:spcBef>
-                <a:spcPct val="60000"/>
-              </a:spcBef>
+              <a:lnSpc>
+                <a:spcPct val="90000"/>
+              </a:lnSpc>
             </a:pPr>
             <a:r>
-              <a:rPr lang="en-US" sz="3000" dirty="0" smtClean="0"/>
-              <a:t>Java on their desktop</a:t>
+              <a:rPr lang="en-US" sz="2600" dirty="0" smtClean="0"/>
+              <a:t>*nix </a:t>
+            </a:r>
+            <a:r>
+              <a:rPr lang="en-US" sz="2600" dirty="0" err="1" smtClean="0"/>
+              <a:t>sysadmin</a:t>
+            </a:r>
+            <a:r>
+              <a:rPr lang="en-US" sz="2600" dirty="0" smtClean="0"/>
+              <a:t> at William and Mary since 1998</a:t>
             </a:r>
           </a:p>
           <a:p>
             <a:pPr lvl="1">
-              <a:spcBef>
-                <a:spcPct val="60000"/>
-              </a:spcBef>
+              <a:lnSpc>
+                <a:spcPct val="90000"/>
+              </a:lnSpc>
             </a:pPr>
             <a:r>
-              <a:rPr lang="en-US" sz="3000" dirty="0" smtClean="0"/>
-              <a:t>Grails on their Desktop</a:t>
-            </a:r>
-            <a:endParaRPr lang="en-US" sz="3000" dirty="0"/>
+              <a:rPr lang="en-US" sz="2600" dirty="0" smtClean="0"/>
+              <a:t>Not a Developer</a:t>
+            </a:r>
           </a:p>
           <a:p>
             <a:pPr lvl="1">
-              <a:spcBef>
-                <a:spcPct val="60000"/>
-              </a:spcBef>
+              <a:lnSpc>
+                <a:spcPct val="90000"/>
+              </a:lnSpc>
             </a:pPr>
             <a:r>
+              <a:rPr lang="en-US" sz="2600" dirty="0"/>
+              <a:t>U</a:t>
+            </a:r>
+            <a:r>
               <a:rPr lang="en-US" sz="2600" dirty="0" smtClean="0"/>
-              <a:t>Build &amp; Testing done on a Windows Desktop usually</a:t>
+              <a:t>sed to “hand-craft” all our servers &amp; applications, everything was a “snowflake”</a:t>
             </a:r>
           </a:p>
           <a:p>
             <a:pPr lvl="1">
-              <a:spcBef>
-                <a:spcPct val="60000"/>
-              </a:spcBef>
+              <a:lnSpc>
+                <a:spcPct val="90000"/>
+              </a:lnSpc>
             </a:pPr>
             <a:r>
               <a:rPr lang="en-US" sz="2600" dirty="0" smtClean="0"/>
-              <a:t>Classic “but it ran ok on my Desktop” scenario, which lead to…</a:t>
-            </a:r>
-          </a:p>
-          <a:p>
-            <a:pPr marL="0" indent="0">
-              <a:spcBef>
-                <a:spcPct val="60000"/>
-              </a:spcBef>
-              <a:buNone/>
-            </a:pPr>
-            <a:endParaRPr lang="en-US" sz="2800" dirty="0"/>
+              <a:t>Now we automate and define by code almost everything, we make snowballs out of snowflakes</a:t>
+            </a:r>
           </a:p>
         </p:txBody>
       </p:sp>
     </p:spTree>
     <p:extLst>
       <p:ext uri="{BB962C8B-B14F-4D97-AF65-F5344CB8AC3E}">
-        <p14:creationId xmlns:p14="http://schemas.microsoft.com/office/powerpoint/2010/main" val="1878531729"/>
+        <p14:creationId xmlns:p14="http://schemas.microsoft.com/office/powerpoint/2010/main" val="131450707"/>
       </p:ext>
     </p:extLst>
   </p:cSld>
@@ -10203,7 +10716,7 @@
 </file>
 
 <file path=ppt/slides/slide9.xml><?xml version="1.0" encoding="utf-8"?>
-<p:sld xmlns:a="http://schemas.openxmlformats.org/drawingml/2006/main" xmlns:r="http://schemas.openxmlformats.org/officeDocument/2006/relationships" xmlns:p="http://schemas.openxmlformats.org/presentationml/2006/main">
+<p:sld xmlns:a="http://schemas.openxmlformats.org/drawingml/2006/main" xmlns:r="http://schemas.openxmlformats.org/officeDocument/2006/relationships" xmlns:p="http://schemas.openxmlformats.org/presentationml/2006/main" showMasterPhAnim="0">
   <p:cSld>
     <p:spTree>
       <p:nvGrpSpPr>
@@ -10221,67 +10734,178 @@
       </p:grpSpPr>
       <p:sp>
         <p:nvSpPr>
-          <p:cNvPr id="4" name="Date Placeholder 3"/>
-          <p:cNvSpPr>
-            <a:spLocks noGrp="1"/>
-          </p:cNvSpPr>
-          <p:nvPr>
-            <p:ph type="dt" sz="half" idx="10"/>
-          </p:nvPr>
-        </p:nvSpPr>
-        <p:spPr/>
-        <p:txBody>
-          <a:bodyPr/>
-          <a:lstStyle/>
-          <a:p>
-            <a:fld id="{564CF2E0-CCC4-4E1E-9902-C3C36AB3FDA4}" type="datetimeFigureOut">
-              <a:rPr lang="en-US" smtClean="0"/>
-              <a:t>9/28/14</a:t>
-            </a:fld>
-            <a:endParaRPr lang="en-US" dirty="0"/>
-          </a:p>
-        </p:txBody>
-      </p:sp>
-      <p:pic>
-        <p:nvPicPr>
-          <p:cNvPr id="7" name="Picture 6" descr="54784357.jpg"/>
-          <p:cNvPicPr>
-            <a:picLocks noChangeAspect="1"/>
-          </p:cNvPicPr>
-          <p:nvPr/>
-        </p:nvPicPr>
-        <p:blipFill>
-          <a:blip r:embed="rId2">
-            <a:extLst>
-              <a:ext uri="{28A0092B-C50C-407E-A947-70E740481C1C}">
-                <a14:useLocalDpi xmlns:a14="http://schemas.microsoft.com/office/drawing/2010/main" val="0"/>
-              </a:ext>
-            </a:extLst>
-          </a:blip>
-          <a:stretch>
-            <a:fillRect/>
-          </a:stretch>
-        </p:blipFill>
+          <p:cNvPr id="50178" name="Rectangle 2"/>
+          <p:cNvSpPr>
+            <a:spLocks noGrp="1" noChangeArrowheads="1"/>
+          </p:cNvSpPr>
+          <p:nvPr>
+            <p:ph type="title"/>
+          </p:nvPr>
+        </p:nvSpPr>
         <p:spPr>
           <a:xfrm>
-            <a:off x="1219200" y="1066800"/>
-            <a:ext cx="6784992" cy="5075174"/>
+            <a:off x="457200" y="1219200"/>
+            <a:ext cx="8229600" cy="780288"/>
           </a:xfrm>
-          <a:prstGeom prst="rect">
-            <a:avLst/>
-          </a:prstGeom>
         </p:spPr>
-      </p:pic>
+        <p:txBody>
+          <a:bodyPr>
+            <a:normAutofit/>
+          </a:bodyPr>
+          <a:lstStyle/>
+          <a:p>
+            <a:r>
+              <a:rPr lang="en-US" sz="4400" dirty="0" smtClean="0">
+                <a:solidFill>
+                  <a:srgbClr val="0062AC"/>
+                </a:solidFill>
+              </a:rPr>
+              <a:t>Agenda:</a:t>
+            </a:r>
+            <a:endParaRPr lang="en-US" sz="4400" dirty="0">
+              <a:solidFill>
+                <a:srgbClr val="0062AC"/>
+              </a:solidFill>
+            </a:endParaRPr>
+          </a:p>
+        </p:txBody>
+      </p:sp>
+      <p:sp>
+        <p:nvSpPr>
+          <p:cNvPr id="50179" name="Rectangle 3"/>
+          <p:cNvSpPr>
+            <a:spLocks noGrp="1" noChangeAspect="1" noChangeArrowheads="1"/>
+          </p:cNvSpPr>
+          <p:nvPr>
+            <p:ph idx="1"/>
+          </p:nvPr>
+        </p:nvSpPr>
+        <p:spPr>
+          <a:xfrm>
+            <a:off x="685800" y="2133600"/>
+            <a:ext cx="7543800" cy="3810000"/>
+          </a:xfrm>
+        </p:spPr>
+        <p:txBody>
+          <a:bodyPr>
+            <a:normAutofit/>
+          </a:bodyPr>
+          <a:lstStyle/>
+          <a:p>
+            <a:pPr>
+              <a:spcBef>
+                <a:spcPct val="60000"/>
+              </a:spcBef>
+            </a:pPr>
+            <a:endParaRPr lang="en-US" sz="2800" dirty="0" smtClean="0"/>
+          </a:p>
+          <a:p>
+            <a:r>
+              <a:rPr lang="en-US" sz="2800" dirty="0" smtClean="0">
+                <a:solidFill>
+                  <a:srgbClr val="595959"/>
+                </a:solidFill>
+                <a:latin typeface="Arial" charset="0"/>
+              </a:rPr>
+              <a:t>Pre-Jenkins – how we used to do this</a:t>
+            </a:r>
+            <a:endParaRPr lang="en-US" sz="2800" dirty="0">
+              <a:solidFill>
+                <a:srgbClr val="595959"/>
+              </a:solidFill>
+              <a:latin typeface="Arial" charset="0"/>
+            </a:endParaRPr>
+          </a:p>
+          <a:p>
+            <a:r>
+              <a:rPr lang="en-US" sz="2800" dirty="0" smtClean="0">
+                <a:solidFill>
+                  <a:srgbClr val="595959"/>
+                </a:solidFill>
+                <a:latin typeface="Arial" charset="0"/>
+              </a:rPr>
+              <a:t>Post-Jenkins – automation is sweet</a:t>
+            </a:r>
+          </a:p>
+          <a:p>
+            <a:r>
+              <a:rPr lang="en-US" sz="2800" dirty="0" smtClean="0">
+                <a:solidFill>
+                  <a:srgbClr val="595959"/>
+                </a:solidFill>
+                <a:latin typeface="Arial" charset="0"/>
+              </a:rPr>
+              <a:t>Live Demo</a:t>
+            </a:r>
+          </a:p>
+          <a:p>
+            <a:r>
+              <a:rPr lang="en-US" sz="2800" dirty="0" smtClean="0">
+                <a:solidFill>
+                  <a:srgbClr val="595959"/>
+                </a:solidFill>
+                <a:latin typeface="Arial" charset="0"/>
+              </a:rPr>
+              <a:t>Discuss the tools &amp; how to get them</a:t>
+            </a:r>
+          </a:p>
+          <a:p>
+            <a:r>
+              <a:rPr lang="en-US" sz="2800" dirty="0" smtClean="0">
+                <a:solidFill>
+                  <a:srgbClr val="595959"/>
+                </a:solidFill>
+                <a:latin typeface="Arial" charset="0"/>
+              </a:rPr>
+              <a:t>Q&amp;A</a:t>
+            </a:r>
+            <a:endParaRPr lang="en-US" sz="2800" dirty="0">
+              <a:solidFill>
+                <a:srgbClr val="595959"/>
+              </a:solidFill>
+              <a:latin typeface="Arial" charset="0"/>
+            </a:endParaRPr>
+          </a:p>
+          <a:p>
+            <a:pPr marL="0" indent="0">
+              <a:spcBef>
+                <a:spcPct val="60000"/>
+              </a:spcBef>
+              <a:buNone/>
+            </a:pPr>
+            <a:endParaRPr lang="en-US" sz="2000" dirty="0"/>
+          </a:p>
+          <a:p>
+            <a:pPr>
+              <a:spcBef>
+                <a:spcPct val="60000"/>
+              </a:spcBef>
+            </a:pPr>
+            <a:endParaRPr lang="en-US" sz="2000" dirty="0"/>
+          </a:p>
+          <a:p>
+            <a:pPr>
+              <a:spcBef>
+                <a:spcPct val="60000"/>
+              </a:spcBef>
+            </a:pPr>
+            <a:endParaRPr lang="en-US" sz="2000" dirty="0"/>
+          </a:p>
+        </p:txBody>
+      </p:sp>
     </p:spTree>
     <p:extLst>
       <p:ext uri="{BB962C8B-B14F-4D97-AF65-F5344CB8AC3E}">
-        <p14:creationId xmlns:p14="http://schemas.microsoft.com/office/powerpoint/2010/main" val="3566936081"/>
+        <p14:creationId xmlns:p14="http://schemas.microsoft.com/office/powerpoint/2010/main" val="521512709"/>
       </p:ext>
     </p:extLst>
   </p:cSld>
   <p:clrMapOvr>
     <a:masterClrMapping/>
   </p:clrMapOvr>
+  <p:transition xmlns:p14="http://schemas.microsoft.com/office/powerpoint/2010/main">
+    <p:fade/>
+  </p:transition>
   <p:timing>
     <p:tnLst>
       <p:par>

--- a/MABUG2014-8743.pptx
+++ b/MABUG2014-8743.pptx
@@ -1951,7 +1951,21 @@
           <a:bodyPr/>
           <a:lstStyle/>
           <a:p>
-            <a:endParaRPr lang="en-US"/>
+            <a:r>
+              <a:rPr lang="en-US" dirty="0" smtClean="0"/>
+              <a:t>Easy to lose track of the Goal of the College, to do our best to</a:t>
+            </a:r>
+            <a:r>
+              <a:rPr lang="en-US" baseline="0" dirty="0" smtClean="0"/>
+              <a:t> “produce” graduates that can Change the World. Hopefully for the better.</a:t>
+            </a:r>
+          </a:p>
+          <a:p>
+            <a:r>
+              <a:rPr lang="en-US" baseline="0" dirty="0" smtClean="0"/>
+              <a:t>It’s our job to work together to enable that to occur.</a:t>
+            </a:r>
+            <a:endParaRPr lang="en-US" dirty="0"/>
           </a:p>
         </p:txBody>
       </p:sp>
